--- a/collaborative-programming/slides.pptx
+++ b/collaborative-programming/slides.pptx
@@ -5,33 +5,41 @@
     <p:sldMasterId id="2147483699" r:id="rId1"/>
   </p:sldMasterIdLst>
   <p:notesMasterIdLst>
-    <p:notesMasterId r:id="rId26"/>
+    <p:notesMasterId r:id="rId34"/>
   </p:notesMasterIdLst>
   <p:sldIdLst>
     <p:sldId id="257" r:id="rId2"/>
-    <p:sldId id="269" r:id="rId3"/>
-    <p:sldId id="281" r:id="rId4"/>
-    <p:sldId id="270" r:id="rId5"/>
-    <p:sldId id="266" r:id="rId6"/>
-    <p:sldId id="267" r:id="rId7"/>
-    <p:sldId id="268" r:id="rId8"/>
+    <p:sldId id="281" r:id="rId3"/>
+    <p:sldId id="269" r:id="rId4"/>
+    <p:sldId id="266" r:id="rId5"/>
+    <p:sldId id="267" r:id="rId6"/>
+    <p:sldId id="268" r:id="rId7"/>
+    <p:sldId id="289" r:id="rId8"/>
     <p:sldId id="259" r:id="rId9"/>
-    <p:sldId id="271" r:id="rId10"/>
-    <p:sldId id="278" r:id="rId11"/>
-    <p:sldId id="283" r:id="rId12"/>
-    <p:sldId id="272" r:id="rId13"/>
-    <p:sldId id="260" r:id="rId14"/>
-    <p:sldId id="261" r:id="rId15"/>
-    <p:sldId id="275" r:id="rId16"/>
-    <p:sldId id="276" r:id="rId17"/>
-    <p:sldId id="277" r:id="rId18"/>
-    <p:sldId id="273" r:id="rId19"/>
-    <p:sldId id="280" r:id="rId20"/>
-    <p:sldId id="282" r:id="rId21"/>
-    <p:sldId id="274" r:id="rId22"/>
-    <p:sldId id="258" r:id="rId23"/>
-    <p:sldId id="264" r:id="rId24"/>
-    <p:sldId id="265" r:id="rId25"/>
+    <p:sldId id="290" r:id="rId10"/>
+    <p:sldId id="284" r:id="rId11"/>
+    <p:sldId id="278" r:id="rId12"/>
+    <p:sldId id="283" r:id="rId13"/>
+    <p:sldId id="285" r:id="rId14"/>
+    <p:sldId id="291" r:id="rId15"/>
+    <p:sldId id="260" r:id="rId16"/>
+    <p:sldId id="261" r:id="rId17"/>
+    <p:sldId id="275" r:id="rId18"/>
+    <p:sldId id="292" r:id="rId19"/>
+    <p:sldId id="293" r:id="rId20"/>
+    <p:sldId id="276" r:id="rId21"/>
+    <p:sldId id="277" r:id="rId22"/>
+    <p:sldId id="294" r:id="rId23"/>
+    <p:sldId id="286" r:id="rId24"/>
+    <p:sldId id="280" r:id="rId25"/>
+    <p:sldId id="295" r:id="rId26"/>
+    <p:sldId id="296" r:id="rId27"/>
+    <p:sldId id="282" r:id="rId28"/>
+    <p:sldId id="287" r:id="rId29"/>
+    <p:sldId id="258" r:id="rId30"/>
+    <p:sldId id="288" r:id="rId31"/>
+    <p:sldId id="297" r:id="rId32"/>
+    <p:sldId id="264" r:id="rId33"/>
   </p:sldIdLst>
   <p:sldSz cx="12192000" cy="6858000"/>
   <p:notesSz cx="7010400" cy="9296400"/>
@@ -244,7 +252,7 @@
           <a:p>
             <a:fld id="{E50018E0-2955-4D05-A9AB-3C504B6627C8}" type="datetimeFigureOut">
               <a:rPr lang="en-US" smtClean="0"/>
-              <a:t>2/22/24</a:t>
+              <a:t>2/23/24</a:t>
             </a:fld>
             <a:endParaRPr lang="en-US"/>
           </a:p>
@@ -1149,11 +1157,12 @@
             </a:lvl1pPr>
           </a:lstStyle>
           <a:p>
-            <a:fld id="{B700F21C-8F8F-42F3-B54E-DA825E538004}" type="slidenum">
-              <a:rPr lang="en-US" smtClean="0"/>
-              <a:pPr/>
-              <a:t>‹#›</a:t>
-            </a:fld>
+            <a:r>
+              <a:rPr lang="en-US" dirty="0"/>
+              <a:t>collaborative programming with GitHub</a:t>
+            </a:r>
+          </a:p>
+          <a:p>
             <a:endParaRPr lang="en-US" dirty="0"/>
           </a:p>
         </p:txBody>
@@ -1315,12 +1324,10 @@
             </a:lvl1pPr>
           </a:lstStyle>
           <a:p>
-            <a:fld id="{B700F21C-8F8F-42F3-B54E-DA825E538004}" type="slidenum">
-              <a:rPr lang="en-US" smtClean="0"/>
-              <a:pPr/>
-              <a:t>‹#›</a:t>
-            </a:fld>
-            <a:endParaRPr lang="en-US" dirty="0"/>
+            <a:r>
+              <a:rPr lang="en-US" dirty="0"/>
+              <a:t>collaborative programming with GitHub</a:t>
+            </a:r>
           </a:p>
         </p:txBody>
       </p:sp>
@@ -1777,12 +1784,10 @@
             </a:lvl1pPr>
           </a:lstStyle>
           <a:p>
-            <a:fld id="{B700F21C-8F8F-42F3-B54E-DA825E538004}" type="slidenum">
-              <a:rPr lang="en-US" smtClean="0"/>
-              <a:pPr/>
-              <a:t>‹#›</a:t>
-            </a:fld>
-            <a:endParaRPr lang="en-US" dirty="0"/>
+            <a:r>
+              <a:rPr lang="en-US" dirty="0"/>
+              <a:t>collaborative programming with GitHub</a:t>
+            </a:r>
           </a:p>
         </p:txBody>
       </p:sp>
@@ -2034,12 +2039,10 @@
             </a:lvl1pPr>
           </a:lstStyle>
           <a:p>
-            <a:fld id="{B700F21C-8F8F-42F3-B54E-DA825E538004}" type="slidenum">
-              <a:rPr lang="en-US" smtClean="0"/>
-              <a:pPr/>
-              <a:t>‹#›</a:t>
-            </a:fld>
-            <a:endParaRPr lang="en-US" dirty="0"/>
+            <a:r>
+              <a:rPr lang="en-US" dirty="0"/>
+              <a:t>collaborative programming with GitHub</a:t>
+            </a:r>
           </a:p>
         </p:txBody>
       </p:sp>
@@ -2378,12 +2381,10 @@
             </a:lvl1pPr>
           </a:lstStyle>
           <a:p>
-            <a:fld id="{B700F21C-8F8F-42F3-B54E-DA825E538004}" type="slidenum">
-              <a:rPr lang="en-US" smtClean="0"/>
-              <a:pPr/>
-              <a:t>‹#›</a:t>
-            </a:fld>
-            <a:endParaRPr lang="en-US" dirty="0"/>
+            <a:r>
+              <a:rPr lang="en-US" dirty="0"/>
+              <a:t>collaborative programming with GitHub</a:t>
+            </a:r>
           </a:p>
         </p:txBody>
       </p:sp>
@@ -2491,12 +2492,10 @@
             </a:lvl1pPr>
           </a:lstStyle>
           <a:p>
-            <a:fld id="{B700F21C-8F8F-42F3-B54E-DA825E538004}" type="slidenum">
-              <a:rPr lang="en-US" smtClean="0"/>
-              <a:pPr/>
-              <a:t>‹#›</a:t>
-            </a:fld>
-            <a:endParaRPr lang="en-US" dirty="0"/>
+            <a:r>
+              <a:rPr lang="en-US" dirty="0"/>
+              <a:t>collaborative programming with GitHub</a:t>
+            </a:r>
           </a:p>
         </p:txBody>
       </p:sp>
@@ -3640,7 +3639,7 @@
             </a:r>
             <a:r>
               <a:rPr lang="en-US" dirty="0"/>
-              <a:t> Retreat | Tuesday 27 February 2024</a:t>
+              <a:t> Retreat | Monday 26 February 2024</a:t>
             </a:r>
           </a:p>
         </p:txBody>
@@ -3675,75 +3674,12 @@
           <a:chExt cx="0" cy="0"/>
         </a:xfrm>
       </p:grpSpPr>
-      <p:sp>
-        <p:nvSpPr>
-          <p:cNvPr id="4" name="Slide Number Placeholder 3">
-            <a:extLst>
-              <a:ext uri="{FF2B5EF4-FFF2-40B4-BE49-F238E27FC236}">
-                <a16:creationId xmlns:a16="http://schemas.microsoft.com/office/drawing/2014/main" id="{13580F34-931B-3121-9897-6B5D1349C8EE}"/>
-              </a:ext>
-            </a:extLst>
-          </p:cNvPr>
-          <p:cNvSpPr>
-            <a:spLocks noGrp="1"/>
-          </p:cNvSpPr>
-          <p:nvPr>
-            <p:ph type="sldNum" sz="quarter" idx="12"/>
-          </p:nvPr>
-        </p:nvSpPr>
-        <p:spPr>
-          <a:xfrm>
-            <a:off x="8610055" y="6446879"/>
-            <a:ext cx="2937933" cy="277617"/>
-          </a:xfrm>
-        </p:spPr>
-        <p:txBody>
-          <a:bodyPr/>
-          <a:lstStyle/>
-          <a:p>
-            <a:fld id="{B700F21C-8F8F-42F3-B54E-DA825E538004}" type="slidenum">
-              <a:rPr lang="en-US" smtClean="0"/>
-              <a:pPr/>
-              <a:t>10</a:t>
-            </a:fld>
-            <a:endParaRPr lang="en-US" dirty="0"/>
-          </a:p>
-        </p:txBody>
-      </p:sp>
-      <p:sp>
-        <p:nvSpPr>
-          <p:cNvPr id="5" name="Title 4">
-            <a:extLst>
-              <a:ext uri="{FF2B5EF4-FFF2-40B4-BE49-F238E27FC236}">
-                <a16:creationId xmlns:a16="http://schemas.microsoft.com/office/drawing/2014/main" id="{BD3EFE61-3796-9528-7F7A-25DFE2C1B4BF}"/>
-              </a:ext>
-            </a:extLst>
-          </p:cNvPr>
-          <p:cNvSpPr>
-            <a:spLocks noGrp="1"/>
-          </p:cNvSpPr>
-          <p:nvPr>
-            <p:ph type="title"/>
-          </p:nvPr>
-        </p:nvSpPr>
-        <p:spPr/>
-        <p:txBody>
-          <a:bodyPr/>
-          <a:lstStyle/>
-          <a:p>
-            <a:r>
-              <a:rPr lang="en-US" dirty="0"/>
-              <a:t>What’s the difference between git and GitHub?</a:t>
-            </a:r>
-          </a:p>
-        </p:txBody>
-      </p:sp>
       <p:pic>
         <p:nvPicPr>
-          <p:cNvPr id="3074" name="Picture 2" descr="Git">
-            <a:extLst>
-              <a:ext uri="{FF2B5EF4-FFF2-40B4-BE49-F238E27FC236}">
-                <a16:creationId xmlns:a16="http://schemas.microsoft.com/office/drawing/2014/main" id="{4A90124B-A937-84DE-E789-2BD873F92AC4}"/>
+          <p:cNvPr id="1026" name="Picture 2" descr="Setuptocat">
+            <a:extLst>
+              <a:ext uri="{FF2B5EF4-FFF2-40B4-BE49-F238E27FC236}">
+                <a16:creationId xmlns:a16="http://schemas.microsoft.com/office/drawing/2014/main" id="{5986D6F2-824B-3328-BA69-53CDBA2150F6}"/>
               </a:ext>
             </a:extLst>
           </p:cNvPr>
@@ -3752,7 +3688,7 @@
           </p:cNvPicPr>
           <p:nvPr/>
         </p:nvPicPr>
-        <p:blipFill>
+        <p:blipFill rotWithShape="1">
           <a:blip r:embed="rId2">
             <a:extLst>
               <a:ext uri="{28A0092B-C50C-407E-A947-70E740481C1C}">
@@ -3760,15 +3696,13 @@
               </a:ext>
             </a:extLst>
           </a:blip>
-          <a:srcRect/>
-          <a:stretch>
-            <a:fillRect/>
-          </a:stretch>
+          <a:srcRect b="7165"/>
+          <a:stretch/>
         </p:blipFill>
         <p:spPr bwMode="auto">
           <a:xfrm>
-            <a:off x="2492049" y="1232145"/>
-            <a:ext cx="1397000" cy="584200"/>
+            <a:off x="2367955" y="1520483"/>
+            <a:ext cx="5636561" cy="5232690"/>
           </a:xfrm>
           <a:prstGeom prst="rect">
             <a:avLst/>
@@ -3785,252 +3719,153 @@
           </a:extLst>
         </p:spPr>
       </p:pic>
-      <p:pic>
-        <p:nvPicPr>
-          <p:cNvPr id="3076" name="Picture 4">
-            <a:extLst>
-              <a:ext uri="{FF2B5EF4-FFF2-40B4-BE49-F238E27FC236}">
-                <a16:creationId xmlns:a16="http://schemas.microsoft.com/office/drawing/2014/main" id="{76293A23-7806-5383-2126-4C45C792B85B}"/>
-              </a:ext>
-            </a:extLst>
-          </p:cNvPr>
-          <p:cNvPicPr>
-            <a:picLocks noChangeAspect="1" noChangeArrowheads="1"/>
-          </p:cNvPicPr>
-          <p:nvPr/>
-        </p:nvPicPr>
-        <p:blipFill>
-          <a:blip r:embed="rId3">
-            <a:extLst>
-              <a:ext uri="{28A0092B-C50C-407E-A947-70E740481C1C}">
-                <a14:useLocalDpi xmlns:a14="http://schemas.microsoft.com/office/drawing/2010/main" val="0"/>
-              </a:ext>
-            </a:extLst>
-          </a:blip>
-          <a:srcRect/>
-          <a:stretch>
-            <a:fillRect/>
-          </a:stretch>
-        </p:blipFill>
-        <p:spPr bwMode="auto">
-          <a:xfrm>
-            <a:off x="677536" y="2232215"/>
-            <a:ext cx="4940300" cy="3187700"/>
-          </a:xfrm>
-          <a:prstGeom prst="rect">
-            <a:avLst/>
-          </a:prstGeom>
-          <a:noFill/>
-          <a:extLst>
-            <a:ext uri="{909E8E84-426E-40DD-AFC4-6F175D3DCCD1}">
-              <a14:hiddenFill xmlns:a14="http://schemas.microsoft.com/office/drawing/2010/main">
-                <a:solidFill>
-                  <a:srgbClr val="FFFFFF"/>
-                </a:solidFill>
-              </a14:hiddenFill>
-            </a:ext>
-          </a:extLst>
-        </p:spPr>
-      </p:pic>
-      <p:pic>
-        <p:nvPicPr>
-          <p:cNvPr id="3078" name="Picture 6" descr="Annotated diagram of a collaborative project repository. Explained in the caption.">
-            <a:extLst>
-              <a:ext uri="{FF2B5EF4-FFF2-40B4-BE49-F238E27FC236}">
-                <a16:creationId xmlns:a16="http://schemas.microsoft.com/office/drawing/2014/main" id="{791AEC4C-A9F9-AA8B-F8B2-7702E09EB1CA}"/>
-              </a:ext>
-            </a:extLst>
-          </p:cNvPr>
-          <p:cNvPicPr>
-            <a:picLocks noChangeAspect="1" noChangeArrowheads="1"/>
-          </p:cNvPicPr>
-          <p:nvPr/>
-        </p:nvPicPr>
-        <p:blipFill>
-          <a:blip r:embed="rId4">
-            <a:extLst>
-              <a:ext uri="{28A0092B-C50C-407E-A947-70E740481C1C}">
-                <a14:useLocalDpi xmlns:a14="http://schemas.microsoft.com/office/drawing/2010/main" val="0"/>
-              </a:ext>
-            </a:extLst>
-          </a:blip>
-          <a:srcRect/>
-          <a:stretch>
-            <a:fillRect/>
-          </a:stretch>
-        </p:blipFill>
-        <p:spPr bwMode="auto">
-          <a:xfrm>
-            <a:off x="5768518" y="2082889"/>
-            <a:ext cx="6095998" cy="3428999"/>
-          </a:xfrm>
-          <a:prstGeom prst="rect">
-            <a:avLst/>
-          </a:prstGeom>
-          <a:noFill/>
-          <a:extLst>
-            <a:ext uri="{909E8E84-426E-40DD-AFC4-6F175D3DCCD1}">
-              <a14:hiddenFill xmlns:a14="http://schemas.microsoft.com/office/drawing/2010/main">
-                <a:solidFill>
-                  <a:srgbClr val="FFFFFF"/>
-                </a:solidFill>
-              </a14:hiddenFill>
-            </a:ext>
-          </a:extLst>
-        </p:spPr>
-      </p:pic>
-      <p:sp>
-        <p:nvSpPr>
-          <p:cNvPr id="11" name="TextBox 10">
-            <a:extLst>
-              <a:ext uri="{FF2B5EF4-FFF2-40B4-BE49-F238E27FC236}">
-                <a16:creationId xmlns:a16="http://schemas.microsoft.com/office/drawing/2014/main" id="{1AC0331F-383B-3CA7-4D41-ECF373F89B27}"/>
-              </a:ext>
-            </a:extLst>
-          </p:cNvPr>
-          <p:cNvSpPr txBox="1"/>
-          <p:nvPr/>
-        </p:nvSpPr>
-        <p:spPr>
-          <a:xfrm>
-            <a:off x="677536" y="5355899"/>
-            <a:ext cx="6093618" cy="369332"/>
-          </a:xfrm>
-          <a:prstGeom prst="rect">
-            <a:avLst/>
-          </a:prstGeom>
-          <a:noFill/>
-        </p:spPr>
-        <p:txBody>
-          <a:bodyPr wrap="square">
-            <a:spAutoFit/>
+      <p:sp>
+        <p:nvSpPr>
+          <p:cNvPr id="2" name="Content Placeholder 1">
+            <a:extLst>
+              <a:ext uri="{FF2B5EF4-FFF2-40B4-BE49-F238E27FC236}">
+                <a16:creationId xmlns:a16="http://schemas.microsoft.com/office/drawing/2014/main" id="{E9F87B1F-F817-5F77-59EC-9328516B0081}"/>
+              </a:ext>
+            </a:extLst>
+          </p:cNvPr>
+          <p:cNvSpPr>
+            <a:spLocks noGrp="1"/>
+          </p:cNvSpPr>
+          <p:nvPr>
+            <p:ph sz="half" idx="1"/>
+          </p:nvPr>
+        </p:nvSpPr>
+        <p:spPr/>
+        <p:txBody>
+          <a:bodyPr>
+            <a:normAutofit/>
           </a:bodyPr>
           <a:lstStyle/>
           <a:p>
             <a:r>
-              <a:rPr lang="en-US" dirty="0">
-                <a:effectLst/>
-              </a:rPr>
-              <a:t>― Git. “Git.” </a:t>
-            </a:r>
-            <a:r>
-              <a:rPr lang="en-US" dirty="0">
-                <a:effectLst/>
-                <a:hlinkClick r:id="rId5"/>
-              </a:rPr>
-              <a:t>https://git-scm.com/</a:t>
-            </a:r>
-            <a:r>
-              <a:rPr lang="en-US" dirty="0">
-                <a:effectLst/>
-              </a:rPr>
-              <a:t>.</a:t>
-            </a:r>
-          </a:p>
-        </p:txBody>
-      </p:sp>
-      <p:sp>
-        <p:nvSpPr>
-          <p:cNvPr id="13" name="TextBox 12">
-            <a:extLst>
-              <a:ext uri="{FF2B5EF4-FFF2-40B4-BE49-F238E27FC236}">
-                <a16:creationId xmlns:a16="http://schemas.microsoft.com/office/drawing/2014/main" id="{3EBF58CE-6855-C45F-0420-F4058208B22E}"/>
-              </a:ext>
-            </a:extLst>
-          </p:cNvPr>
-          <p:cNvSpPr txBox="1"/>
-          <p:nvPr/>
-        </p:nvSpPr>
-        <p:spPr>
-          <a:xfrm>
-            <a:off x="5617836" y="5108359"/>
-            <a:ext cx="6093618" cy="1477328"/>
-          </a:xfrm>
-          <a:prstGeom prst="rect">
-            <a:avLst/>
-          </a:prstGeom>
-          <a:noFill/>
-        </p:spPr>
-        <p:txBody>
-          <a:bodyPr wrap="square">
-            <a:spAutoFit/>
+              <a:rPr lang="en-US" sz="4800" dirty="0"/>
+              <a:t>Why?</a:t>
+            </a:r>
+            <a:endParaRPr lang="en-US" sz="4800" dirty="0">
+              <a:solidFill>
+                <a:schemeClr val="tx1"/>
+              </a:solidFill>
+            </a:endParaRPr>
+          </a:p>
+          <a:p>
+            <a:r>
+              <a:rPr lang="en-US" sz="4800" b="1" dirty="0">
+                <a:solidFill>
+                  <a:schemeClr val="tx1"/>
+                </a:solidFill>
+              </a:rPr>
+              <a:t>What?</a:t>
+            </a:r>
+          </a:p>
+          <a:p>
+            <a:r>
+              <a:rPr lang="en-US" sz="4800" dirty="0"/>
+              <a:t>How?</a:t>
+            </a:r>
+          </a:p>
+        </p:txBody>
+      </p:sp>
+      <p:sp>
+        <p:nvSpPr>
+          <p:cNvPr id="3" name="Content Placeholder 2">
+            <a:extLst>
+              <a:ext uri="{FF2B5EF4-FFF2-40B4-BE49-F238E27FC236}">
+                <a16:creationId xmlns:a16="http://schemas.microsoft.com/office/drawing/2014/main" id="{E46824D6-3855-1D30-A880-E24C7331B2D4}"/>
+              </a:ext>
+            </a:extLst>
+          </p:cNvPr>
+          <p:cNvSpPr>
+            <a:spLocks noGrp="1"/>
+          </p:cNvSpPr>
+          <p:nvPr>
+            <p:ph sz="half" idx="2"/>
+          </p:nvPr>
+        </p:nvSpPr>
+        <p:spPr/>
+        <p:txBody>
+          <a:bodyPr>
+            <a:normAutofit/>
           </a:bodyPr>
           <a:lstStyle/>
           <a:p>
             <a:r>
-              <a:rPr lang="en-US" dirty="0">
-                <a:effectLst/>
-              </a:rPr>
-              <a:t>― The Turing Way Community. “Using GitHub Features to Foster Collaboration.” In </a:t>
-            </a:r>
-            <a:r>
-              <a:rPr lang="en-US" i="1" dirty="0">
-                <a:effectLst/>
-              </a:rPr>
-              <a:t>The Turing Way</a:t>
-            </a:r>
-            <a:r>
-              <a:rPr lang="en-US" dirty="0">
-                <a:effectLst/>
-              </a:rPr>
-              <a:t>, 2024. </a:t>
-            </a:r>
-            <a:r>
-              <a:rPr lang="en-US" dirty="0">
-                <a:effectLst/>
-                <a:hlinkClick r:id="rId6"/>
-              </a:rPr>
-              <a:t>https://the-turing-way.netlify.app/collaboration/github-novice/github-novice-features#using-github-features-to-foster-collaboration</a:t>
-            </a:r>
-            <a:r>
-              <a:rPr lang="en-US" dirty="0">
-                <a:effectLst/>
-              </a:rPr>
-              <a:t>.</a:t>
-            </a:r>
-          </a:p>
-        </p:txBody>
-      </p:sp>
-      <p:pic>
-        <p:nvPicPr>
-          <p:cNvPr id="16" name="Picture 15" descr="GitHub">
-            <a:extLst>
-              <a:ext uri="{FF2B5EF4-FFF2-40B4-BE49-F238E27FC236}">
-                <a16:creationId xmlns:a16="http://schemas.microsoft.com/office/drawing/2014/main" id="{46D64573-78E6-1389-FE8B-3950001D0DE0}"/>
-              </a:ext>
-            </a:extLst>
-          </p:cNvPr>
-          <p:cNvPicPr>
-            <a:picLocks noChangeAspect="1"/>
-          </p:cNvPicPr>
-          <p:nvPr/>
-        </p:nvPicPr>
-        <p:blipFill>
-          <a:blip r:embed="rId7">
-            <a:extLst>
-              <a:ext uri="{28A0092B-C50C-407E-A947-70E740481C1C}">
-                <a14:useLocalDpi xmlns:a14="http://schemas.microsoft.com/office/drawing/2010/main" val="0"/>
-              </a:ext>
-            </a:extLst>
-          </a:blip>
-          <a:stretch>
-            <a:fillRect/>
-          </a:stretch>
-        </p:blipFill>
-        <p:spPr>
-          <a:xfrm>
-            <a:off x="7791155" y="1109214"/>
-            <a:ext cx="2050724" cy="840797"/>
-          </a:xfrm>
-          <a:prstGeom prst="rect">
-            <a:avLst/>
-          </a:prstGeom>
-        </p:spPr>
-      </p:pic>
+              <a:rPr lang="en-US" sz="4800" dirty="0"/>
+              <a:t>Danger?</a:t>
+            </a:r>
+          </a:p>
+          <a:p>
+            <a:r>
+              <a:rPr lang="en-US" sz="4800" dirty="0"/>
+              <a:t>Help?</a:t>
+            </a:r>
+          </a:p>
+        </p:txBody>
+      </p:sp>
+      <p:sp>
+        <p:nvSpPr>
+          <p:cNvPr id="4" name="Slide Number Placeholder 3">
+            <a:extLst>
+              <a:ext uri="{FF2B5EF4-FFF2-40B4-BE49-F238E27FC236}">
+                <a16:creationId xmlns:a16="http://schemas.microsoft.com/office/drawing/2014/main" id="{88883128-AF4E-6E39-C42D-EA60C6C1F760}"/>
+              </a:ext>
+            </a:extLst>
+          </p:cNvPr>
+          <p:cNvSpPr>
+            <a:spLocks noGrp="1"/>
+          </p:cNvSpPr>
+          <p:nvPr>
+            <p:ph type="sldNum" sz="quarter" idx="12"/>
+          </p:nvPr>
+        </p:nvSpPr>
+        <p:spPr/>
+        <p:txBody>
+          <a:bodyPr/>
+          <a:lstStyle/>
+          <a:p>
+            <a:r>
+              <a:rPr lang="en-US" dirty="0"/>
+              <a:t>collaborative programming with GitHub</a:t>
+            </a:r>
+          </a:p>
+        </p:txBody>
+      </p:sp>
+      <p:sp>
+        <p:nvSpPr>
+          <p:cNvPr id="5" name="Title 4">
+            <a:extLst>
+              <a:ext uri="{FF2B5EF4-FFF2-40B4-BE49-F238E27FC236}">
+                <a16:creationId xmlns:a16="http://schemas.microsoft.com/office/drawing/2014/main" id="{74EEF3ED-A695-E1AF-E0CF-280C0D2E680C}"/>
+              </a:ext>
+            </a:extLst>
+          </p:cNvPr>
+          <p:cNvSpPr>
+            <a:spLocks noGrp="1"/>
+          </p:cNvSpPr>
+          <p:nvPr>
+            <p:ph type="title"/>
+          </p:nvPr>
+        </p:nvSpPr>
+        <p:spPr/>
+        <p:txBody>
+          <a:bodyPr/>
+          <a:lstStyle/>
+          <a:p>
+            <a:r>
+              <a:rPr lang="en-US" dirty="0"/>
+              <a:t>Collaborative programming with GitHub</a:t>
+            </a:r>
+          </a:p>
+        </p:txBody>
+      </p:sp>
     </p:spTree>
     <p:extLst>
       <p:ext uri="{BB962C8B-B14F-4D97-AF65-F5344CB8AC3E}">
-        <p14:creationId xmlns:p14="http://schemas.microsoft.com/office/powerpoint/2010/main" val="2396827037"/>
+        <p14:creationId xmlns:p14="http://schemas.microsoft.com/office/powerpoint/2010/main" val="4093432011"/>
       </p:ext>
     </p:extLst>
   </p:cSld>
@@ -4083,12 +3918,393 @@
           <a:bodyPr/>
           <a:lstStyle/>
           <a:p>
-            <a:fld id="{B700F21C-8F8F-42F3-B54E-DA825E538004}" type="slidenum">
-              <a:rPr lang="en-US" smtClean="0"/>
-              <a:pPr/>
-              <a:t>11</a:t>
-            </a:fld>
+            <a:r>
+              <a:rPr lang="en-US" dirty="0"/>
+              <a:t>collaborative programming with GitHub</a:t>
+            </a:r>
+          </a:p>
+          <a:p>
             <a:endParaRPr lang="en-US" dirty="0"/>
+          </a:p>
+        </p:txBody>
+      </p:sp>
+      <p:sp>
+        <p:nvSpPr>
+          <p:cNvPr id="5" name="Title 4">
+            <a:extLst>
+              <a:ext uri="{FF2B5EF4-FFF2-40B4-BE49-F238E27FC236}">
+                <a16:creationId xmlns:a16="http://schemas.microsoft.com/office/drawing/2014/main" id="{BD3EFE61-3796-9528-7F7A-25DFE2C1B4BF}"/>
+              </a:ext>
+            </a:extLst>
+          </p:cNvPr>
+          <p:cNvSpPr>
+            <a:spLocks noGrp="1"/>
+          </p:cNvSpPr>
+          <p:nvPr>
+            <p:ph type="title"/>
+          </p:nvPr>
+        </p:nvSpPr>
+        <p:spPr/>
+        <p:txBody>
+          <a:bodyPr/>
+          <a:lstStyle/>
+          <a:p>
+            <a:r>
+              <a:rPr lang="en-US" dirty="0"/>
+              <a:t>What’s the difference between git and GitHub?</a:t>
+            </a:r>
+          </a:p>
+        </p:txBody>
+      </p:sp>
+      <p:pic>
+        <p:nvPicPr>
+          <p:cNvPr id="3074" name="Picture 2" descr="Git">
+            <a:extLst>
+              <a:ext uri="{FF2B5EF4-FFF2-40B4-BE49-F238E27FC236}">
+                <a16:creationId xmlns:a16="http://schemas.microsoft.com/office/drawing/2014/main" id="{4A90124B-A937-84DE-E789-2BD873F92AC4}"/>
+              </a:ext>
+            </a:extLst>
+          </p:cNvPr>
+          <p:cNvPicPr>
+            <a:picLocks noChangeAspect="1" noChangeArrowheads="1"/>
+          </p:cNvPicPr>
+          <p:nvPr/>
+        </p:nvPicPr>
+        <p:blipFill>
+          <a:blip r:embed="rId2">
+            <a:extLst>
+              <a:ext uri="{28A0092B-C50C-407E-A947-70E740481C1C}">
+                <a14:useLocalDpi xmlns:a14="http://schemas.microsoft.com/office/drawing/2010/main" val="0"/>
+              </a:ext>
+            </a:extLst>
+          </a:blip>
+          <a:srcRect/>
+          <a:stretch>
+            <a:fillRect/>
+          </a:stretch>
+        </p:blipFill>
+        <p:spPr bwMode="auto">
+          <a:xfrm>
+            <a:off x="2492049" y="1232145"/>
+            <a:ext cx="1397000" cy="584200"/>
+          </a:xfrm>
+          <a:prstGeom prst="rect">
+            <a:avLst/>
+          </a:prstGeom>
+          <a:noFill/>
+          <a:extLst>
+            <a:ext uri="{909E8E84-426E-40DD-AFC4-6F175D3DCCD1}">
+              <a14:hiddenFill xmlns:a14="http://schemas.microsoft.com/office/drawing/2010/main">
+                <a:solidFill>
+                  <a:srgbClr val="FFFFFF"/>
+                </a:solidFill>
+              </a14:hiddenFill>
+            </a:ext>
+          </a:extLst>
+        </p:spPr>
+      </p:pic>
+      <p:pic>
+        <p:nvPicPr>
+          <p:cNvPr id="3076" name="Picture 4">
+            <a:extLst>
+              <a:ext uri="{FF2B5EF4-FFF2-40B4-BE49-F238E27FC236}">
+                <a16:creationId xmlns:a16="http://schemas.microsoft.com/office/drawing/2014/main" id="{76293A23-7806-5383-2126-4C45C792B85B}"/>
+              </a:ext>
+            </a:extLst>
+          </p:cNvPr>
+          <p:cNvPicPr>
+            <a:picLocks noChangeAspect="1" noChangeArrowheads="1"/>
+          </p:cNvPicPr>
+          <p:nvPr/>
+        </p:nvPicPr>
+        <p:blipFill>
+          <a:blip r:embed="rId3">
+            <a:extLst>
+              <a:ext uri="{28A0092B-C50C-407E-A947-70E740481C1C}">
+                <a14:useLocalDpi xmlns:a14="http://schemas.microsoft.com/office/drawing/2010/main" val="0"/>
+              </a:ext>
+            </a:extLst>
+          </a:blip>
+          <a:srcRect/>
+          <a:stretch>
+            <a:fillRect/>
+          </a:stretch>
+        </p:blipFill>
+        <p:spPr bwMode="auto">
+          <a:xfrm>
+            <a:off x="677536" y="2232215"/>
+            <a:ext cx="4940300" cy="3187700"/>
+          </a:xfrm>
+          <a:prstGeom prst="rect">
+            <a:avLst/>
+          </a:prstGeom>
+          <a:noFill/>
+          <a:extLst>
+            <a:ext uri="{909E8E84-426E-40DD-AFC4-6F175D3DCCD1}">
+              <a14:hiddenFill xmlns:a14="http://schemas.microsoft.com/office/drawing/2010/main">
+                <a:solidFill>
+                  <a:srgbClr val="FFFFFF"/>
+                </a:solidFill>
+              </a14:hiddenFill>
+            </a:ext>
+          </a:extLst>
+        </p:spPr>
+      </p:pic>
+      <p:pic>
+        <p:nvPicPr>
+          <p:cNvPr id="3078" name="Picture 6" descr="Annotated diagram of a collaborative project repository. Explained in the caption.">
+            <a:extLst>
+              <a:ext uri="{FF2B5EF4-FFF2-40B4-BE49-F238E27FC236}">
+                <a16:creationId xmlns:a16="http://schemas.microsoft.com/office/drawing/2014/main" id="{791AEC4C-A9F9-AA8B-F8B2-7702E09EB1CA}"/>
+              </a:ext>
+            </a:extLst>
+          </p:cNvPr>
+          <p:cNvPicPr>
+            <a:picLocks noChangeAspect="1" noChangeArrowheads="1"/>
+          </p:cNvPicPr>
+          <p:nvPr/>
+        </p:nvPicPr>
+        <p:blipFill>
+          <a:blip r:embed="rId4">
+            <a:extLst>
+              <a:ext uri="{28A0092B-C50C-407E-A947-70E740481C1C}">
+                <a14:useLocalDpi xmlns:a14="http://schemas.microsoft.com/office/drawing/2010/main" val="0"/>
+              </a:ext>
+            </a:extLst>
+          </a:blip>
+          <a:srcRect/>
+          <a:stretch>
+            <a:fillRect/>
+          </a:stretch>
+        </p:blipFill>
+        <p:spPr bwMode="auto">
+          <a:xfrm>
+            <a:off x="5768518" y="2082889"/>
+            <a:ext cx="6095998" cy="3428999"/>
+          </a:xfrm>
+          <a:prstGeom prst="rect">
+            <a:avLst/>
+          </a:prstGeom>
+          <a:noFill/>
+          <a:extLst>
+            <a:ext uri="{909E8E84-426E-40DD-AFC4-6F175D3DCCD1}">
+              <a14:hiddenFill xmlns:a14="http://schemas.microsoft.com/office/drawing/2010/main">
+                <a:solidFill>
+                  <a:srgbClr val="FFFFFF"/>
+                </a:solidFill>
+              </a14:hiddenFill>
+            </a:ext>
+          </a:extLst>
+        </p:spPr>
+      </p:pic>
+      <p:sp>
+        <p:nvSpPr>
+          <p:cNvPr id="11" name="TextBox 10">
+            <a:extLst>
+              <a:ext uri="{FF2B5EF4-FFF2-40B4-BE49-F238E27FC236}">
+                <a16:creationId xmlns:a16="http://schemas.microsoft.com/office/drawing/2014/main" id="{1AC0331F-383B-3CA7-4D41-ECF373F89B27}"/>
+              </a:ext>
+            </a:extLst>
+          </p:cNvPr>
+          <p:cNvSpPr txBox="1"/>
+          <p:nvPr/>
+        </p:nvSpPr>
+        <p:spPr>
+          <a:xfrm>
+            <a:off x="677536" y="5355899"/>
+            <a:ext cx="6093618" cy="369332"/>
+          </a:xfrm>
+          <a:prstGeom prst="rect">
+            <a:avLst/>
+          </a:prstGeom>
+          <a:noFill/>
+        </p:spPr>
+        <p:txBody>
+          <a:bodyPr wrap="square">
+            <a:spAutoFit/>
+          </a:bodyPr>
+          <a:lstStyle/>
+          <a:p>
+            <a:r>
+              <a:rPr lang="en-US" dirty="0">
+                <a:effectLst/>
+              </a:rPr>
+              <a:t>― Git. “Git.” </a:t>
+            </a:r>
+            <a:r>
+              <a:rPr lang="en-US" dirty="0">
+                <a:effectLst/>
+                <a:hlinkClick r:id="rId5"/>
+              </a:rPr>
+              <a:t>https://git-scm.com/</a:t>
+            </a:r>
+            <a:r>
+              <a:rPr lang="en-US" dirty="0">
+                <a:effectLst/>
+              </a:rPr>
+              <a:t>.</a:t>
+            </a:r>
+          </a:p>
+        </p:txBody>
+      </p:sp>
+      <p:sp>
+        <p:nvSpPr>
+          <p:cNvPr id="13" name="TextBox 12">
+            <a:extLst>
+              <a:ext uri="{FF2B5EF4-FFF2-40B4-BE49-F238E27FC236}">
+                <a16:creationId xmlns:a16="http://schemas.microsoft.com/office/drawing/2014/main" id="{3EBF58CE-6855-C45F-0420-F4058208B22E}"/>
+              </a:ext>
+            </a:extLst>
+          </p:cNvPr>
+          <p:cNvSpPr txBox="1"/>
+          <p:nvPr/>
+        </p:nvSpPr>
+        <p:spPr>
+          <a:xfrm>
+            <a:off x="5617836" y="5108359"/>
+            <a:ext cx="6093618" cy="1477328"/>
+          </a:xfrm>
+          <a:prstGeom prst="rect">
+            <a:avLst/>
+          </a:prstGeom>
+          <a:noFill/>
+        </p:spPr>
+        <p:txBody>
+          <a:bodyPr wrap="square">
+            <a:spAutoFit/>
+          </a:bodyPr>
+          <a:lstStyle/>
+          <a:p>
+            <a:r>
+              <a:rPr lang="en-US" dirty="0">
+                <a:effectLst/>
+              </a:rPr>
+              <a:t>― The Turing Way Community. “Using GitHub Features to Foster Collaboration.” In </a:t>
+            </a:r>
+            <a:r>
+              <a:rPr lang="en-US" i="1" dirty="0">
+                <a:effectLst/>
+              </a:rPr>
+              <a:t>The Turing Way</a:t>
+            </a:r>
+            <a:r>
+              <a:rPr lang="en-US" dirty="0">
+                <a:effectLst/>
+              </a:rPr>
+              <a:t>, 2024. </a:t>
+            </a:r>
+            <a:r>
+              <a:rPr lang="en-US" dirty="0">
+                <a:effectLst/>
+                <a:hlinkClick r:id="rId6"/>
+              </a:rPr>
+              <a:t>https://the-turing-way.netlify.app/collaboration/github-novice/github-novice-features#using-github-features-to-foster-collaboration</a:t>
+            </a:r>
+            <a:r>
+              <a:rPr lang="en-US" dirty="0">
+                <a:effectLst/>
+              </a:rPr>
+              <a:t>.</a:t>
+            </a:r>
+          </a:p>
+        </p:txBody>
+      </p:sp>
+      <p:pic>
+        <p:nvPicPr>
+          <p:cNvPr id="16" name="Picture 15" descr="GitHub">
+            <a:extLst>
+              <a:ext uri="{FF2B5EF4-FFF2-40B4-BE49-F238E27FC236}">
+                <a16:creationId xmlns:a16="http://schemas.microsoft.com/office/drawing/2014/main" id="{46D64573-78E6-1389-FE8B-3950001D0DE0}"/>
+              </a:ext>
+            </a:extLst>
+          </p:cNvPr>
+          <p:cNvPicPr>
+            <a:picLocks noChangeAspect="1"/>
+          </p:cNvPicPr>
+          <p:nvPr/>
+        </p:nvPicPr>
+        <p:blipFill>
+          <a:blip r:embed="rId7">
+            <a:extLst>
+              <a:ext uri="{28A0092B-C50C-407E-A947-70E740481C1C}">
+                <a14:useLocalDpi xmlns:a14="http://schemas.microsoft.com/office/drawing/2010/main" val="0"/>
+              </a:ext>
+            </a:extLst>
+          </a:blip>
+          <a:stretch>
+            <a:fillRect/>
+          </a:stretch>
+        </p:blipFill>
+        <p:spPr>
+          <a:xfrm>
+            <a:off x="7791155" y="1109214"/>
+            <a:ext cx="2050724" cy="840797"/>
+          </a:xfrm>
+          <a:prstGeom prst="rect">
+            <a:avLst/>
+          </a:prstGeom>
+        </p:spPr>
+      </p:pic>
+    </p:spTree>
+    <p:extLst>
+      <p:ext uri="{BB962C8B-B14F-4D97-AF65-F5344CB8AC3E}">
+        <p14:creationId xmlns:p14="http://schemas.microsoft.com/office/powerpoint/2010/main" val="2396827037"/>
+      </p:ext>
+    </p:extLst>
+  </p:cSld>
+  <p:clrMapOvr>
+    <a:masterClrMapping/>
+  </p:clrMapOvr>
+</p:sld>
+</file>
+
+<file path=ppt/slides/slide12.xml><?xml version="1.0" encoding="utf-8"?>
+<p:sld xmlns:a="http://schemas.openxmlformats.org/drawingml/2006/main" xmlns:r="http://schemas.openxmlformats.org/officeDocument/2006/relationships" xmlns:p="http://schemas.openxmlformats.org/presentationml/2006/main">
+  <p:cSld>
+    <p:spTree>
+      <p:nvGrpSpPr>
+        <p:cNvPr id="1" name=""/>
+        <p:cNvGrpSpPr/>
+        <p:nvPr/>
+      </p:nvGrpSpPr>
+      <p:grpSpPr>
+        <a:xfrm>
+          <a:off x="0" y="0"/>
+          <a:ext cx="0" cy="0"/>
+          <a:chOff x="0" y="0"/>
+          <a:chExt cx="0" cy="0"/>
+        </a:xfrm>
+      </p:grpSpPr>
+      <p:sp>
+        <p:nvSpPr>
+          <p:cNvPr id="4" name="Slide Number Placeholder 3">
+            <a:extLst>
+              <a:ext uri="{FF2B5EF4-FFF2-40B4-BE49-F238E27FC236}">
+                <a16:creationId xmlns:a16="http://schemas.microsoft.com/office/drawing/2014/main" id="{13580F34-931B-3121-9897-6B5D1349C8EE}"/>
+              </a:ext>
+            </a:extLst>
+          </p:cNvPr>
+          <p:cNvSpPr>
+            <a:spLocks noGrp="1"/>
+          </p:cNvSpPr>
+          <p:nvPr>
+            <p:ph type="sldNum" sz="quarter" idx="12"/>
+          </p:nvPr>
+        </p:nvSpPr>
+        <p:spPr>
+          <a:xfrm>
+            <a:off x="8610055" y="6446879"/>
+            <a:ext cx="2937933" cy="277617"/>
+          </a:xfrm>
+        </p:spPr>
+        <p:txBody>
+          <a:bodyPr/>
+          <a:lstStyle/>
+          <a:p>
+            <a:r>
+              <a:rPr lang="en-US" dirty="0"/>
+              <a:t>collaborative programming with GitHub</a:t>
+            </a:r>
           </a:p>
         </p:txBody>
       </p:sp>
@@ -4947,393 +5163,6 @@
 </p:sld>
 </file>
 
-<file path=ppt/slides/slide12.xml><?xml version="1.0" encoding="utf-8"?>
-<p:sld xmlns:a="http://schemas.openxmlformats.org/drawingml/2006/main" xmlns:r="http://schemas.openxmlformats.org/officeDocument/2006/relationships" xmlns:p="http://schemas.openxmlformats.org/presentationml/2006/main">
-  <p:cSld>
-    <p:spTree>
-      <p:nvGrpSpPr>
-        <p:cNvPr id="1" name=""/>
-        <p:cNvGrpSpPr/>
-        <p:nvPr/>
-      </p:nvGrpSpPr>
-      <p:grpSpPr>
-        <a:xfrm>
-          <a:off x="0" y="0"/>
-          <a:ext cx="0" cy="0"/>
-          <a:chOff x="0" y="0"/>
-          <a:chExt cx="0" cy="0"/>
-        </a:xfrm>
-      </p:grpSpPr>
-      <p:sp>
-        <p:nvSpPr>
-          <p:cNvPr id="2" name="Title 1">
-            <a:extLst>
-              <a:ext uri="{FF2B5EF4-FFF2-40B4-BE49-F238E27FC236}">
-                <a16:creationId xmlns:a16="http://schemas.microsoft.com/office/drawing/2014/main" id="{943A07D4-7620-696D-16E9-EA502403BBE3}"/>
-              </a:ext>
-            </a:extLst>
-          </p:cNvPr>
-          <p:cNvSpPr>
-            <a:spLocks noGrp="1"/>
-          </p:cNvSpPr>
-          <p:nvPr>
-            <p:ph type="ctrTitle"/>
-          </p:nvPr>
-        </p:nvSpPr>
-        <p:spPr/>
-        <p:txBody>
-          <a:bodyPr/>
-          <a:lstStyle/>
-          <a:p>
-            <a:r>
-              <a:rPr lang="en-US" dirty="0"/>
-              <a:t>How?</a:t>
-            </a:r>
-          </a:p>
-        </p:txBody>
-      </p:sp>
-      <p:sp>
-        <p:nvSpPr>
-          <p:cNvPr id="3" name="Text Placeholder 2">
-            <a:extLst>
-              <a:ext uri="{FF2B5EF4-FFF2-40B4-BE49-F238E27FC236}">
-                <a16:creationId xmlns:a16="http://schemas.microsoft.com/office/drawing/2014/main" id="{F5A51FBF-76E6-FE96-FEF2-B58C6FE5446A}"/>
-              </a:ext>
-            </a:extLst>
-          </p:cNvPr>
-          <p:cNvSpPr>
-            <a:spLocks noGrp="1"/>
-          </p:cNvSpPr>
-          <p:nvPr>
-            <p:ph type="body" sz="quarter" idx="10"/>
-          </p:nvPr>
-        </p:nvSpPr>
-        <p:spPr/>
-        <p:txBody>
-          <a:bodyPr/>
-          <a:lstStyle/>
-          <a:p>
-            <a:r>
-              <a:rPr lang="en-US" dirty="0"/>
-              <a:t>Collaborative programming with GitHub</a:t>
-            </a:r>
-          </a:p>
-        </p:txBody>
-      </p:sp>
-      <p:sp>
-        <p:nvSpPr>
-          <p:cNvPr id="4" name="Content Placeholder 2">
-            <a:extLst>
-              <a:ext uri="{FF2B5EF4-FFF2-40B4-BE49-F238E27FC236}">
-                <a16:creationId xmlns:a16="http://schemas.microsoft.com/office/drawing/2014/main" id="{51EA65D7-78A9-EBF2-049E-36D8EAE914E5}"/>
-              </a:ext>
-            </a:extLst>
-          </p:cNvPr>
-          <p:cNvSpPr txBox="1">
-            <a:spLocks/>
-          </p:cNvSpPr>
-          <p:nvPr/>
-        </p:nvSpPr>
-        <p:spPr>
-          <a:xfrm>
-            <a:off x="2286000" y="4211052"/>
-            <a:ext cx="8077200" cy="3728086"/>
-          </a:xfrm>
-          <a:prstGeom prst="rect">
-            <a:avLst/>
-          </a:prstGeom>
-        </p:spPr>
-        <p:txBody>
-          <a:bodyPr/>
-          <a:lstStyle>
-            <a:lvl1pPr marL="0" indent="0" algn="l" defTabSz="914400" rtl="0" eaLnBrk="1" latinLnBrk="0" hangingPunct="1">
-              <a:lnSpc>
-                <a:spcPct val="100000"/>
-              </a:lnSpc>
-              <a:spcBef>
-                <a:spcPts val="600"/>
-              </a:spcBef>
-              <a:spcAft>
-                <a:spcPts val="300"/>
-              </a:spcAft>
-              <a:buClr>
-                <a:schemeClr val="tx1"/>
-              </a:buClr>
-              <a:buSzPct val="100000"/>
-              <a:buFont typeface="Arial" panose="020B0604020202020204" pitchFamily="34" charset="0"/>
-              <a:buNone/>
-              <a:defRPr sz="1600" kern="1200">
-                <a:solidFill>
-                  <a:schemeClr val="bg1">
-                    <a:lumMod val="50000"/>
-                  </a:schemeClr>
-                </a:solidFill>
-                <a:latin typeface="+mn-lt"/>
-                <a:ea typeface="+mn-ea"/>
-                <a:cs typeface="+mn-cs"/>
-              </a:defRPr>
-            </a:lvl1pPr>
-            <a:lvl2pPr marL="685800" indent="-228600" algn="l" defTabSz="914400" rtl="0" eaLnBrk="1" latinLnBrk="0" hangingPunct="1">
-              <a:lnSpc>
-                <a:spcPct val="100000"/>
-              </a:lnSpc>
-              <a:spcBef>
-                <a:spcPts val="300"/>
-              </a:spcBef>
-              <a:buClr>
-                <a:schemeClr val="tx1"/>
-              </a:buClr>
-              <a:buSzPct val="100000"/>
-              <a:buFont typeface="Arial" panose="020B0604020202020204" pitchFamily="34" charset="0"/>
-              <a:buChar char="•"/>
-              <a:defRPr sz="1600" kern="1200">
-                <a:solidFill>
-                  <a:schemeClr val="bg1">
-                    <a:lumMod val="50000"/>
-                  </a:schemeClr>
-                </a:solidFill>
-                <a:latin typeface="+mn-lt"/>
-                <a:ea typeface="+mn-ea"/>
-                <a:cs typeface="+mn-cs"/>
-              </a:defRPr>
-            </a:lvl2pPr>
-            <a:lvl3pPr marL="1143000" indent="-228600" algn="l" defTabSz="914400" rtl="0" eaLnBrk="1" latinLnBrk="0" hangingPunct="1">
-              <a:lnSpc>
-                <a:spcPct val="100000"/>
-              </a:lnSpc>
-              <a:spcBef>
-                <a:spcPts val="300"/>
-              </a:spcBef>
-              <a:buClr>
-                <a:schemeClr val="tx1"/>
-              </a:buClr>
-              <a:buSzPct val="100000"/>
-              <a:buFont typeface="Arial" panose="020B0604020202020204" pitchFamily="34" charset="0"/>
-              <a:buChar char="•"/>
-              <a:defRPr sz="1600" kern="1200">
-                <a:solidFill>
-                  <a:schemeClr val="bg1">
-                    <a:lumMod val="50000"/>
-                  </a:schemeClr>
-                </a:solidFill>
-                <a:latin typeface="+mn-lt"/>
-                <a:ea typeface="+mn-ea"/>
-                <a:cs typeface="+mn-cs"/>
-              </a:defRPr>
-            </a:lvl3pPr>
-            <a:lvl4pPr marL="1600200" indent="-228600" algn="l" defTabSz="914400" rtl="0" eaLnBrk="1" latinLnBrk="0" hangingPunct="1">
-              <a:lnSpc>
-                <a:spcPct val="100000"/>
-              </a:lnSpc>
-              <a:spcBef>
-                <a:spcPts val="300"/>
-              </a:spcBef>
-              <a:buClr>
-                <a:schemeClr val="tx1"/>
-              </a:buClr>
-              <a:buSzPct val="100000"/>
-              <a:buFont typeface="Arial" panose="020B0604020202020204" pitchFamily="34" charset="0"/>
-              <a:buChar char="•"/>
-              <a:defRPr sz="1600" kern="1200">
-                <a:solidFill>
-                  <a:schemeClr val="bg1">
-                    <a:lumMod val="50000"/>
-                  </a:schemeClr>
-                </a:solidFill>
-                <a:latin typeface="+mn-lt"/>
-                <a:ea typeface="+mn-ea"/>
-                <a:cs typeface="+mn-cs"/>
-              </a:defRPr>
-            </a:lvl4pPr>
-            <a:lvl5pPr marL="2057400" indent="-228600" algn="l" defTabSz="914400" rtl="0" eaLnBrk="1" latinLnBrk="0" hangingPunct="1">
-              <a:lnSpc>
-                <a:spcPct val="90000"/>
-              </a:lnSpc>
-              <a:spcBef>
-                <a:spcPts val="500"/>
-              </a:spcBef>
-              <a:buFont typeface="Arial" panose="020B0604020202020204" pitchFamily="34" charset="0"/>
-              <a:buChar char="•"/>
-              <a:defRPr sz="1400" kern="1200">
-                <a:solidFill>
-                  <a:srgbClr val="000000"/>
-                </a:solidFill>
-                <a:latin typeface="+mn-lt"/>
-                <a:ea typeface="+mn-ea"/>
-                <a:cs typeface="+mn-cs"/>
-              </a:defRPr>
-            </a:lvl5pPr>
-            <a:lvl6pPr marL="2514600" indent="-228600" algn="l" defTabSz="914400" rtl="0" eaLnBrk="1" latinLnBrk="0" hangingPunct="1">
-              <a:lnSpc>
-                <a:spcPct val="90000"/>
-              </a:lnSpc>
-              <a:spcBef>
-                <a:spcPts val="500"/>
-              </a:spcBef>
-              <a:buFont typeface="Arial" panose="020B0604020202020204" pitchFamily="34" charset="0"/>
-              <a:buChar char="•"/>
-              <a:defRPr sz="1800" kern="1200">
-                <a:solidFill>
-                  <a:schemeClr val="tx1"/>
-                </a:solidFill>
-                <a:latin typeface="+mn-lt"/>
-                <a:ea typeface="+mn-ea"/>
-                <a:cs typeface="+mn-cs"/>
-              </a:defRPr>
-            </a:lvl6pPr>
-            <a:lvl7pPr marL="2971800" indent="-228600" algn="l" defTabSz="914400" rtl="0" eaLnBrk="1" latinLnBrk="0" hangingPunct="1">
-              <a:lnSpc>
-                <a:spcPct val="90000"/>
-              </a:lnSpc>
-              <a:spcBef>
-                <a:spcPts val="500"/>
-              </a:spcBef>
-              <a:buFont typeface="Arial" panose="020B0604020202020204" pitchFamily="34" charset="0"/>
-              <a:buChar char="•"/>
-              <a:defRPr sz="1800" kern="1200">
-                <a:solidFill>
-                  <a:schemeClr val="tx1"/>
-                </a:solidFill>
-                <a:latin typeface="+mn-lt"/>
-                <a:ea typeface="+mn-ea"/>
-                <a:cs typeface="+mn-cs"/>
-              </a:defRPr>
-            </a:lvl7pPr>
-            <a:lvl8pPr marL="3429000" indent="-228600" algn="l" defTabSz="914400" rtl="0" eaLnBrk="1" latinLnBrk="0" hangingPunct="1">
-              <a:lnSpc>
-                <a:spcPct val="90000"/>
-              </a:lnSpc>
-              <a:spcBef>
-                <a:spcPts val="500"/>
-              </a:spcBef>
-              <a:buFont typeface="Arial" panose="020B0604020202020204" pitchFamily="34" charset="0"/>
-              <a:buChar char="•"/>
-              <a:defRPr sz="1800" kern="1200">
-                <a:solidFill>
-                  <a:schemeClr val="tx1"/>
-                </a:solidFill>
-                <a:latin typeface="+mn-lt"/>
-                <a:ea typeface="+mn-ea"/>
-                <a:cs typeface="+mn-cs"/>
-              </a:defRPr>
-            </a:lvl8pPr>
-            <a:lvl9pPr marL="3886200" indent="-228600" algn="l" defTabSz="914400" rtl="0" eaLnBrk="1" latinLnBrk="0" hangingPunct="1">
-              <a:lnSpc>
-                <a:spcPct val="90000"/>
-              </a:lnSpc>
-              <a:spcBef>
-                <a:spcPts val="500"/>
-              </a:spcBef>
-              <a:buFont typeface="Arial" panose="020B0604020202020204" pitchFamily="34" charset="0"/>
-              <a:buChar char="•"/>
-              <a:defRPr sz="1800" kern="1200">
-                <a:solidFill>
-                  <a:schemeClr val="tx1"/>
-                </a:solidFill>
-                <a:latin typeface="+mn-lt"/>
-                <a:ea typeface="+mn-ea"/>
-                <a:cs typeface="+mn-cs"/>
-              </a:defRPr>
-            </a:lvl9pPr>
-          </a:lstStyle>
-          <a:p>
-            <a:pPr marL="457200" lvl="1" indent="0">
-              <a:buFont typeface="Arial" panose="020B0604020202020204" pitchFamily="34" charset="0"/>
-              <a:buNone/>
-            </a:pPr>
-            <a:r>
-              <a:rPr lang="en-US" sz="1800" i="1" dirty="0"/>
-              <a:t>Readability Counts.</a:t>
-            </a:r>
-          </a:p>
-          <a:p>
-            <a:pPr marL="457200" lvl="1" indent="0">
-              <a:buFont typeface="Arial" panose="020B0604020202020204" pitchFamily="34" charset="0"/>
-              <a:buNone/>
-            </a:pPr>
-            <a:r>
-              <a:rPr lang="en-US" sz="1800" i="1" dirty="0"/>
-              <a:t>Special cases aren't special enough to break the rules.</a:t>
-            </a:r>
-          </a:p>
-          <a:p>
-            <a:pPr marL="457200" lvl="1" indent="0">
-              <a:buFont typeface="Arial" panose="020B0604020202020204" pitchFamily="34" charset="0"/>
-              <a:buNone/>
-            </a:pPr>
-            <a:r>
-              <a:rPr lang="en-US" sz="1800" i="1" dirty="0"/>
-              <a:t>Although practicality beats purity.</a:t>
-            </a:r>
-          </a:p>
-          <a:p>
-            <a:pPr marL="457200" lvl="1" indent="0">
-              <a:buFont typeface="Arial" panose="020B0604020202020204" pitchFamily="34" charset="0"/>
-              <a:buNone/>
-            </a:pPr>
-            <a:endParaRPr lang="en-US" dirty="0"/>
-          </a:p>
-          <a:p>
-            <a:pPr>
-              <a:spcBef>
-                <a:spcPts val="0"/>
-              </a:spcBef>
-              <a:spcAft>
-                <a:spcPts val="0"/>
-              </a:spcAft>
-              <a:buClrTx/>
-              <a:buSzTx/>
-              <a:buFontTx/>
-              <a:buNone/>
-              <a:defRPr/>
-            </a:pPr>
-            <a:r>
-              <a:rPr lang="en-US" sz="1800" dirty="0">
-                <a:solidFill>
-                  <a:srgbClr val="0067A0"/>
-                </a:solidFill>
-                <a:latin typeface="Arial"/>
-              </a:rPr>
-              <a:t>― Peters, Tim. “PEP 20 – The Zen of Python.” Python Enhancement Proposals, August 22, 2004. </a:t>
-            </a:r>
-            <a:r>
-              <a:rPr lang="en-US" sz="1800" dirty="0">
-                <a:solidFill>
-                  <a:srgbClr val="0067A0"/>
-                </a:solidFill>
-                <a:latin typeface="Arial"/>
-                <a:hlinkClick r:id="rId2"/>
-              </a:rPr>
-              <a:t>https://peps.python.org/pep-0020/#the-zen-of-python</a:t>
-            </a:r>
-            <a:r>
-              <a:rPr lang="en-US" sz="1800" dirty="0">
-                <a:solidFill>
-                  <a:srgbClr val="0067A0"/>
-                </a:solidFill>
-                <a:latin typeface="Arial"/>
-              </a:rPr>
-              <a:t>.</a:t>
-            </a:r>
-          </a:p>
-          <a:p>
-            <a:endParaRPr lang="en-US" dirty="0"/>
-          </a:p>
-        </p:txBody>
-      </p:sp>
-    </p:spTree>
-    <p:extLst>
-      <p:ext uri="{BB962C8B-B14F-4D97-AF65-F5344CB8AC3E}">
-        <p14:creationId xmlns:p14="http://schemas.microsoft.com/office/powerpoint/2010/main" val="2745832191"/>
-      </p:ext>
-    </p:extLst>
-  </p:cSld>
-  <p:clrMapOvr>
-    <a:masterClrMapping/>
-  </p:clrMapOvr>
-</p:sld>
-</file>
-
 <file path=ppt/slides/slide13.xml><?xml version="1.0" encoding="utf-8"?>
 <p:sld xmlns:a="http://schemas.openxmlformats.org/drawingml/2006/main" xmlns:r="http://schemas.openxmlformats.org/officeDocument/2006/relationships" xmlns:p="http://schemas.openxmlformats.org/presentationml/2006/main">
   <p:cSld>
@@ -5351,128 +5180,185 @@
           <a:chExt cx="0" cy="0"/>
         </a:xfrm>
       </p:grpSpPr>
-      <p:sp>
-        <p:nvSpPr>
-          <p:cNvPr id="4" name="Slide Number Placeholder 3">
-            <a:extLst>
-              <a:ext uri="{FF2B5EF4-FFF2-40B4-BE49-F238E27FC236}">
-                <a16:creationId xmlns:a16="http://schemas.microsoft.com/office/drawing/2014/main" id="{B0179229-589A-F74D-A1C7-D61B9433611B}"/>
-              </a:ext>
-            </a:extLst>
-          </p:cNvPr>
-          <p:cNvSpPr>
-            <a:spLocks noGrp="1"/>
-          </p:cNvSpPr>
-          <p:nvPr>
-            <p:ph type="sldNum" sz="quarter" idx="12"/>
-          </p:nvPr>
-        </p:nvSpPr>
-        <p:spPr/>
-        <p:txBody>
-          <a:bodyPr/>
-          <a:lstStyle/>
-          <a:p>
-            <a:fld id="{B700F21C-8F8F-42F3-B54E-DA825E538004}" type="slidenum">
-              <a:rPr lang="en-US" smtClean="0"/>
-              <a:pPr/>
-              <a:t>13</a:t>
-            </a:fld>
-            <a:endParaRPr lang="en-US" dirty="0"/>
-          </a:p>
-        </p:txBody>
-      </p:sp>
       <p:pic>
         <p:nvPicPr>
-          <p:cNvPr id="6" name="Picture 5">
-            <a:extLst>
-              <a:ext uri="{FF2B5EF4-FFF2-40B4-BE49-F238E27FC236}">
-                <a16:creationId xmlns:a16="http://schemas.microsoft.com/office/drawing/2014/main" id="{1A6F42D6-F774-F3C8-A613-1228A1929F5A}"/>
+          <p:cNvPr id="6" name="Picture 2" descr="Socialite">
+            <a:extLst>
+              <a:ext uri="{FF2B5EF4-FFF2-40B4-BE49-F238E27FC236}">
+                <a16:creationId xmlns:a16="http://schemas.microsoft.com/office/drawing/2014/main" id="{F7FF2638-0B12-3856-CB25-8FDA0E65E8A7}"/>
               </a:ext>
             </a:extLst>
           </p:cNvPr>
           <p:cNvPicPr>
-            <a:picLocks noChangeAspect="1"/>
+            <a:picLocks noChangeAspect="1" noChangeArrowheads="1"/>
           </p:cNvPicPr>
           <p:nvPr/>
         </p:nvPicPr>
-        <p:blipFill>
-          <a:blip r:embed="rId2"/>
-          <a:stretch>
-            <a:fillRect/>
-          </a:stretch>
+        <p:blipFill rotWithShape="1">
+          <a:blip r:embed="rId2">
+            <a:extLst>
+              <a:ext uri="{28A0092B-C50C-407E-A947-70E740481C1C}">
+                <a14:useLocalDpi xmlns:a14="http://schemas.microsoft.com/office/drawing/2010/main" val="0"/>
+              </a:ext>
+            </a:extLst>
+          </a:blip>
+          <a:srcRect b="17602"/>
+          <a:stretch/>
         </p:blipFill>
-        <p:spPr>
-          <a:xfrm>
-            <a:off x="2209799" y="319136"/>
-            <a:ext cx="7772400" cy="5603599"/>
-          </a:xfrm>
-          <a:prstGeom prst="rect">
-            <a:avLst/>
-          </a:prstGeom>
-        </p:spPr>
-      </p:pic>
-      <p:sp>
-        <p:nvSpPr>
-          <p:cNvPr id="8" name="TextBox 7">
-            <a:extLst>
-              <a:ext uri="{FF2B5EF4-FFF2-40B4-BE49-F238E27FC236}">
-                <a16:creationId xmlns:a16="http://schemas.microsoft.com/office/drawing/2014/main" id="{94F0D54A-646F-E2AE-1CC4-0584CB393B98}"/>
-              </a:ext>
-            </a:extLst>
-          </p:cNvPr>
-          <p:cNvSpPr txBox="1"/>
-          <p:nvPr/>
-        </p:nvSpPr>
-        <p:spPr>
-          <a:xfrm>
-            <a:off x="2209800" y="5922735"/>
-            <a:ext cx="7772399" cy="646331"/>
+        <p:spPr bwMode="auto">
+          <a:xfrm>
+            <a:off x="1421570" y="1023490"/>
+            <a:ext cx="6953682" cy="5729684"/>
           </a:xfrm>
           <a:prstGeom prst="rect">
             <a:avLst/>
           </a:prstGeom>
           <a:noFill/>
-        </p:spPr>
-        <p:txBody>
-          <a:bodyPr wrap="square">
-            <a:spAutoFit/>
+          <a:extLst>
+            <a:ext uri="{909E8E84-426E-40DD-AFC4-6F175D3DCCD1}">
+              <a14:hiddenFill xmlns:a14="http://schemas.microsoft.com/office/drawing/2010/main">
+                <a:solidFill>
+                  <a:srgbClr val="FFFFFF"/>
+                </a:solidFill>
+              </a14:hiddenFill>
+            </a:ext>
+          </a:extLst>
+        </p:spPr>
+      </p:pic>
+      <p:sp>
+        <p:nvSpPr>
+          <p:cNvPr id="2" name="Content Placeholder 1">
+            <a:extLst>
+              <a:ext uri="{FF2B5EF4-FFF2-40B4-BE49-F238E27FC236}">
+                <a16:creationId xmlns:a16="http://schemas.microsoft.com/office/drawing/2014/main" id="{E9F87B1F-F817-5F77-59EC-9328516B0081}"/>
+              </a:ext>
+            </a:extLst>
+          </p:cNvPr>
+          <p:cNvSpPr>
+            <a:spLocks noGrp="1"/>
+          </p:cNvSpPr>
+          <p:nvPr>
+            <p:ph sz="half" idx="1"/>
+          </p:nvPr>
+        </p:nvSpPr>
+        <p:spPr/>
+        <p:txBody>
+          <a:bodyPr>
+            <a:normAutofit/>
           </a:bodyPr>
           <a:lstStyle/>
           <a:p>
             <a:r>
-              <a:rPr lang="en-US" dirty="0">
-                <a:effectLst/>
-              </a:rPr>
-              <a:t>― Beams, Chris. “How to Write a Git Commit Message.” </a:t>
-            </a:r>
-            <a:r>
-              <a:rPr lang="en-US" i="1" dirty="0" err="1"/>
-              <a:t>c</a:t>
-            </a:r>
-            <a:r>
-              <a:rPr lang="en-US" i="1" dirty="0" err="1">
-                <a:effectLst/>
-              </a:rPr>
-              <a:t>beams</a:t>
-            </a:r>
-            <a:r>
-              <a:rPr lang="en-US" dirty="0">
-                <a:effectLst/>
-              </a:rPr>
-              <a:t>, August 31, 2014. </a:t>
-            </a:r>
-            <a:r>
-              <a:rPr lang="en-US" dirty="0">
-                <a:effectLst/>
-                <a:hlinkClick r:id="rId3"/>
-              </a:rPr>
-              <a:t>https://cbea.ms/git-commit/</a:t>
-            </a:r>
-            <a:r>
-              <a:rPr lang="en-US" dirty="0">
-                <a:effectLst/>
-              </a:rPr>
-              <a:t>.</a:t>
+              <a:rPr lang="en-US" sz="4800" dirty="0"/>
+              <a:t>Why?</a:t>
+            </a:r>
+          </a:p>
+          <a:p>
+            <a:r>
+              <a:rPr lang="en-US" sz="4800" dirty="0"/>
+              <a:t>What?</a:t>
+            </a:r>
+          </a:p>
+          <a:p>
+            <a:r>
+              <a:rPr lang="en-US" sz="4800" b="1" dirty="0">
+                <a:solidFill>
+                  <a:schemeClr val="tx1"/>
+                </a:solidFill>
+              </a:rPr>
+              <a:t>How?</a:t>
+            </a:r>
+          </a:p>
+        </p:txBody>
+      </p:sp>
+      <p:sp>
+        <p:nvSpPr>
+          <p:cNvPr id="3" name="Content Placeholder 2">
+            <a:extLst>
+              <a:ext uri="{FF2B5EF4-FFF2-40B4-BE49-F238E27FC236}">
+                <a16:creationId xmlns:a16="http://schemas.microsoft.com/office/drawing/2014/main" id="{E46824D6-3855-1D30-A880-E24C7331B2D4}"/>
+              </a:ext>
+            </a:extLst>
+          </p:cNvPr>
+          <p:cNvSpPr>
+            <a:spLocks noGrp="1"/>
+          </p:cNvSpPr>
+          <p:nvPr>
+            <p:ph sz="half" idx="2"/>
+          </p:nvPr>
+        </p:nvSpPr>
+        <p:spPr/>
+        <p:txBody>
+          <a:bodyPr>
+            <a:normAutofit/>
+          </a:bodyPr>
+          <a:lstStyle/>
+          <a:p>
+            <a:r>
+              <a:rPr lang="en-US" sz="4800" dirty="0"/>
+              <a:t>Danger?</a:t>
+            </a:r>
+          </a:p>
+          <a:p>
+            <a:r>
+              <a:rPr lang="en-US" sz="4800" dirty="0"/>
+              <a:t>Help?</a:t>
+            </a:r>
+          </a:p>
+        </p:txBody>
+      </p:sp>
+      <p:sp>
+        <p:nvSpPr>
+          <p:cNvPr id="4" name="Slide Number Placeholder 3">
+            <a:extLst>
+              <a:ext uri="{FF2B5EF4-FFF2-40B4-BE49-F238E27FC236}">
+                <a16:creationId xmlns:a16="http://schemas.microsoft.com/office/drawing/2014/main" id="{88883128-AF4E-6E39-C42D-EA60C6C1F760}"/>
+              </a:ext>
+            </a:extLst>
+          </p:cNvPr>
+          <p:cNvSpPr>
+            <a:spLocks noGrp="1"/>
+          </p:cNvSpPr>
+          <p:nvPr>
+            <p:ph type="sldNum" sz="quarter" idx="12"/>
+          </p:nvPr>
+        </p:nvSpPr>
+        <p:spPr/>
+        <p:txBody>
+          <a:bodyPr/>
+          <a:lstStyle/>
+          <a:p>
+            <a:r>
+              <a:rPr lang="en-US" dirty="0"/>
+              <a:t>collaborative programming with GitHub</a:t>
+            </a:r>
+          </a:p>
+        </p:txBody>
+      </p:sp>
+      <p:sp>
+        <p:nvSpPr>
+          <p:cNvPr id="5" name="Title 4">
+            <a:extLst>
+              <a:ext uri="{FF2B5EF4-FFF2-40B4-BE49-F238E27FC236}">
+                <a16:creationId xmlns:a16="http://schemas.microsoft.com/office/drawing/2014/main" id="{74EEF3ED-A695-E1AF-E0CF-280C0D2E680C}"/>
+              </a:ext>
+            </a:extLst>
+          </p:cNvPr>
+          <p:cNvSpPr>
+            <a:spLocks noGrp="1"/>
+          </p:cNvSpPr>
+          <p:nvPr>
+            <p:ph type="title"/>
+          </p:nvPr>
+        </p:nvSpPr>
+        <p:spPr/>
+        <p:txBody>
+          <a:bodyPr/>
+          <a:lstStyle/>
+          <a:p>
+            <a:r>
+              <a:rPr lang="en-US" dirty="0"/>
+              <a:t>Collaborative programming with GitHub</a:t>
             </a:r>
           </a:p>
         </p:txBody>
@@ -5480,7 +5366,7 @@
     </p:spTree>
     <p:extLst>
       <p:ext uri="{BB962C8B-B14F-4D97-AF65-F5344CB8AC3E}">
-        <p14:creationId xmlns:p14="http://schemas.microsoft.com/office/powerpoint/2010/main" val="903869161"/>
+        <p14:creationId xmlns:p14="http://schemas.microsoft.com/office/powerpoint/2010/main" val="3934743327"/>
       </p:ext>
     </p:extLst>
   </p:cSld>
@@ -5507,145 +5393,180 @@
           <a:chExt cx="0" cy="0"/>
         </a:xfrm>
       </p:grpSpPr>
-      <p:sp>
-        <p:nvSpPr>
-          <p:cNvPr id="4" name="Slide Number Placeholder 3">
-            <a:extLst>
-              <a:ext uri="{FF2B5EF4-FFF2-40B4-BE49-F238E27FC236}">
-                <a16:creationId xmlns:a16="http://schemas.microsoft.com/office/drawing/2014/main" id="{59442E92-DB79-0D4C-B25A-2CFB07CB6D94}"/>
-              </a:ext>
-            </a:extLst>
-          </p:cNvPr>
-          <p:cNvSpPr>
-            <a:spLocks noGrp="1"/>
-          </p:cNvSpPr>
-          <p:nvPr>
-            <p:ph type="sldNum" sz="quarter" idx="12"/>
-          </p:nvPr>
-        </p:nvSpPr>
-        <p:spPr/>
-        <p:txBody>
-          <a:bodyPr/>
-          <a:lstStyle/>
-          <a:p>
-            <a:fld id="{B700F21C-8F8F-42F3-B54E-DA825E538004}" type="slidenum">
-              <a:rPr lang="en-US" smtClean="0"/>
-              <a:pPr/>
-              <a:t>14</a:t>
-            </a:fld>
-            <a:endParaRPr lang="en-US" dirty="0"/>
-          </a:p>
-        </p:txBody>
-      </p:sp>
-      <p:sp>
-        <p:nvSpPr>
-          <p:cNvPr id="5" name="Title 4">
-            <a:extLst>
-              <a:ext uri="{FF2B5EF4-FFF2-40B4-BE49-F238E27FC236}">
-                <a16:creationId xmlns:a16="http://schemas.microsoft.com/office/drawing/2014/main" id="{7F99B158-FEA2-5740-9B45-9D2B14F41872}"/>
-              </a:ext>
-            </a:extLst>
-          </p:cNvPr>
-          <p:cNvSpPr>
-            <a:spLocks noGrp="1"/>
-          </p:cNvSpPr>
-          <p:nvPr>
-            <p:ph type="title"/>
-          </p:nvPr>
-        </p:nvSpPr>
-        <p:spPr/>
-        <p:txBody>
-          <a:bodyPr/>
-          <a:lstStyle/>
-          <a:p>
-            <a:r>
-              <a:rPr lang="en-US" dirty="0"/>
-              <a:t>Follow the project’s existing style</a:t>
-            </a:r>
-          </a:p>
-        </p:txBody>
-      </p:sp>
       <p:pic>
         <p:nvPicPr>
-          <p:cNvPr id="12" name="Picture 11">
-            <a:extLst>
-              <a:ext uri="{FF2B5EF4-FFF2-40B4-BE49-F238E27FC236}">
-                <a16:creationId xmlns:a16="http://schemas.microsoft.com/office/drawing/2014/main" id="{D8403769-53EC-56C1-05BE-88273CECC659}"/>
+          <p:cNvPr id="8" name="Picture 2" descr="Socialite">
+            <a:extLst>
+              <a:ext uri="{FF2B5EF4-FFF2-40B4-BE49-F238E27FC236}">
+                <a16:creationId xmlns:a16="http://schemas.microsoft.com/office/drawing/2014/main" id="{5911DD96-2A32-0F26-616D-6683B844B02A}"/>
               </a:ext>
             </a:extLst>
           </p:cNvPr>
           <p:cNvPicPr>
-            <a:picLocks noChangeAspect="1"/>
+            <a:picLocks noChangeAspect="1" noChangeArrowheads="1"/>
           </p:cNvPicPr>
           <p:nvPr/>
         </p:nvPicPr>
-        <p:blipFill>
-          <a:blip r:embed="rId2"/>
-          <a:stretch>
-            <a:fillRect/>
-          </a:stretch>
+        <p:blipFill rotWithShape="1">
+          <a:blip r:embed="rId2">
+            <a:extLst>
+              <a:ext uri="{28A0092B-C50C-407E-A947-70E740481C1C}">
+                <a14:useLocalDpi xmlns:a14="http://schemas.microsoft.com/office/drawing/2010/main" val="0"/>
+              </a:ext>
+            </a:extLst>
+          </a:blip>
+          <a:srcRect t="19786" b="17602"/>
+          <a:stretch/>
         </p:blipFill>
-        <p:spPr>
-          <a:xfrm>
-            <a:off x="403010" y="816088"/>
-            <a:ext cx="7772400" cy="1589314"/>
-          </a:xfrm>
-          <a:prstGeom prst="rect">
-            <a:avLst/>
-          </a:prstGeom>
-        </p:spPr>
-      </p:pic>
-      <p:pic>
-        <p:nvPicPr>
-          <p:cNvPr id="13" name="Picture 12">
-            <a:extLst>
-              <a:ext uri="{FF2B5EF4-FFF2-40B4-BE49-F238E27FC236}">
-                <a16:creationId xmlns:a16="http://schemas.microsoft.com/office/drawing/2014/main" id="{DE07F659-DE3A-3CF4-4D76-0EA6D5EA62A4}"/>
-              </a:ext>
-            </a:extLst>
-          </p:cNvPr>
-          <p:cNvPicPr>
-            <a:picLocks noChangeAspect="1"/>
-          </p:cNvPicPr>
-          <p:nvPr/>
-        </p:nvPicPr>
-        <p:blipFill>
-          <a:blip r:embed="rId3"/>
-          <a:stretch>
-            <a:fillRect/>
-          </a:stretch>
-        </p:blipFill>
-        <p:spPr>
-          <a:xfrm>
-            <a:off x="4016590" y="2284777"/>
-            <a:ext cx="7772400" cy="3608614"/>
-          </a:xfrm>
-          <a:prstGeom prst="rect">
-            <a:avLst/>
-          </a:prstGeom>
-        </p:spPr>
-      </p:pic>
-      <p:sp>
-        <p:nvSpPr>
-          <p:cNvPr id="15" name="TextBox 14">
-            <a:extLst>
-              <a:ext uri="{FF2B5EF4-FFF2-40B4-BE49-F238E27FC236}">
-                <a16:creationId xmlns:a16="http://schemas.microsoft.com/office/drawing/2014/main" id="{C5C729F0-76E0-CDF2-6210-BC2A01A2F4D1}"/>
-              </a:ext>
-            </a:extLst>
-          </p:cNvPr>
-          <p:cNvSpPr txBox="1"/>
-          <p:nvPr/>
-        </p:nvSpPr>
-        <p:spPr>
-          <a:xfrm>
-            <a:off x="403010" y="2386900"/>
-            <a:ext cx="3508394" cy="646331"/>
+        <p:spPr bwMode="auto">
+          <a:xfrm>
+            <a:off x="1674789" y="840"/>
+            <a:ext cx="1796087" cy="1124575"/>
           </a:xfrm>
           <a:prstGeom prst="rect">
             <a:avLst/>
           </a:prstGeom>
           <a:noFill/>
+          <a:extLst>
+            <a:ext uri="{909E8E84-426E-40DD-AFC4-6F175D3DCCD1}">
+              <a14:hiddenFill xmlns:a14="http://schemas.microsoft.com/office/drawing/2010/main">
+                <a:solidFill>
+                  <a:srgbClr val="FFFFFF"/>
+                </a:solidFill>
+              </a14:hiddenFill>
+            </a:ext>
+          </a:extLst>
+        </p:spPr>
+      </p:pic>
+      <p:sp>
+        <p:nvSpPr>
+          <p:cNvPr id="4" name="Slide Number Placeholder 3">
+            <a:extLst>
+              <a:ext uri="{FF2B5EF4-FFF2-40B4-BE49-F238E27FC236}">
+                <a16:creationId xmlns:a16="http://schemas.microsoft.com/office/drawing/2014/main" id="{8B2EB847-50EB-9933-3A15-C47301825B8D}"/>
+              </a:ext>
+            </a:extLst>
+          </p:cNvPr>
+          <p:cNvSpPr>
+            <a:spLocks noGrp="1"/>
+          </p:cNvSpPr>
+          <p:nvPr>
+            <p:ph type="sldNum" sz="quarter" idx="12"/>
+          </p:nvPr>
+        </p:nvSpPr>
+        <p:spPr/>
+        <p:txBody>
+          <a:bodyPr/>
+          <a:lstStyle/>
+          <a:p>
+            <a:r>
+              <a:rPr lang="en-US"/>
+              <a:t>collaborative programming with GitHub</a:t>
+            </a:r>
+            <a:endParaRPr lang="en-US" dirty="0"/>
+          </a:p>
+        </p:txBody>
+      </p:sp>
+      <p:sp>
+        <p:nvSpPr>
+          <p:cNvPr id="7" name="Content Placeholder 6">
+            <a:extLst>
+              <a:ext uri="{FF2B5EF4-FFF2-40B4-BE49-F238E27FC236}">
+                <a16:creationId xmlns:a16="http://schemas.microsoft.com/office/drawing/2014/main" id="{FC69B821-49B6-7DF2-04B2-42B875EEBC4B}"/>
+              </a:ext>
+            </a:extLst>
+          </p:cNvPr>
+          <p:cNvSpPr>
+            <a:spLocks noGrp="1"/>
+          </p:cNvSpPr>
+          <p:nvPr>
+            <p:ph idx="13"/>
+          </p:nvPr>
+        </p:nvSpPr>
+        <p:spPr/>
+        <p:txBody>
+          <a:bodyPr>
+            <a:normAutofit/>
+          </a:bodyPr>
+          <a:lstStyle/>
+          <a:p>
+            <a:pPr marL="0" indent="0">
+              <a:buNone/>
+            </a:pPr>
+            <a:r>
+              <a:rPr lang="en-US" sz="3600" i="1" dirty="0"/>
+              <a:t>Readability counts.</a:t>
+            </a:r>
+          </a:p>
+          <a:p>
+            <a:pPr marL="0" indent="0">
+              <a:buNone/>
+            </a:pPr>
+            <a:r>
+              <a:rPr lang="en-US" sz="3600" i="1" dirty="0"/>
+              <a:t>Special cases aren't special enough to break the rules.</a:t>
+            </a:r>
+          </a:p>
+          <a:p>
+            <a:pPr marL="0" indent="0">
+              <a:buNone/>
+            </a:pPr>
+            <a:r>
+              <a:rPr lang="en-US" sz="3600" i="1" dirty="0"/>
+              <a:t>Although practicality beats purity.</a:t>
+            </a:r>
+          </a:p>
+        </p:txBody>
+      </p:sp>
+      <p:sp>
+        <p:nvSpPr>
+          <p:cNvPr id="6" name="Title 5">
+            <a:extLst>
+              <a:ext uri="{FF2B5EF4-FFF2-40B4-BE49-F238E27FC236}">
+                <a16:creationId xmlns:a16="http://schemas.microsoft.com/office/drawing/2014/main" id="{A29D79E6-8000-6829-0446-5161A3CAA165}"/>
+              </a:ext>
+            </a:extLst>
+          </p:cNvPr>
+          <p:cNvSpPr>
+            <a:spLocks noGrp="1"/>
+          </p:cNvSpPr>
+          <p:nvPr>
+            <p:ph type="title"/>
+          </p:nvPr>
+        </p:nvSpPr>
+        <p:spPr/>
+        <p:txBody>
+          <a:bodyPr/>
+          <a:lstStyle/>
+          <a:p>
+            <a:r>
+              <a:rPr lang="en-US" dirty="0"/>
+              <a:t>How?</a:t>
+            </a:r>
+          </a:p>
+        </p:txBody>
+      </p:sp>
+      <p:sp>
+        <p:nvSpPr>
+          <p:cNvPr id="10" name="TextBox 9">
+            <a:extLst>
+              <a:ext uri="{FF2B5EF4-FFF2-40B4-BE49-F238E27FC236}">
+                <a16:creationId xmlns:a16="http://schemas.microsoft.com/office/drawing/2014/main" id="{464BA729-6F18-F7B0-0296-6861F58778F7}"/>
+              </a:ext>
+            </a:extLst>
+          </p:cNvPr>
+          <p:cNvSpPr txBox="1"/>
+          <p:nvPr/>
+        </p:nvSpPr>
+        <p:spPr>
+          <a:xfrm>
+            <a:off x="403007" y="3284466"/>
+            <a:ext cx="11259109" cy="646331"/>
+          </a:xfrm>
+          <a:prstGeom prst="rect">
+            <a:avLst/>
+          </a:prstGeom>
+          <a:noFill/>
         </p:spPr>
         <p:txBody>
           <a:bodyPr wrap="square">
@@ -5657,76 +5578,14 @@
               <a:rPr lang="en-US" dirty="0">
                 <a:effectLst/>
               </a:rPr>
-              <a:t>― Cuesta, Carlos. “About.” </a:t>
-            </a:r>
-            <a:r>
-              <a:rPr lang="en-US" dirty="0" err="1">
-                <a:effectLst/>
-              </a:rPr>
-              <a:t>gitmoji</a:t>
+              <a:t>― Peters, Tim. “PEP 20 – The Zen of Python.” Python Enhancement Proposals, August 22, 2004. </a:t>
             </a:r>
             <a:r>
               <a:rPr lang="en-US" dirty="0">
                 <a:effectLst/>
-              </a:rPr>
-              <a:t>. </a:t>
-            </a:r>
-            <a:r>
-              <a:rPr lang="en-US" dirty="0">
-                <a:effectLst/>
-                <a:hlinkClick r:id="rId4"/>
-              </a:rPr>
-              <a:t>https://gitmoji.dev/about</a:t>
-            </a:r>
-            <a:r>
-              <a:rPr lang="en-US" dirty="0">
-                <a:effectLst/>
-              </a:rPr>
-              <a:t>.</a:t>
-            </a:r>
-          </a:p>
-        </p:txBody>
-      </p:sp>
-      <p:sp>
-        <p:nvSpPr>
-          <p:cNvPr id="17" name="TextBox 16">
-            <a:extLst>
-              <a:ext uri="{FF2B5EF4-FFF2-40B4-BE49-F238E27FC236}">
-                <a16:creationId xmlns:a16="http://schemas.microsoft.com/office/drawing/2014/main" id="{35FAFAA2-9892-2AA4-2669-0F842C584E7A}"/>
-              </a:ext>
-            </a:extLst>
-          </p:cNvPr>
-          <p:cNvSpPr txBox="1"/>
-          <p:nvPr/>
-        </p:nvSpPr>
-        <p:spPr>
-          <a:xfrm>
-            <a:off x="4087705" y="5778556"/>
-            <a:ext cx="8175410" cy="923330"/>
-          </a:xfrm>
-          <a:prstGeom prst="rect">
-            <a:avLst/>
-          </a:prstGeom>
-          <a:noFill/>
-        </p:spPr>
-        <p:txBody>
-          <a:bodyPr wrap="square">
-            <a:spAutoFit/>
-          </a:bodyPr>
-          <a:lstStyle/>
-          <a:p>
-            <a:r>
-              <a:rPr lang="en-US" dirty="0">
-                <a:effectLst/>
-              </a:rPr>
-              <a:t>― Conventional Commits. “Conventional Commits 1.0.0 Summary.” Conventional Commits. </a:t>
-            </a:r>
-            <a:r>
-              <a:rPr lang="en-US" dirty="0">
-                <a:effectLst/>
-                <a:hlinkClick r:id="rId5"/>
-              </a:rPr>
-              <a:t>https://www.conventionalcommits.org/en/v1.0.0/#summary</a:t>
+                <a:hlinkClick r:id="rId3"/>
+              </a:rPr>
+              <a:t>https://peps.python.org/pep-0020/#the-zen-of-python</a:t>
             </a:r>
             <a:r>
               <a:rPr lang="en-US" dirty="0">
@@ -5740,7 +5599,7 @@
     </p:spTree>
     <p:extLst>
       <p:ext uri="{BB962C8B-B14F-4D97-AF65-F5344CB8AC3E}">
-        <p14:creationId xmlns:p14="http://schemas.microsoft.com/office/powerpoint/2010/main" val="2070575106"/>
+        <p14:creationId xmlns:p14="http://schemas.microsoft.com/office/powerpoint/2010/main" val="2435867458"/>
       </p:ext>
     </p:extLst>
   </p:cSld>
@@ -5769,10 +5628,10 @@
       </p:grpSpPr>
       <p:sp>
         <p:nvSpPr>
-          <p:cNvPr id="2" name="Slide Number Placeholder 1">
-            <a:extLst>
-              <a:ext uri="{FF2B5EF4-FFF2-40B4-BE49-F238E27FC236}">
-                <a16:creationId xmlns:a16="http://schemas.microsoft.com/office/drawing/2014/main" id="{22577AEC-E21F-D39F-6DD3-0303DECFE25D}"/>
+          <p:cNvPr id="4" name="Slide Number Placeholder 3">
+            <a:extLst>
+              <a:ext uri="{FF2B5EF4-FFF2-40B4-BE49-F238E27FC236}">
+                <a16:creationId xmlns:a16="http://schemas.microsoft.com/office/drawing/2014/main" id="{B0179229-589A-F74D-A1C7-D61B9433611B}"/>
               </a:ext>
             </a:extLst>
           </p:cNvPr>
@@ -5788,49 +5647,19 @@
           <a:bodyPr/>
           <a:lstStyle/>
           <a:p>
-            <a:fld id="{B700F21C-8F8F-42F3-B54E-DA825E538004}" type="slidenum">
-              <a:rPr lang="en-US" smtClean="0"/>
-              <a:pPr/>
-              <a:t>15</a:t>
-            </a:fld>
-            <a:endParaRPr lang="en-US" dirty="0"/>
-          </a:p>
-        </p:txBody>
-      </p:sp>
-      <p:sp>
-        <p:nvSpPr>
-          <p:cNvPr id="3" name="Title 2">
-            <a:extLst>
-              <a:ext uri="{FF2B5EF4-FFF2-40B4-BE49-F238E27FC236}">
-                <a16:creationId xmlns:a16="http://schemas.microsoft.com/office/drawing/2014/main" id="{5B239725-A89A-828C-131B-2198A1B01481}"/>
-              </a:ext>
-            </a:extLst>
-          </p:cNvPr>
-          <p:cNvSpPr>
-            <a:spLocks noGrp="1"/>
-          </p:cNvSpPr>
-          <p:nvPr>
-            <p:ph type="title"/>
-          </p:nvPr>
-        </p:nvSpPr>
-        <p:spPr/>
-        <p:txBody>
-          <a:bodyPr/>
-          <a:lstStyle/>
-          <a:p>
             <a:r>
               <a:rPr lang="en-US" dirty="0"/>
-              <a:t>Follow the project’s existing style</a:t>
+              <a:t>collaborative programming with GitHub</a:t>
             </a:r>
           </a:p>
         </p:txBody>
       </p:sp>
       <p:pic>
         <p:nvPicPr>
-          <p:cNvPr id="4" name="Picture 3">
-            <a:extLst>
-              <a:ext uri="{FF2B5EF4-FFF2-40B4-BE49-F238E27FC236}">
-                <a16:creationId xmlns:a16="http://schemas.microsoft.com/office/drawing/2014/main" id="{B2B204F9-6C79-5FAA-12EA-E67957FAE71D}"/>
+          <p:cNvPr id="6" name="Picture 5">
+            <a:extLst>
+              <a:ext uri="{FF2B5EF4-FFF2-40B4-BE49-F238E27FC236}">
+                <a16:creationId xmlns:a16="http://schemas.microsoft.com/office/drawing/2014/main" id="{1A6F42D6-F774-F3C8-A613-1228A1929F5A}"/>
               </a:ext>
             </a:extLst>
           </p:cNvPr>
@@ -5847,8 +5676,8 @@
         </p:blipFill>
         <p:spPr>
           <a:xfrm>
-            <a:off x="2305049" y="1470337"/>
-            <a:ext cx="7581900" cy="2667000"/>
+            <a:off x="2209799" y="319136"/>
+            <a:ext cx="7772400" cy="5603599"/>
           </a:xfrm>
           <a:prstGeom prst="rect">
             <a:avLst/>
@@ -5857,10 +5686,10 @@
       </p:pic>
       <p:sp>
         <p:nvSpPr>
-          <p:cNvPr id="6" name="TextBox 5">
-            <a:extLst>
-              <a:ext uri="{FF2B5EF4-FFF2-40B4-BE49-F238E27FC236}">
-                <a16:creationId xmlns:a16="http://schemas.microsoft.com/office/drawing/2014/main" id="{B0787CA7-6090-0EBC-5C5F-3C597C42596F}"/>
+          <p:cNvPr id="8" name="TextBox 7">
+            <a:extLst>
+              <a:ext uri="{FF2B5EF4-FFF2-40B4-BE49-F238E27FC236}">
+                <a16:creationId xmlns:a16="http://schemas.microsoft.com/office/drawing/2014/main" id="{94F0D54A-646F-E2AE-1CC4-0584CB393B98}"/>
               </a:ext>
             </a:extLst>
           </p:cNvPr>
@@ -5869,8 +5698,8 @@
         </p:nvSpPr>
         <p:spPr>
           <a:xfrm>
-            <a:off x="2305049" y="4383116"/>
-            <a:ext cx="7581899" cy="923330"/>
+            <a:off x="2209800" y="5922735"/>
+            <a:ext cx="7772399" cy="646331"/>
           </a:xfrm>
           <a:prstGeom prst="rect">
             <a:avLst/>
@@ -5887,30 +5716,30 @@
               <a:rPr lang="en-US" dirty="0">
                 <a:effectLst/>
               </a:rPr>
-              <a:t>― Driessen, Vincent. “A Successful Git Branching Model: Note of Reflection.” </a:t>
+              <a:t>― Beams, Chris. “How to Write a Git Commit Message.” </a:t>
             </a:r>
             <a:r>
               <a:rPr lang="en-US" i="1" dirty="0" err="1"/>
-              <a:t>n</a:t>
+              <a:t>c</a:t>
             </a:r>
             <a:r>
               <a:rPr lang="en-US" i="1" dirty="0" err="1">
                 <a:effectLst/>
               </a:rPr>
-              <a:t>vie.com</a:t>
+              <a:t>beams</a:t>
             </a:r>
             <a:r>
               <a:rPr lang="en-US" dirty="0">
                 <a:effectLst/>
               </a:rPr>
-              <a:t>, March 5, 2020. </a:t>
+              <a:t>, August 31, 2014. </a:t>
             </a:r>
             <a:r>
               <a:rPr lang="en-US" dirty="0">
                 <a:effectLst/>
                 <a:hlinkClick r:id="rId3"/>
               </a:rPr>
-              <a:t>http://nvie.com/posts/a-successful-git-branching-model/</a:t>
+              <a:t>https://cbea.ms/git-commit/</a:t>
             </a:r>
             <a:r>
               <a:rPr lang="en-US" dirty="0">
@@ -5924,7 +5753,7 @@
     </p:spTree>
     <p:extLst>
       <p:ext uri="{BB962C8B-B14F-4D97-AF65-F5344CB8AC3E}">
-        <p14:creationId xmlns:p14="http://schemas.microsoft.com/office/powerpoint/2010/main" val="1966497773"/>
+        <p14:creationId xmlns:p14="http://schemas.microsoft.com/office/powerpoint/2010/main" val="903869161"/>
       </p:ext>
     </p:extLst>
   </p:cSld>
@@ -5953,10 +5782,10 @@
       </p:grpSpPr>
       <p:sp>
         <p:nvSpPr>
-          <p:cNvPr id="2" name="Slide Number Placeholder 1">
-            <a:extLst>
-              <a:ext uri="{FF2B5EF4-FFF2-40B4-BE49-F238E27FC236}">
-                <a16:creationId xmlns:a16="http://schemas.microsoft.com/office/drawing/2014/main" id="{71E963EC-CACE-695B-218D-962516D6153E}"/>
+          <p:cNvPr id="4" name="Slide Number Placeholder 3">
+            <a:extLst>
+              <a:ext uri="{FF2B5EF4-FFF2-40B4-BE49-F238E27FC236}">
+                <a16:creationId xmlns:a16="http://schemas.microsoft.com/office/drawing/2014/main" id="{59442E92-DB79-0D4C-B25A-2CFB07CB6D94}"/>
               </a:ext>
             </a:extLst>
           </p:cNvPr>
@@ -5972,21 +5801,25 @@
           <a:bodyPr/>
           <a:lstStyle/>
           <a:p>
-            <a:fld id="{B700F21C-8F8F-42F3-B54E-DA825E538004}" type="slidenum">
-              <a:rPr lang="en-US" smtClean="0"/>
-              <a:pPr/>
-              <a:t>16</a:t>
-            </a:fld>
+            <a:r>
+              <a:rPr lang="en-US" dirty="0"/>
+              <a:t>collaborative programming with GitHub</a:t>
+            </a:r>
+          </a:p>
+          <a:p>
             <a:endParaRPr lang="en-US" dirty="0"/>
           </a:p>
-        </p:txBody>
-      </p:sp>
-      <p:sp>
-        <p:nvSpPr>
-          <p:cNvPr id="3" name="Title 2">
-            <a:extLst>
-              <a:ext uri="{FF2B5EF4-FFF2-40B4-BE49-F238E27FC236}">
-                <a16:creationId xmlns:a16="http://schemas.microsoft.com/office/drawing/2014/main" id="{795980DD-D8BB-1835-C47C-225DD849347E}"/>
+          <a:p>
+            <a:endParaRPr lang="en-US" dirty="0"/>
+          </a:p>
+        </p:txBody>
+      </p:sp>
+      <p:sp>
+        <p:nvSpPr>
+          <p:cNvPr id="5" name="Title 4">
+            <a:extLst>
+              <a:ext uri="{FF2B5EF4-FFF2-40B4-BE49-F238E27FC236}">
+                <a16:creationId xmlns:a16="http://schemas.microsoft.com/office/drawing/2014/main" id="{7F99B158-FEA2-5740-9B45-9D2B14F41872}"/>
               </a:ext>
             </a:extLst>
           </p:cNvPr>
@@ -6011,10 +5844,10 @@
       </p:sp>
       <p:pic>
         <p:nvPicPr>
-          <p:cNvPr id="4" name="Picture 3">
-            <a:extLst>
-              <a:ext uri="{FF2B5EF4-FFF2-40B4-BE49-F238E27FC236}">
-                <a16:creationId xmlns:a16="http://schemas.microsoft.com/office/drawing/2014/main" id="{9C21EE1B-EC66-5B4D-955D-95D4DABE5E7D}"/>
+          <p:cNvPr id="12" name="Picture 11">
+            <a:extLst>
+              <a:ext uri="{FF2B5EF4-FFF2-40B4-BE49-F238E27FC236}">
+                <a16:creationId xmlns:a16="http://schemas.microsoft.com/office/drawing/2014/main" id="{D8403769-53EC-56C1-05BE-88273CECC659}"/>
               </a:ext>
             </a:extLst>
           </p:cNvPr>
@@ -6031,20 +5864,50 @@
         </p:blipFill>
         <p:spPr>
           <a:xfrm>
-            <a:off x="2209800" y="875278"/>
-            <a:ext cx="7772400" cy="5412721"/>
+            <a:off x="403010" y="816088"/>
+            <a:ext cx="7772400" cy="1589314"/>
           </a:xfrm>
           <a:prstGeom prst="rect">
             <a:avLst/>
           </a:prstGeom>
         </p:spPr>
       </p:pic>
-      <p:sp>
-        <p:nvSpPr>
-          <p:cNvPr id="6" name="TextBox 5">
-            <a:extLst>
-              <a:ext uri="{FF2B5EF4-FFF2-40B4-BE49-F238E27FC236}">
-                <a16:creationId xmlns:a16="http://schemas.microsoft.com/office/drawing/2014/main" id="{75177BA4-C9C4-EBE6-39F3-4E92E5D893FD}"/>
+      <p:pic>
+        <p:nvPicPr>
+          <p:cNvPr id="13" name="Picture 12">
+            <a:extLst>
+              <a:ext uri="{FF2B5EF4-FFF2-40B4-BE49-F238E27FC236}">
+                <a16:creationId xmlns:a16="http://schemas.microsoft.com/office/drawing/2014/main" id="{DE07F659-DE3A-3CF4-4D76-0EA6D5EA62A4}"/>
+              </a:ext>
+            </a:extLst>
+          </p:cNvPr>
+          <p:cNvPicPr>
+            <a:picLocks noChangeAspect="1"/>
+          </p:cNvPicPr>
+          <p:nvPr/>
+        </p:nvPicPr>
+        <p:blipFill>
+          <a:blip r:embed="rId3"/>
+          <a:stretch>
+            <a:fillRect/>
+          </a:stretch>
+        </p:blipFill>
+        <p:spPr>
+          <a:xfrm>
+            <a:off x="4016590" y="2284777"/>
+            <a:ext cx="7772400" cy="3608614"/>
+          </a:xfrm>
+          <a:prstGeom prst="rect">
+            <a:avLst/>
+          </a:prstGeom>
+        </p:spPr>
+      </p:pic>
+      <p:sp>
+        <p:nvSpPr>
+          <p:cNvPr id="15" name="TextBox 14">
+            <a:extLst>
+              <a:ext uri="{FF2B5EF4-FFF2-40B4-BE49-F238E27FC236}">
+                <a16:creationId xmlns:a16="http://schemas.microsoft.com/office/drawing/2014/main" id="{C5C729F0-76E0-CDF2-6210-BC2A01A2F4D1}"/>
               </a:ext>
             </a:extLst>
           </p:cNvPr>
@@ -6053,14 +5916,76 @@
         </p:nvSpPr>
         <p:spPr>
           <a:xfrm>
-            <a:off x="223024" y="6215750"/>
-            <a:ext cx="11565966" cy="646331"/>
+            <a:off x="403010" y="2386900"/>
+            <a:ext cx="3508394" cy="646331"/>
+          </a:xfrm>
+          <a:prstGeom prst="rect">
+            <a:avLst/>
+          </a:prstGeom>
+          <a:noFill/>
+        </p:spPr>
+        <p:txBody>
+          <a:bodyPr wrap="square">
+            <a:spAutoFit/>
+          </a:bodyPr>
+          <a:lstStyle/>
+          <a:p>
+            <a:r>
+              <a:rPr lang="en-US" dirty="0">
+                <a:effectLst/>
+              </a:rPr>
+              <a:t>― Cuesta, Carlos. “About.” </a:t>
+            </a:r>
+            <a:r>
+              <a:rPr lang="en-US" dirty="0" err="1">
+                <a:effectLst/>
+              </a:rPr>
+              <a:t>gitmoji</a:t>
+            </a:r>
+            <a:r>
+              <a:rPr lang="en-US" dirty="0">
+                <a:effectLst/>
+              </a:rPr>
+              <a:t>. </a:t>
+            </a:r>
+            <a:r>
+              <a:rPr lang="en-US" dirty="0">
+                <a:effectLst/>
+                <a:hlinkClick r:id="rId4"/>
+              </a:rPr>
+              <a:t>https://gitmoji.dev/about</a:t>
+            </a:r>
+            <a:r>
+              <a:rPr lang="en-US" dirty="0">
+                <a:effectLst/>
+              </a:rPr>
+              <a:t>.</a:t>
+            </a:r>
+          </a:p>
+        </p:txBody>
+      </p:sp>
+      <p:sp>
+        <p:nvSpPr>
+          <p:cNvPr id="17" name="TextBox 16">
+            <a:extLst>
+              <a:ext uri="{FF2B5EF4-FFF2-40B4-BE49-F238E27FC236}">
+                <a16:creationId xmlns:a16="http://schemas.microsoft.com/office/drawing/2014/main" id="{35FAFAA2-9892-2AA4-2669-0F842C584E7A}"/>
+              </a:ext>
+            </a:extLst>
+          </p:cNvPr>
+          <p:cNvSpPr txBox="1"/>
+          <p:nvPr/>
+        </p:nvSpPr>
+        <p:spPr>
+          <a:xfrm>
+            <a:off x="4087705" y="5778556"/>
+            <a:ext cx="7982375" cy="923330"/>
           </a:xfrm>
           <a:prstGeom prst="rect">
             <a:avLst/>
           </a:prstGeom>
           <a:solidFill>
-            <a:srgbClr val="FFFFFF"/>
+            <a:schemeClr val="bg1"/>
           </a:solidFill>
         </p:spPr>
         <p:txBody>
@@ -6073,14 +5998,14 @@
               <a:rPr lang="en-US" dirty="0">
                 <a:effectLst/>
               </a:rPr>
-              <a:t>― Open Source Guides. “Anatomy of an Open Source Project.” How to Contribute to Open Source, February 8, 2024. </a:t>
+              <a:t>― Conventional Commits. “Conventional Commits 1.0.0 Summary.” Conventional Commits. </a:t>
             </a:r>
             <a:r>
               <a:rPr lang="en-US" dirty="0">
                 <a:effectLst/>
-                <a:hlinkClick r:id="rId3"/>
-              </a:rPr>
-              <a:t>https://opensource.guide/how-to-contribute/#anatomy-of-an-open-source-project</a:t>
+                <a:hlinkClick r:id="rId5"/>
+              </a:rPr>
+              <a:t>https://www.conventionalcommits.org/en/v1.0.0/#summary</a:t>
             </a:r>
             <a:r>
               <a:rPr lang="en-US" dirty="0">
@@ -6094,7 +6019,7 @@
     </p:spTree>
     <p:extLst>
       <p:ext uri="{BB962C8B-B14F-4D97-AF65-F5344CB8AC3E}">
-        <p14:creationId xmlns:p14="http://schemas.microsoft.com/office/powerpoint/2010/main" val="2837050692"/>
+        <p14:creationId xmlns:p14="http://schemas.microsoft.com/office/powerpoint/2010/main" val="2070575106"/>
       </p:ext>
     </p:extLst>
   </p:cSld>
@@ -6126,7 +6051,7 @@
           <p:cNvPr id="2" name="Slide Number Placeholder 1">
             <a:extLst>
               <a:ext uri="{FF2B5EF4-FFF2-40B4-BE49-F238E27FC236}">
-                <a16:creationId xmlns:a16="http://schemas.microsoft.com/office/drawing/2014/main" id="{71E963EC-CACE-695B-218D-962516D6153E}"/>
+                <a16:creationId xmlns:a16="http://schemas.microsoft.com/office/drawing/2014/main" id="{22577AEC-E21F-D39F-6DD3-0303DECFE25D}"/>
               </a:ext>
             </a:extLst>
           </p:cNvPr>
@@ -6142,11 +6067,12 @@
           <a:bodyPr/>
           <a:lstStyle/>
           <a:p>
-            <a:fld id="{B700F21C-8F8F-42F3-B54E-DA825E538004}" type="slidenum">
-              <a:rPr lang="en-US" smtClean="0"/>
-              <a:pPr/>
-              <a:t>17</a:t>
-            </a:fld>
+            <a:r>
+              <a:rPr lang="en-US" dirty="0"/>
+              <a:t>collaborative programming with GitHub</a:t>
+            </a:r>
+          </a:p>
+          <a:p>
             <a:endParaRPr lang="en-US" dirty="0"/>
           </a:p>
         </p:txBody>
@@ -6156,7 +6082,7 @@
           <p:cNvPr id="3" name="Title 2">
             <a:extLst>
               <a:ext uri="{FF2B5EF4-FFF2-40B4-BE49-F238E27FC236}">
-                <a16:creationId xmlns:a16="http://schemas.microsoft.com/office/drawing/2014/main" id="{795980DD-D8BB-1835-C47C-225DD849347E}"/>
+                <a16:creationId xmlns:a16="http://schemas.microsoft.com/office/drawing/2014/main" id="{5B239725-A89A-828C-131B-2198A1B01481}"/>
               </a:ext>
             </a:extLst>
           </p:cNvPr>
@@ -6179,64 +6105,12 @@
           </a:p>
         </p:txBody>
       </p:sp>
-      <p:sp>
-        <p:nvSpPr>
-          <p:cNvPr id="6" name="TextBox 5">
-            <a:extLst>
-              <a:ext uri="{FF2B5EF4-FFF2-40B4-BE49-F238E27FC236}">
-                <a16:creationId xmlns:a16="http://schemas.microsoft.com/office/drawing/2014/main" id="{75177BA4-C9C4-EBE6-39F3-4E92E5D893FD}"/>
-              </a:ext>
-            </a:extLst>
-          </p:cNvPr>
-          <p:cNvSpPr txBox="1"/>
-          <p:nvPr/>
-        </p:nvSpPr>
-        <p:spPr>
-          <a:xfrm>
-            <a:off x="223024" y="5438849"/>
-            <a:ext cx="11565966" cy="646331"/>
-          </a:xfrm>
-          <a:prstGeom prst="rect">
-            <a:avLst/>
-          </a:prstGeom>
-          <a:solidFill>
-            <a:srgbClr val="FFFFFF"/>
-          </a:solidFill>
-        </p:spPr>
-        <p:txBody>
-          <a:bodyPr wrap="square">
-            <a:spAutoFit/>
-          </a:bodyPr>
-          <a:lstStyle/>
-          <a:p>
-            <a:r>
-              <a:rPr lang="en-US" dirty="0">
-                <a:effectLst/>
-              </a:rPr>
-              <a:t>― Open Source Guides. “Anatomy of an Open Source Project.” How to Contribute to Open Source, February 8, 2024. </a:t>
-            </a:r>
-            <a:r>
-              <a:rPr lang="en-US" dirty="0">
-                <a:effectLst/>
-                <a:hlinkClick r:id="rId2"/>
-              </a:rPr>
-              <a:t>https://opensource.guide/how-to-contribute/#anatomy-of-an-open-source-project</a:t>
-            </a:r>
-            <a:r>
-              <a:rPr lang="en-US" dirty="0">
-                <a:effectLst/>
-              </a:rPr>
-              <a:t>.</a:t>
-            </a:r>
-          </a:p>
-        </p:txBody>
-      </p:sp>
       <p:pic>
         <p:nvPicPr>
-          <p:cNvPr id="5" name="Picture 4">
-            <a:extLst>
-              <a:ext uri="{FF2B5EF4-FFF2-40B4-BE49-F238E27FC236}">
-                <a16:creationId xmlns:a16="http://schemas.microsoft.com/office/drawing/2014/main" id="{7598ABC0-32AC-6E05-F0EC-3923496BD1EC}"/>
+          <p:cNvPr id="4" name="Picture 3">
+            <a:extLst>
+              <a:ext uri="{FF2B5EF4-FFF2-40B4-BE49-F238E27FC236}">
+                <a16:creationId xmlns:a16="http://schemas.microsoft.com/office/drawing/2014/main" id="{B2B204F9-6C79-5FAA-12EA-E67957FAE71D}"/>
               </a:ext>
             </a:extLst>
           </p:cNvPr>
@@ -6246,25 +6120,91 @@
           <p:nvPr/>
         </p:nvPicPr>
         <p:blipFill>
-          <a:blip r:embed="rId3"/>
+          <a:blip r:embed="rId2"/>
           <a:stretch>
             <a:fillRect/>
           </a:stretch>
         </p:blipFill>
         <p:spPr>
           <a:xfrm>
-            <a:off x="2209800" y="1023489"/>
-            <a:ext cx="7772400" cy="4415360"/>
+            <a:off x="2305049" y="1470337"/>
+            <a:ext cx="7581900" cy="2667000"/>
           </a:xfrm>
           <a:prstGeom prst="rect">
             <a:avLst/>
           </a:prstGeom>
         </p:spPr>
       </p:pic>
+      <p:sp>
+        <p:nvSpPr>
+          <p:cNvPr id="6" name="TextBox 5">
+            <a:extLst>
+              <a:ext uri="{FF2B5EF4-FFF2-40B4-BE49-F238E27FC236}">
+                <a16:creationId xmlns:a16="http://schemas.microsoft.com/office/drawing/2014/main" id="{B0787CA7-6090-0EBC-5C5F-3C597C42596F}"/>
+              </a:ext>
+            </a:extLst>
+          </p:cNvPr>
+          <p:cNvSpPr txBox="1"/>
+          <p:nvPr/>
+        </p:nvSpPr>
+        <p:spPr>
+          <a:xfrm>
+            <a:off x="2305049" y="4383116"/>
+            <a:ext cx="7581899" cy="923330"/>
+          </a:xfrm>
+          <a:prstGeom prst="rect">
+            <a:avLst/>
+          </a:prstGeom>
+          <a:noFill/>
+        </p:spPr>
+        <p:txBody>
+          <a:bodyPr wrap="square">
+            <a:spAutoFit/>
+          </a:bodyPr>
+          <a:lstStyle/>
+          <a:p>
+            <a:r>
+              <a:rPr lang="en-US" dirty="0">
+                <a:effectLst/>
+              </a:rPr>
+              <a:t>― Driessen, Vincent. “A Successful Git Branching Model: Note of Reflection.” </a:t>
+            </a:r>
+            <a:r>
+              <a:rPr lang="en-US" i="1" dirty="0" err="1"/>
+              <a:t>n</a:t>
+            </a:r>
+            <a:r>
+              <a:rPr lang="en-US" i="1" dirty="0" err="1">
+                <a:effectLst/>
+              </a:rPr>
+              <a:t>vie.com</a:t>
+            </a:r>
+            <a:r>
+              <a:rPr lang="en-US" dirty="0">
+                <a:effectLst/>
+              </a:rPr>
+              <a:t>, March 5, 2020. </a:t>
+            </a:r>
+            <a:r>
+              <a:rPr lang="en-US" dirty="0">
+                <a:effectLst/>
+                <a:hlinkClick r:id="rId3"/>
+              </a:rPr>
+              <a:t>http://nvie.com/posts/a-successful-git-branching-model/</a:t>
+            </a:r>
+            <a:r>
+              <a:rPr lang="en-US" dirty="0">
+                <a:effectLst/>
+              </a:rPr>
+              <a:t>.</a:t>
+            </a:r>
+          </a:p>
+        </p:txBody>
+      </p:sp>
     </p:spTree>
     <p:extLst>
       <p:ext uri="{BB962C8B-B14F-4D97-AF65-F5344CB8AC3E}">
-        <p14:creationId xmlns:p14="http://schemas.microsoft.com/office/powerpoint/2010/main" val="3254147686"/>
+        <p14:creationId xmlns:p14="http://schemas.microsoft.com/office/powerpoint/2010/main" val="1966497773"/>
       </p:ext>
     </p:extLst>
   </p:cSld>
@@ -6293,10 +6233,10 @@
       </p:grpSpPr>
       <p:sp>
         <p:nvSpPr>
-          <p:cNvPr id="2" name="Title 1">
-            <a:extLst>
-              <a:ext uri="{FF2B5EF4-FFF2-40B4-BE49-F238E27FC236}">
-                <a16:creationId xmlns:a16="http://schemas.microsoft.com/office/drawing/2014/main" id="{943A07D4-7620-696D-16E9-EA502403BBE3}"/>
+          <p:cNvPr id="2" name="Slide Number Placeholder 1">
+            <a:extLst>
+              <a:ext uri="{FF2B5EF4-FFF2-40B4-BE49-F238E27FC236}">
+                <a16:creationId xmlns:a16="http://schemas.microsoft.com/office/drawing/2014/main" id="{C4FC1E10-64D7-87C5-9CC2-EAE37654596E}"/>
               </a:ext>
             </a:extLst>
           </p:cNvPr>
@@ -6304,7 +6244,7 @@
             <a:spLocks noGrp="1"/>
           </p:cNvSpPr>
           <p:nvPr>
-            <p:ph type="ctrTitle"/>
+            <p:ph type="sldNum" sz="quarter" idx="12"/>
           </p:nvPr>
         </p:nvSpPr>
         <p:spPr/>
@@ -6313,18 +6253,19 @@
           <a:lstStyle/>
           <a:p>
             <a:r>
-              <a:rPr lang="en-US" dirty="0"/>
-              <a:t>Danger?</a:t>
-            </a:r>
-          </a:p>
-        </p:txBody>
-      </p:sp>
-      <p:sp>
-        <p:nvSpPr>
-          <p:cNvPr id="3" name="Text Placeholder 2">
-            <a:extLst>
-              <a:ext uri="{FF2B5EF4-FFF2-40B4-BE49-F238E27FC236}">
-                <a16:creationId xmlns:a16="http://schemas.microsoft.com/office/drawing/2014/main" id="{F5A51FBF-76E6-FE96-FEF2-B58C6FE5446A}"/>
+              <a:rPr lang="en-US"/>
+              <a:t>collaborative programming with GitHub</a:t>
+            </a:r>
+            <a:endParaRPr lang="en-US" dirty="0"/>
+          </a:p>
+        </p:txBody>
+      </p:sp>
+      <p:sp>
+        <p:nvSpPr>
+          <p:cNvPr id="3" name="Title 2">
+            <a:extLst>
+              <a:ext uri="{FF2B5EF4-FFF2-40B4-BE49-F238E27FC236}">
+                <a16:creationId xmlns:a16="http://schemas.microsoft.com/office/drawing/2014/main" id="{AE15AE15-9E9A-700A-C6CD-8024D13A04B6}"/>
               </a:ext>
             </a:extLst>
           </p:cNvPr>
@@ -6332,7 +6273,7 @@
             <a:spLocks noGrp="1"/>
           </p:cNvSpPr>
           <p:nvPr>
-            <p:ph type="body" sz="quarter" idx="10"/>
+            <p:ph type="title"/>
           </p:nvPr>
         </p:nvSpPr>
         <p:spPr/>
@@ -6341,8 +6282,110 @@
           <a:lstStyle/>
           <a:p>
             <a:r>
-              <a:rPr lang="en-US" dirty="0"/>
-              <a:t>Collaborative programming with GitHub</a:t>
+              <a:rPr lang="en-US" dirty="0" err="1"/>
+              <a:t>Gitflow</a:t>
+            </a:r>
+            <a:endParaRPr lang="en-US" dirty="0"/>
+          </a:p>
+        </p:txBody>
+      </p:sp>
+      <p:pic>
+        <p:nvPicPr>
+          <p:cNvPr id="6" name="Graphic 5">
+            <a:extLst>
+              <a:ext uri="{FF2B5EF4-FFF2-40B4-BE49-F238E27FC236}">
+                <a16:creationId xmlns:a16="http://schemas.microsoft.com/office/drawing/2014/main" id="{65FACBC4-2E07-0532-0AEE-E799F074DE41}"/>
+              </a:ext>
+            </a:extLst>
+          </p:cNvPr>
+          <p:cNvPicPr>
+            <a:picLocks noChangeAspect="1"/>
+          </p:cNvPicPr>
+          <p:nvPr/>
+        </p:nvPicPr>
+        <p:blipFill>
+          <a:blip r:embed="rId2">
+            <a:extLst>
+              <a:ext uri="{28A0092B-C50C-407E-A947-70E740481C1C}">
+                <a14:useLocalDpi xmlns:a14="http://schemas.microsoft.com/office/drawing/2010/main" val="0"/>
+              </a:ext>
+              <a:ext uri="{96DAC541-7B7A-43D3-8B79-37D633B846F1}">
+                <asvg:svgBlip xmlns:asvg="http://schemas.microsoft.com/office/drawing/2016/SVG/main" r:embed="rId3"/>
+              </a:ext>
+            </a:extLst>
+          </a:blip>
+          <a:stretch>
+            <a:fillRect/>
+          </a:stretch>
+        </p:blipFill>
+        <p:spPr>
+          <a:xfrm>
+            <a:off x="3594296" y="319084"/>
+            <a:ext cx="7620000" cy="5461000"/>
+          </a:xfrm>
+          <a:prstGeom prst="rect">
+            <a:avLst/>
+          </a:prstGeom>
+        </p:spPr>
+      </p:pic>
+      <p:sp>
+        <p:nvSpPr>
+          <p:cNvPr id="8" name="TextBox 7">
+            <a:extLst>
+              <a:ext uri="{FF2B5EF4-FFF2-40B4-BE49-F238E27FC236}">
+                <a16:creationId xmlns:a16="http://schemas.microsoft.com/office/drawing/2014/main" id="{B468BF3E-9AD6-39DD-E11F-4CBF817D15DD}"/>
+              </a:ext>
+            </a:extLst>
+          </p:cNvPr>
+          <p:cNvSpPr txBox="1"/>
+          <p:nvPr/>
+        </p:nvSpPr>
+        <p:spPr>
+          <a:xfrm>
+            <a:off x="3594296" y="5778346"/>
+            <a:ext cx="7853290" cy="923330"/>
+          </a:xfrm>
+          <a:prstGeom prst="rect">
+            <a:avLst/>
+          </a:prstGeom>
+          <a:noFill/>
+        </p:spPr>
+        <p:txBody>
+          <a:bodyPr wrap="square">
+            <a:spAutoFit/>
+          </a:bodyPr>
+          <a:lstStyle/>
+          <a:p>
+            <a:r>
+              <a:rPr lang="en-US" dirty="0">
+                <a:effectLst/>
+              </a:rPr>
+              <a:t>― Atlassian. “</a:t>
+            </a:r>
+            <a:r>
+              <a:rPr lang="en-US" dirty="0" err="1">
+                <a:effectLst/>
+              </a:rPr>
+              <a:t>Gitflow</a:t>
+            </a:r>
+            <a:r>
+              <a:rPr lang="en-US" dirty="0">
+                <a:effectLst/>
+              </a:rPr>
+              <a:t> Workflow.” Software Development, 2024. </a:t>
+            </a:r>
+            <a:r>
+              <a:rPr lang="en-US" dirty="0">
+                <a:effectLst/>
+                <a:hlinkClick r:id="rId4"/>
+              </a:rPr>
+              <a:t>https://www.atlassian.com/git/tutorials/comparing-workflows/gitflow-workflow</a:t>
+            </a:r>
+            <a:r>
+              <a:rPr lang="en-US" dirty="0">
+                <a:effectLst/>
+              </a:rPr>
+              <a:t>.</a:t>
             </a:r>
           </a:p>
         </p:txBody>
@@ -6350,7 +6393,7 @@
     </p:spTree>
     <p:extLst>
       <p:ext uri="{BB962C8B-B14F-4D97-AF65-F5344CB8AC3E}">
-        <p14:creationId xmlns:p14="http://schemas.microsoft.com/office/powerpoint/2010/main" val="3628147998"/>
+        <p14:creationId xmlns:p14="http://schemas.microsoft.com/office/powerpoint/2010/main" val="452768175"/>
       </p:ext>
     </p:extLst>
   </p:cSld>
@@ -6382,7 +6425,7 @@
           <p:cNvPr id="2" name="Slide Number Placeholder 1">
             <a:extLst>
               <a:ext uri="{FF2B5EF4-FFF2-40B4-BE49-F238E27FC236}">
-                <a16:creationId xmlns:a16="http://schemas.microsoft.com/office/drawing/2014/main" id="{9B4755AF-1FFC-49A1-E216-165053D28CDE}"/>
+                <a16:creationId xmlns:a16="http://schemas.microsoft.com/office/drawing/2014/main" id="{A504F9E9-CDF9-A959-EFEE-FF2AE2828512}"/>
               </a:ext>
             </a:extLst>
           </p:cNvPr>
@@ -6398,87 +6441,20 @@
           <a:bodyPr/>
           <a:lstStyle/>
           <a:p>
-            <a:fld id="{B700F21C-8F8F-42F3-B54E-DA825E538004}" type="slidenum">
-              <a:rPr lang="en-US" smtClean="0"/>
-              <a:pPr/>
-              <a:t>19</a:t>
-            </a:fld>
+            <a:r>
+              <a:rPr lang="en-US"/>
+              <a:t>collaborative programming with GitHub</a:t>
+            </a:r>
             <a:endParaRPr lang="en-US" dirty="0"/>
           </a:p>
         </p:txBody>
       </p:sp>
       <p:sp>
         <p:nvSpPr>
-          <p:cNvPr id="3" name="Content Placeholder 2">
-            <a:extLst>
-              <a:ext uri="{FF2B5EF4-FFF2-40B4-BE49-F238E27FC236}">
-                <a16:creationId xmlns:a16="http://schemas.microsoft.com/office/drawing/2014/main" id="{41E5BB61-6459-632F-D900-E6D340814352}"/>
-              </a:ext>
-            </a:extLst>
-          </p:cNvPr>
-          <p:cNvSpPr>
-            <a:spLocks noGrp="1"/>
-          </p:cNvSpPr>
-          <p:nvPr>
-            <p:ph idx="13"/>
-          </p:nvPr>
-        </p:nvSpPr>
-        <p:spPr>
-          <a:xfrm>
-            <a:off x="403011" y="1023490"/>
-            <a:ext cx="11385981" cy="4233360"/>
-          </a:xfrm>
-        </p:spPr>
-        <p:txBody>
-          <a:bodyPr/>
-          <a:lstStyle/>
-          <a:p>
-            <a:r>
-              <a:rPr lang="en-US" dirty="0"/>
-              <a:t>As long as what was working was committed,</a:t>
-            </a:r>
-          </a:p>
-          <a:p>
-            <a:endParaRPr lang="en-US" dirty="0"/>
-          </a:p>
-          <a:p>
-            <a:endParaRPr lang="en-US" dirty="0"/>
-          </a:p>
-          <a:p>
-            <a:endParaRPr lang="en-US" dirty="0"/>
-          </a:p>
-          <a:p>
-            <a:pPr marL="0" indent="0">
-              <a:buNone/>
-            </a:pPr>
-            <a:endParaRPr lang="en-US" dirty="0"/>
-          </a:p>
-          <a:p>
-            <a:pPr marL="0" indent="0">
-              <a:buNone/>
-            </a:pPr>
-            <a:endParaRPr lang="en-US" dirty="0"/>
-          </a:p>
-          <a:p>
-            <a:r>
-              <a:rPr lang="en-US" dirty="0"/>
-              <a:t>Git makes permanent irreversible changes hard to do by design.</a:t>
-            </a:r>
-          </a:p>
-          <a:p>
-            <a:r>
-              <a:rPr lang="en-US" dirty="0"/>
-              <a:t>GitHub has features like ”branch protection rules” to add further friction to publishing unintentional changes.</a:t>
-            </a:r>
-          </a:p>
-        </p:txBody>
-      </p:sp>
-      <p:sp>
-        <p:nvSpPr>
-          <p:cNvPr id="4" name="Title 3">
-            <a:extLst>
-              <a:ext uri="{FF2B5EF4-FFF2-40B4-BE49-F238E27FC236}">
-                <a16:creationId xmlns:a16="http://schemas.microsoft.com/office/drawing/2014/main" id="{B4137628-43D1-5317-EB54-ACBC2EB40B6D}"/>
+          <p:cNvPr id="3" name="Title 2">
+            <a:extLst>
+              <a:ext uri="{FF2B5EF4-FFF2-40B4-BE49-F238E27FC236}">
+                <a16:creationId xmlns:a16="http://schemas.microsoft.com/office/drawing/2014/main" id="{8663C851-29EB-5A67-21E2-FB974EB83304}"/>
               </a:ext>
             </a:extLst>
           </p:cNvPr>
@@ -6496,60 +6472,104 @@
           <a:p>
             <a:r>
               <a:rPr lang="en-US" dirty="0"/>
-              <a:t>What if I mess something up?</a:t>
-            </a:r>
-          </a:p>
-        </p:txBody>
-      </p:sp>
-      <p:pic>
-        <p:nvPicPr>
-          <p:cNvPr id="4100" name="Picture 4">
-            <a:extLst>
-              <a:ext uri="{FF2B5EF4-FFF2-40B4-BE49-F238E27FC236}">
-                <a16:creationId xmlns:a16="http://schemas.microsoft.com/office/drawing/2014/main" id="{32717F20-7B6F-0761-A2F4-6DA15D8E70FA}"/>
-              </a:ext>
-            </a:extLst>
-          </p:cNvPr>
-          <p:cNvPicPr>
-            <a:picLocks noChangeAspect="1" noChangeArrowheads="1"/>
-          </p:cNvPicPr>
+              <a:t>GitHub Flow</a:t>
+            </a:r>
+          </a:p>
+        </p:txBody>
+      </p:sp>
+      <p:sp>
+        <p:nvSpPr>
+          <p:cNvPr id="5" name="TextBox 4">
+            <a:extLst>
+              <a:ext uri="{FF2B5EF4-FFF2-40B4-BE49-F238E27FC236}">
+                <a16:creationId xmlns:a16="http://schemas.microsoft.com/office/drawing/2014/main" id="{A380D5E5-E5A1-8F50-2BC2-98B7AA4A4C14}"/>
+              </a:ext>
+            </a:extLst>
+          </p:cNvPr>
+          <p:cNvSpPr txBox="1"/>
           <p:nvPr/>
-        </p:nvPicPr>
-        <p:blipFill rotWithShape="1">
-          <a:blip r:embed="rId2">
-            <a:extLst>
-              <a:ext uri="{28A0092B-C50C-407E-A947-70E740481C1C}">
-                <a14:useLocalDpi xmlns:a14="http://schemas.microsoft.com/office/drawing/2010/main" val="0"/>
-              </a:ext>
-            </a:extLst>
-          </a:blip>
-          <a:srcRect t="7496" b="60549"/>
-          <a:stretch/>
-        </p:blipFill>
-        <p:spPr bwMode="auto">
-          <a:xfrm>
-            <a:off x="4888985" y="1023489"/>
-            <a:ext cx="3822700" cy="1927655"/>
+        </p:nvSpPr>
+        <p:spPr>
+          <a:xfrm>
+            <a:off x="4572000" y="2741399"/>
+            <a:ext cx="6098344" cy="1200329"/>
           </a:xfrm>
           <a:prstGeom prst="rect">
             <a:avLst/>
           </a:prstGeom>
           <a:noFill/>
-          <a:extLst>
-            <a:ext uri="{909E8E84-426E-40DD-AFC4-6F175D3DCCD1}">
-              <a14:hiddenFill xmlns:a14="http://schemas.microsoft.com/office/drawing/2010/main">
-                <a:solidFill>
-                  <a:srgbClr val="FFFFFF"/>
-                </a:solidFill>
-              </a14:hiddenFill>
-            </a:ext>
-          </a:extLst>
+        </p:spPr>
+        <p:txBody>
+          <a:bodyPr wrap="square">
+            <a:spAutoFit/>
+          </a:bodyPr>
+          <a:lstStyle/>
+          <a:p>
+            <a:r>
+              <a:rPr lang="en-US" dirty="0">
+                <a:effectLst/>
+              </a:rPr>
+              <a:t>― Atlassian. “Git Feature Branch Workflow.” Software Development, 2024. </a:t>
+            </a:r>
+            <a:r>
+              <a:rPr lang="en-US" dirty="0">
+                <a:effectLst/>
+                <a:hlinkClick r:id="rId2"/>
+              </a:rPr>
+              <a:t>https://www.atlassian.com/git/tutorials/comparing-workflows/feature-branch-workflow</a:t>
+            </a:r>
+            <a:r>
+              <a:rPr lang="en-US" dirty="0">
+                <a:effectLst/>
+              </a:rPr>
+              <a:t>.</a:t>
+            </a:r>
+          </a:p>
+        </p:txBody>
+      </p:sp>
+      <p:pic>
+        <p:nvPicPr>
+          <p:cNvPr id="7" name="Graphic 6">
+            <a:extLst>
+              <a:ext uri="{FF2B5EF4-FFF2-40B4-BE49-F238E27FC236}">
+                <a16:creationId xmlns:a16="http://schemas.microsoft.com/office/drawing/2014/main" id="{7B822B1F-0A59-BE58-50B7-5D0DB2B981AE}"/>
+              </a:ext>
+            </a:extLst>
+          </p:cNvPr>
+          <p:cNvPicPr>
+            <a:picLocks noChangeAspect="1"/>
+          </p:cNvPicPr>
+          <p:nvPr/>
+        </p:nvPicPr>
+        <p:blipFill>
+          <a:blip r:embed="rId3">
+            <a:extLst>
+              <a:ext uri="{28A0092B-C50C-407E-A947-70E740481C1C}">
+                <a14:useLocalDpi xmlns:a14="http://schemas.microsoft.com/office/drawing/2010/main" val="0"/>
+              </a:ext>
+              <a:ext uri="{96DAC541-7B7A-43D3-8B79-37D633B846F1}">
+                <asvg:svgBlip xmlns:asvg="http://schemas.microsoft.com/office/drawing/2016/SVG/main" r:embed="rId4"/>
+              </a:ext>
+            </a:extLst>
+          </a:blip>
+          <a:stretch>
+            <a:fillRect/>
+          </a:stretch>
+        </p:blipFill>
+        <p:spPr>
+          <a:xfrm>
+            <a:off x="4154089" y="1215694"/>
+            <a:ext cx="7620000" cy="1333500"/>
+          </a:xfrm>
+          <a:prstGeom prst="rect">
+            <a:avLst/>
+          </a:prstGeom>
         </p:spPr>
       </p:pic>
     </p:spTree>
     <p:extLst>
       <p:ext uri="{BB962C8B-B14F-4D97-AF65-F5344CB8AC3E}">
-        <p14:creationId xmlns:p14="http://schemas.microsoft.com/office/powerpoint/2010/main" val="2629517454"/>
+        <p14:creationId xmlns:p14="http://schemas.microsoft.com/office/powerpoint/2010/main" val="3294057155"/>
       </p:ext>
     </p:extLst>
   </p:cSld>
@@ -6578,88 +6598,10 @@
       </p:grpSpPr>
       <p:sp>
         <p:nvSpPr>
-          <p:cNvPr id="2" name="Content Placeholder 1">
-            <a:extLst>
-              <a:ext uri="{FF2B5EF4-FFF2-40B4-BE49-F238E27FC236}">
-                <a16:creationId xmlns:a16="http://schemas.microsoft.com/office/drawing/2014/main" id="{E9F87B1F-F817-5F77-59EC-9328516B0081}"/>
-              </a:ext>
-            </a:extLst>
-          </p:cNvPr>
-          <p:cNvSpPr>
-            <a:spLocks noGrp="1"/>
-          </p:cNvSpPr>
-          <p:nvPr>
-            <p:ph sz="half" idx="1"/>
-          </p:nvPr>
-        </p:nvSpPr>
-        <p:spPr/>
-        <p:txBody>
-          <a:bodyPr>
-            <a:normAutofit/>
-          </a:bodyPr>
-          <a:lstStyle/>
-          <a:p>
-            <a:r>
-              <a:rPr lang="en-US" sz="4800" dirty="0"/>
-              <a:t>Why?</a:t>
-            </a:r>
-          </a:p>
-          <a:p>
-            <a:r>
-              <a:rPr lang="en-US" sz="4800" dirty="0"/>
-              <a:t>What?</a:t>
-            </a:r>
-          </a:p>
-          <a:p>
-            <a:r>
-              <a:rPr lang="en-US" sz="4800" dirty="0"/>
-              <a:t>How?</a:t>
-            </a:r>
-          </a:p>
-        </p:txBody>
-      </p:sp>
-      <p:sp>
-        <p:nvSpPr>
-          <p:cNvPr id="3" name="Content Placeholder 2">
-            <a:extLst>
-              <a:ext uri="{FF2B5EF4-FFF2-40B4-BE49-F238E27FC236}">
-                <a16:creationId xmlns:a16="http://schemas.microsoft.com/office/drawing/2014/main" id="{E46824D6-3855-1D30-A880-E24C7331B2D4}"/>
-              </a:ext>
-            </a:extLst>
-          </p:cNvPr>
-          <p:cNvSpPr>
-            <a:spLocks noGrp="1"/>
-          </p:cNvSpPr>
-          <p:nvPr>
-            <p:ph sz="half" idx="2"/>
-          </p:nvPr>
-        </p:nvSpPr>
-        <p:spPr/>
-        <p:txBody>
-          <a:bodyPr>
-            <a:normAutofit/>
-          </a:bodyPr>
-          <a:lstStyle/>
-          <a:p>
-            <a:r>
-              <a:rPr lang="en-US" sz="4800" dirty="0"/>
-              <a:t>Danger?</a:t>
-            </a:r>
-          </a:p>
-          <a:p>
-            <a:r>
-              <a:rPr lang="en-US" sz="4800" dirty="0"/>
-              <a:t>Help?</a:t>
-            </a:r>
-          </a:p>
-        </p:txBody>
-      </p:sp>
-      <p:sp>
-        <p:nvSpPr>
-          <p:cNvPr id="4" name="Slide Number Placeholder 3">
-            <a:extLst>
-              <a:ext uri="{FF2B5EF4-FFF2-40B4-BE49-F238E27FC236}">
-                <a16:creationId xmlns:a16="http://schemas.microsoft.com/office/drawing/2014/main" id="{88883128-AF4E-6E39-C42D-EA60C6C1F760}"/>
+          <p:cNvPr id="2" name="Slide Number Placeholder 1">
+            <a:extLst>
+              <a:ext uri="{FF2B5EF4-FFF2-40B4-BE49-F238E27FC236}">
+                <a16:creationId xmlns:a16="http://schemas.microsoft.com/office/drawing/2014/main" id="{73A83C2E-DE31-7CF6-0BF7-F397725A9927}"/>
               </a:ext>
             </a:extLst>
           </p:cNvPr>
@@ -6670,26 +6612,108 @@
             <p:ph type="sldNum" sz="quarter" idx="12"/>
           </p:nvPr>
         </p:nvSpPr>
-        <p:spPr/>
+        <p:spPr>
+          <a:xfrm>
+            <a:off x="8836156" y="6475556"/>
+            <a:ext cx="2937933" cy="277617"/>
+          </a:xfrm>
+        </p:spPr>
         <p:txBody>
           <a:bodyPr/>
           <a:lstStyle/>
           <a:p>
-            <a:fld id="{B700F21C-8F8F-42F3-B54E-DA825E538004}" type="slidenum">
-              <a:rPr lang="en-US" smtClean="0"/>
-              <a:pPr/>
-              <a:t>2</a:t>
-            </a:fld>
+            <a:r>
+              <a:rPr lang="en-US" dirty="0"/>
+              <a:t>collaborative programming with GitHub</a:t>
+            </a:r>
+          </a:p>
+          <a:p>
             <a:endParaRPr lang="en-US" dirty="0"/>
           </a:p>
         </p:txBody>
       </p:sp>
       <p:sp>
         <p:nvSpPr>
-          <p:cNvPr id="5" name="Title 4">
-            <a:extLst>
-              <a:ext uri="{FF2B5EF4-FFF2-40B4-BE49-F238E27FC236}">
-                <a16:creationId xmlns:a16="http://schemas.microsoft.com/office/drawing/2014/main" id="{74EEF3ED-A695-E1AF-E0CF-280C0D2E680C}"/>
+          <p:cNvPr id="3" name="Content Placeholder 2">
+            <a:extLst>
+              <a:ext uri="{FF2B5EF4-FFF2-40B4-BE49-F238E27FC236}">
+                <a16:creationId xmlns:a16="http://schemas.microsoft.com/office/drawing/2014/main" id="{D33722FD-312A-7AE9-198C-F68F7F56E3B6}"/>
+              </a:ext>
+            </a:extLst>
+          </p:cNvPr>
+          <p:cNvSpPr>
+            <a:spLocks noGrp="1"/>
+          </p:cNvSpPr>
+          <p:nvPr>
+            <p:ph idx="13"/>
+          </p:nvPr>
+        </p:nvSpPr>
+        <p:spPr/>
+        <p:txBody>
+          <a:bodyPr/>
+          <a:lstStyle/>
+          <a:p>
+            <a:r>
+              <a:rPr lang="en-US" dirty="0"/>
+              <a:t>Commit often.</a:t>
+            </a:r>
+          </a:p>
+          <a:p>
+            <a:r>
+              <a:rPr lang="en-US" dirty="0"/>
+              <a:t>Keep the content of each commit as single-purpose as possible.</a:t>
+            </a:r>
+          </a:p>
+          <a:p>
+            <a:r>
+              <a:rPr lang="en-US" dirty="0"/>
+              <a:t>Write clear commit messages describing the content of the commits.</a:t>
+            </a:r>
+          </a:p>
+          <a:p>
+            <a:r>
+              <a:rPr lang="en-US" dirty="0"/>
+              <a:t>Develop separate features in separate branches. These branches can be cascaded or from the same commit-in-common.</a:t>
+            </a:r>
+          </a:p>
+          <a:p>
+            <a:r>
+              <a:rPr lang="en-US" dirty="0"/>
+              <a:t>Review as many PRs as makes sense for you.</a:t>
+            </a:r>
+          </a:p>
+          <a:p>
+            <a:r>
+              <a:rPr lang="en-US" dirty="0"/>
+              <a:t>Review the project’s community files (e.g., CONTRIBUTING, README).</a:t>
+            </a:r>
+          </a:p>
+          <a:p>
+            <a:r>
+              <a:rPr lang="en-US" dirty="0"/>
+              <a:t>Different projects have different needs at different times.</a:t>
+            </a:r>
+          </a:p>
+          <a:p>
+            <a:r>
+              <a:rPr lang="en-US" dirty="0"/>
+              <a:t>If you have a suggestion, share your suggestion.</a:t>
+            </a:r>
+          </a:p>
+          <a:p>
+            <a:r>
+              <a:rPr lang="en-US" dirty="0"/>
+              <a:t>If you have a question, ask.</a:t>
+            </a:r>
+          </a:p>
+        </p:txBody>
+      </p:sp>
+      <p:sp>
+        <p:nvSpPr>
+          <p:cNvPr id="4" name="Title 3">
+            <a:extLst>
+              <a:ext uri="{FF2B5EF4-FFF2-40B4-BE49-F238E27FC236}">
+                <a16:creationId xmlns:a16="http://schemas.microsoft.com/office/drawing/2014/main" id="{11FFB598-C372-126A-2D38-7248998EDC87}"/>
               </a:ext>
             </a:extLst>
           </p:cNvPr>
@@ -6707,62 +6731,15 @@
           <a:p>
             <a:r>
               <a:rPr lang="en-US" dirty="0"/>
-              <a:t>Collaborative programming with GitHub</a:t>
-            </a:r>
-          </a:p>
-        </p:txBody>
-      </p:sp>
-      <p:pic>
-        <p:nvPicPr>
-          <p:cNvPr id="2050" name="Picture 2" descr="professortocat_v2">
-            <a:extLst>
-              <a:ext uri="{FF2B5EF4-FFF2-40B4-BE49-F238E27FC236}">
-                <a16:creationId xmlns:a16="http://schemas.microsoft.com/office/drawing/2014/main" id="{D156204A-9DCF-AC5D-20D8-A02EBAED7E51}"/>
-              </a:ext>
-            </a:extLst>
-          </p:cNvPr>
-          <p:cNvPicPr>
-            <a:picLocks noChangeAspect="1" noChangeArrowheads="1"/>
-          </p:cNvPicPr>
-          <p:nvPr/>
-        </p:nvPicPr>
-        <p:blipFill>
-          <a:blip r:embed="rId2">
-            <a:extLst>
-              <a:ext uri="{28A0092B-C50C-407E-A947-70E740481C1C}">
-                <a14:useLocalDpi xmlns:a14="http://schemas.microsoft.com/office/drawing/2010/main" val="0"/>
-              </a:ext>
-            </a:extLst>
-          </a:blip>
-          <a:srcRect/>
-          <a:stretch>
-            <a:fillRect/>
-          </a:stretch>
-        </p:blipFill>
-        <p:spPr bwMode="auto">
-          <a:xfrm>
-            <a:off x="2667000" y="2562774"/>
-            <a:ext cx="4295225" cy="4295225"/>
-          </a:xfrm>
-          <a:prstGeom prst="rect">
-            <a:avLst/>
-          </a:prstGeom>
-          <a:noFill/>
-          <a:extLst>
-            <a:ext uri="{909E8E84-426E-40DD-AFC4-6F175D3DCCD1}">
-              <a14:hiddenFill xmlns:a14="http://schemas.microsoft.com/office/drawing/2010/main">
-                <a:solidFill>
-                  <a:srgbClr val="FFFFFF"/>
-                </a:solidFill>
-              </a14:hiddenFill>
-            </a:ext>
-          </a:extLst>
-        </p:spPr>
-      </p:pic>
+              <a:t>General advice</a:t>
+            </a:r>
+          </a:p>
+        </p:txBody>
+      </p:sp>
     </p:spTree>
     <p:extLst>
       <p:ext uri="{BB962C8B-B14F-4D97-AF65-F5344CB8AC3E}">
-        <p14:creationId xmlns:p14="http://schemas.microsoft.com/office/powerpoint/2010/main" val="599170411"/>
+        <p14:creationId xmlns:p14="http://schemas.microsoft.com/office/powerpoint/2010/main" val="1262887912"/>
       </p:ext>
     </p:extLst>
   </p:cSld>
@@ -6794,7 +6771,7 @@
           <p:cNvPr id="2" name="Slide Number Placeholder 1">
             <a:extLst>
               <a:ext uri="{FF2B5EF4-FFF2-40B4-BE49-F238E27FC236}">
-                <a16:creationId xmlns:a16="http://schemas.microsoft.com/office/drawing/2014/main" id="{07F92D95-3E9B-9E1D-EEC4-675E7A1E9A9E}"/>
+                <a16:creationId xmlns:a16="http://schemas.microsoft.com/office/drawing/2014/main" id="{71E963EC-CACE-695B-218D-962516D6153E}"/>
               </a:ext>
             </a:extLst>
           </p:cNvPr>
@@ -6821,75 +6798,10 @@
       </p:sp>
       <p:sp>
         <p:nvSpPr>
-          <p:cNvPr id="4" name="Content Placeholder 3">
-            <a:extLst>
-              <a:ext uri="{FF2B5EF4-FFF2-40B4-BE49-F238E27FC236}">
-                <a16:creationId xmlns:a16="http://schemas.microsoft.com/office/drawing/2014/main" id="{A7A0B5D8-3A0F-8B39-83CD-C5E2D8154478}"/>
-              </a:ext>
-            </a:extLst>
-          </p:cNvPr>
-          <p:cNvSpPr>
-            <a:spLocks noGrp="1"/>
-          </p:cNvSpPr>
-          <p:nvPr>
-            <p:ph idx="13"/>
-          </p:nvPr>
-        </p:nvSpPr>
-        <p:spPr/>
-        <p:txBody>
-          <a:bodyPr/>
-          <a:lstStyle/>
-          <a:p>
-            <a:r>
-              <a:rPr lang="en-US" dirty="0"/>
-              <a:t>Merge conflict resolutions are absolutely necessary.</a:t>
-            </a:r>
-          </a:p>
-          <a:p>
-            <a:r>
-              <a:rPr lang="en-US" dirty="0"/>
-              <a:t>Conflicts arise when parallel changes are made to the same code and git can’t tell how those changes should interact or affect each other.</a:t>
-            </a:r>
-          </a:p>
-          <a:p>
-            <a:r>
-              <a:rPr lang="en-US" dirty="0"/>
-              <a:t>Find a tool that works for you.</a:t>
-            </a:r>
-          </a:p>
-          <a:p>
-            <a:r>
-              <a:rPr lang="en-US" dirty="0"/>
-              <a:t>I adore Meld (</a:t>
-            </a:r>
-            <a:r>
-              <a:rPr lang="en-US" dirty="0">
-                <a:hlinkClick r:id="rId2"/>
-              </a:rPr>
-              <a:t>https://</a:t>
-            </a:r>
-            <a:r>
-              <a:rPr lang="en-US" dirty="0" err="1">
-                <a:hlinkClick r:id="rId2"/>
-              </a:rPr>
-              <a:t>meldmerge.org</a:t>
-            </a:r>
-            <a:r>
-              <a:rPr lang="en-US" dirty="0"/>
-              <a:t>)</a:t>
-            </a:r>
-          </a:p>
-          <a:p>
-            <a:endParaRPr lang="en-US" dirty="0"/>
-          </a:p>
-        </p:txBody>
-      </p:sp>
-      <p:sp>
-        <p:nvSpPr>
           <p:cNvPr id="3" name="Title 2">
             <a:extLst>
               <a:ext uri="{FF2B5EF4-FFF2-40B4-BE49-F238E27FC236}">
-                <a16:creationId xmlns:a16="http://schemas.microsoft.com/office/drawing/2014/main" id="{EE7BF2F4-2A70-DD57-059A-730363B7B562}"/>
+                <a16:creationId xmlns:a16="http://schemas.microsoft.com/office/drawing/2014/main" id="{795980DD-D8BB-1835-C47C-225DD849347E}"/>
               </a:ext>
             </a:extLst>
           </p:cNvPr>
@@ -6907,62 +6819,97 @@
           <a:p>
             <a:r>
               <a:rPr lang="en-US" dirty="0"/>
-              <a:t>This merge conflict resolution is a nightmare.</a:t>
+              <a:t>Follow the project’s existing style</a:t>
             </a:r>
           </a:p>
         </p:txBody>
       </p:sp>
       <p:pic>
         <p:nvPicPr>
-          <p:cNvPr id="5124" name="Picture 4" descr="File comparison">
-            <a:extLst>
-              <a:ext uri="{FF2B5EF4-FFF2-40B4-BE49-F238E27FC236}">
-                <a16:creationId xmlns:a16="http://schemas.microsoft.com/office/drawing/2014/main" id="{09EB7DB2-1D51-8187-0442-DDA195632CD8}"/>
+          <p:cNvPr id="4" name="Picture 3">
+            <a:extLst>
+              <a:ext uri="{FF2B5EF4-FFF2-40B4-BE49-F238E27FC236}">
+                <a16:creationId xmlns:a16="http://schemas.microsoft.com/office/drawing/2014/main" id="{9C21EE1B-EC66-5B4D-955D-95D4DABE5E7D}"/>
               </a:ext>
             </a:extLst>
           </p:cNvPr>
           <p:cNvPicPr>
-            <a:picLocks noChangeAspect="1" noChangeArrowheads="1"/>
+            <a:picLocks noChangeAspect="1"/>
           </p:cNvPicPr>
           <p:nvPr/>
         </p:nvPicPr>
         <p:blipFill>
-          <a:blip r:embed="rId3">
-            <a:extLst>
-              <a:ext uri="{28A0092B-C50C-407E-A947-70E740481C1C}">
-                <a14:useLocalDpi xmlns:a14="http://schemas.microsoft.com/office/drawing/2010/main" val="0"/>
-              </a:ext>
-            </a:extLst>
-          </a:blip>
-          <a:srcRect/>
+          <a:blip r:embed="rId2"/>
           <a:stretch>
             <a:fillRect/>
           </a:stretch>
         </p:blipFill>
-        <p:spPr bwMode="auto">
-          <a:xfrm>
-            <a:off x="4374293" y="2201661"/>
-            <a:ext cx="6777381" cy="4412703"/>
+        <p:spPr>
+          <a:xfrm>
+            <a:off x="2209800" y="875278"/>
+            <a:ext cx="7772400" cy="5412721"/>
           </a:xfrm>
           <a:prstGeom prst="rect">
             <a:avLst/>
           </a:prstGeom>
-          <a:noFill/>
-          <a:extLst>
-            <a:ext uri="{909E8E84-426E-40DD-AFC4-6F175D3DCCD1}">
-              <a14:hiddenFill xmlns:a14="http://schemas.microsoft.com/office/drawing/2010/main">
-                <a:solidFill>
-                  <a:srgbClr val="FFFFFF"/>
-                </a:solidFill>
-              </a14:hiddenFill>
-            </a:ext>
-          </a:extLst>
         </p:spPr>
       </p:pic>
+      <p:sp>
+        <p:nvSpPr>
+          <p:cNvPr id="6" name="TextBox 5">
+            <a:extLst>
+              <a:ext uri="{FF2B5EF4-FFF2-40B4-BE49-F238E27FC236}">
+                <a16:creationId xmlns:a16="http://schemas.microsoft.com/office/drawing/2014/main" id="{75177BA4-C9C4-EBE6-39F3-4E92E5D893FD}"/>
+              </a:ext>
+            </a:extLst>
+          </p:cNvPr>
+          <p:cNvSpPr txBox="1"/>
+          <p:nvPr/>
+        </p:nvSpPr>
+        <p:spPr>
+          <a:xfrm>
+            <a:off x="223024" y="6215750"/>
+            <a:ext cx="11565966" cy="646331"/>
+          </a:xfrm>
+          <a:prstGeom prst="rect">
+            <a:avLst/>
+          </a:prstGeom>
+          <a:solidFill>
+            <a:srgbClr val="FFFFFF"/>
+          </a:solidFill>
+        </p:spPr>
+        <p:txBody>
+          <a:bodyPr wrap="square">
+            <a:spAutoFit/>
+          </a:bodyPr>
+          <a:lstStyle/>
+          <a:p>
+            <a:r>
+              <a:rPr lang="en-US" dirty="0">
+                <a:effectLst/>
+              </a:rPr>
+              <a:t>― Open Source Guides. “Anatomy of an Open Source Project.” How to Contribute to Open Source, February 8, 2024. </a:t>
+            </a:r>
+            <a:r>
+              <a:rPr lang="en-US" dirty="0">
+                <a:effectLst/>
+                <a:hlinkClick r:id="rId3"/>
+              </a:rPr>
+              <a:t>https://opensource.guide/how-to-contribute/#anatomy-of-an-open-source-project</a:t>
+            </a:r>
+            <a:r>
+              <a:rPr lang="en-US" dirty="0">
+                <a:effectLst/>
+              </a:rPr>
+              <a:t>.</a:t>
+            </a:r>
+          </a:p>
+        </p:txBody>
+      </p:sp>
     </p:spTree>
     <p:extLst>
       <p:ext uri="{BB962C8B-B14F-4D97-AF65-F5344CB8AC3E}">
-        <p14:creationId xmlns:p14="http://schemas.microsoft.com/office/powerpoint/2010/main" val="3736144483"/>
+        <p14:creationId xmlns:p14="http://schemas.microsoft.com/office/powerpoint/2010/main" val="2837050692"/>
       </p:ext>
     </p:extLst>
   </p:cSld>
@@ -6991,10 +6938,10 @@
       </p:grpSpPr>
       <p:sp>
         <p:nvSpPr>
-          <p:cNvPr id="2" name="Title 1">
-            <a:extLst>
-              <a:ext uri="{FF2B5EF4-FFF2-40B4-BE49-F238E27FC236}">
-                <a16:creationId xmlns:a16="http://schemas.microsoft.com/office/drawing/2014/main" id="{943A07D4-7620-696D-16E9-EA502403BBE3}"/>
+          <p:cNvPr id="2" name="Slide Number Placeholder 1">
+            <a:extLst>
+              <a:ext uri="{FF2B5EF4-FFF2-40B4-BE49-F238E27FC236}">
+                <a16:creationId xmlns:a16="http://schemas.microsoft.com/office/drawing/2014/main" id="{71E963EC-CACE-695B-218D-962516D6153E}"/>
               </a:ext>
             </a:extLst>
           </p:cNvPr>
@@ -7002,7 +6949,7 @@
             <a:spLocks noGrp="1"/>
           </p:cNvSpPr>
           <p:nvPr>
-            <p:ph type="ctrTitle"/>
+            <p:ph type="sldNum" sz="quarter" idx="12"/>
           </p:nvPr>
         </p:nvSpPr>
         <p:spPr/>
@@ -7012,17 +6959,17 @@
           <a:p>
             <a:r>
               <a:rPr lang="en-US" dirty="0"/>
-              <a:t>Help?</a:t>
-            </a:r>
-          </a:p>
-        </p:txBody>
-      </p:sp>
-      <p:sp>
-        <p:nvSpPr>
-          <p:cNvPr id="3" name="Text Placeholder 2">
-            <a:extLst>
-              <a:ext uri="{FF2B5EF4-FFF2-40B4-BE49-F238E27FC236}">
-                <a16:creationId xmlns:a16="http://schemas.microsoft.com/office/drawing/2014/main" id="{F5A51FBF-76E6-FE96-FEF2-B58C6FE5446A}"/>
+              <a:t>collaborative programming with GitHub</a:t>
+            </a:r>
+          </a:p>
+        </p:txBody>
+      </p:sp>
+      <p:sp>
+        <p:nvSpPr>
+          <p:cNvPr id="3" name="Title 2">
+            <a:extLst>
+              <a:ext uri="{FF2B5EF4-FFF2-40B4-BE49-F238E27FC236}">
+                <a16:creationId xmlns:a16="http://schemas.microsoft.com/office/drawing/2014/main" id="{795980DD-D8BB-1835-C47C-225DD849347E}"/>
               </a:ext>
             </a:extLst>
           </p:cNvPr>
@@ -7030,7 +6977,7 @@
             <a:spLocks noGrp="1"/>
           </p:cNvSpPr>
           <p:nvPr>
-            <p:ph type="body" sz="quarter" idx="10"/>
+            <p:ph type="title"/>
           </p:nvPr>
         </p:nvSpPr>
         <p:spPr/>
@@ -7040,15 +6987,97 @@
           <a:p>
             <a:r>
               <a:rPr lang="en-US" dirty="0"/>
-              <a:t>Collaborative programming with GitHub</a:t>
-            </a:r>
-          </a:p>
-        </p:txBody>
-      </p:sp>
+              <a:t>Follow the project’s existing style</a:t>
+            </a:r>
+          </a:p>
+        </p:txBody>
+      </p:sp>
+      <p:sp>
+        <p:nvSpPr>
+          <p:cNvPr id="6" name="TextBox 5">
+            <a:extLst>
+              <a:ext uri="{FF2B5EF4-FFF2-40B4-BE49-F238E27FC236}">
+                <a16:creationId xmlns:a16="http://schemas.microsoft.com/office/drawing/2014/main" id="{75177BA4-C9C4-EBE6-39F3-4E92E5D893FD}"/>
+              </a:ext>
+            </a:extLst>
+          </p:cNvPr>
+          <p:cNvSpPr txBox="1"/>
+          <p:nvPr/>
+        </p:nvSpPr>
+        <p:spPr>
+          <a:xfrm>
+            <a:off x="223024" y="5438849"/>
+            <a:ext cx="11565966" cy="646331"/>
+          </a:xfrm>
+          <a:prstGeom prst="rect">
+            <a:avLst/>
+          </a:prstGeom>
+          <a:solidFill>
+            <a:srgbClr val="FFFFFF"/>
+          </a:solidFill>
+        </p:spPr>
+        <p:txBody>
+          <a:bodyPr wrap="square">
+            <a:spAutoFit/>
+          </a:bodyPr>
+          <a:lstStyle/>
+          <a:p>
+            <a:r>
+              <a:rPr lang="en-US" dirty="0">
+                <a:effectLst/>
+              </a:rPr>
+              <a:t>― Open Source Guides. “Anatomy of an Open Source Project.” How to Contribute to Open Source, February 8, 2024. </a:t>
+            </a:r>
+            <a:r>
+              <a:rPr lang="en-US" dirty="0">
+                <a:effectLst/>
+                <a:hlinkClick r:id="rId2"/>
+              </a:rPr>
+              <a:t>https://opensource.guide/how-to-contribute/#anatomy-of-an-open-source-project</a:t>
+            </a:r>
+            <a:r>
+              <a:rPr lang="en-US" dirty="0">
+                <a:effectLst/>
+              </a:rPr>
+              <a:t>.</a:t>
+            </a:r>
+          </a:p>
+        </p:txBody>
+      </p:sp>
+      <p:pic>
+        <p:nvPicPr>
+          <p:cNvPr id="5" name="Picture 4">
+            <a:extLst>
+              <a:ext uri="{FF2B5EF4-FFF2-40B4-BE49-F238E27FC236}">
+                <a16:creationId xmlns:a16="http://schemas.microsoft.com/office/drawing/2014/main" id="{7598ABC0-32AC-6E05-F0EC-3923496BD1EC}"/>
+              </a:ext>
+            </a:extLst>
+          </p:cNvPr>
+          <p:cNvPicPr>
+            <a:picLocks noChangeAspect="1"/>
+          </p:cNvPicPr>
+          <p:nvPr/>
+        </p:nvPicPr>
+        <p:blipFill>
+          <a:blip r:embed="rId3"/>
+          <a:stretch>
+            <a:fillRect/>
+          </a:stretch>
+        </p:blipFill>
+        <p:spPr>
+          <a:xfrm>
+            <a:off x="2209800" y="1023489"/>
+            <a:ext cx="7772400" cy="4415360"/>
+          </a:xfrm>
+          <a:prstGeom prst="rect">
+            <a:avLst/>
+          </a:prstGeom>
+        </p:spPr>
+      </p:pic>
     </p:spTree>
     <p:extLst>
       <p:ext uri="{BB962C8B-B14F-4D97-AF65-F5344CB8AC3E}">
-        <p14:creationId xmlns:p14="http://schemas.microsoft.com/office/powerpoint/2010/main" val="2617601784"/>
+        <p14:creationId xmlns:p14="http://schemas.microsoft.com/office/powerpoint/2010/main" val="3254147686"/>
       </p:ext>
     </p:extLst>
   </p:cSld>
@@ -7077,10 +7106,10 @@
       </p:grpSpPr>
       <p:sp>
         <p:nvSpPr>
-          <p:cNvPr id="3" name="Slide Number Placeholder 2">
-            <a:extLst>
-              <a:ext uri="{FF2B5EF4-FFF2-40B4-BE49-F238E27FC236}">
-                <a16:creationId xmlns:a16="http://schemas.microsoft.com/office/drawing/2014/main" id="{D3374E00-6072-7643-B732-4E05FC28438C}"/>
+          <p:cNvPr id="2" name="Slide Number Placeholder 1">
+            <a:extLst>
+              <a:ext uri="{FF2B5EF4-FFF2-40B4-BE49-F238E27FC236}">
+                <a16:creationId xmlns:a16="http://schemas.microsoft.com/office/drawing/2014/main" id="{688D6E65-2372-8A08-74AF-36911C607B0D}"/>
               </a:ext>
             </a:extLst>
           </p:cNvPr>
@@ -7096,21 +7125,20 @@
           <a:bodyPr/>
           <a:lstStyle/>
           <a:p>
-            <a:fld id="{B700F21C-8F8F-42F3-B54E-DA825E538004}" type="slidenum">
-              <a:rPr lang="en-US" smtClean="0"/>
-              <a:pPr/>
-              <a:t>22</a:t>
-            </a:fld>
+            <a:r>
+              <a:rPr lang="en-US"/>
+              <a:t>collaborative programming with GitHub</a:t>
+            </a:r>
             <a:endParaRPr lang="en-US" dirty="0"/>
           </a:p>
         </p:txBody>
       </p:sp>
       <p:sp>
         <p:nvSpPr>
-          <p:cNvPr id="5" name="Title 4">
-            <a:extLst>
-              <a:ext uri="{FF2B5EF4-FFF2-40B4-BE49-F238E27FC236}">
-                <a16:creationId xmlns:a16="http://schemas.microsoft.com/office/drawing/2014/main" id="{11D36B5E-1392-AB4B-B3E9-4F810856B07B}"/>
+          <p:cNvPr id="3" name="Title 2">
+            <a:extLst>
+              <a:ext uri="{FF2B5EF4-FFF2-40B4-BE49-F238E27FC236}">
+                <a16:creationId xmlns:a16="http://schemas.microsoft.com/office/drawing/2014/main" id="{189F4314-334D-F875-27DF-257F1955721F}"/>
               </a:ext>
             </a:extLst>
           </p:cNvPr>
@@ -7128,17 +7156,17 @@
           <a:p>
             <a:r>
               <a:rPr lang="en-US" dirty="0"/>
-              <a:t>Official git documentation</a:t>
+              <a:t>example cascade of pull requests for related feature branches</a:t>
             </a:r>
           </a:p>
         </p:txBody>
       </p:sp>
       <p:pic>
         <p:nvPicPr>
-          <p:cNvPr id="6" name="Picture 5">
-            <a:extLst>
-              <a:ext uri="{FF2B5EF4-FFF2-40B4-BE49-F238E27FC236}">
-                <a16:creationId xmlns:a16="http://schemas.microsoft.com/office/drawing/2014/main" id="{70DEEC87-6FD2-AC16-40B0-38182EBC5D09}"/>
+          <p:cNvPr id="7" name="Picture 6" descr="A diagram of a flowchart&#10;&#10;Description automatically generated">
+            <a:extLst>
+              <a:ext uri="{FF2B5EF4-FFF2-40B4-BE49-F238E27FC236}">
+                <a16:creationId xmlns:a16="http://schemas.microsoft.com/office/drawing/2014/main" id="{B0075999-1DDF-BDE0-C906-B0243CA06F9F}"/>
               </a:ext>
             </a:extLst>
           </p:cNvPr>
@@ -7148,77 +7176,63 @@
           <p:nvPr/>
         </p:nvPicPr>
         <p:blipFill>
-          <a:blip r:embed="rId2"/>
+          <a:blip r:embed="rId2">
+            <a:extLst>
+              <a:ext uri="{28A0092B-C50C-407E-A947-70E740481C1C}">
+                <a14:useLocalDpi xmlns:a14="http://schemas.microsoft.com/office/drawing/2010/main" val="0"/>
+              </a:ext>
+            </a:extLst>
+          </a:blip>
           <a:stretch>
             <a:fillRect/>
           </a:stretch>
         </p:blipFill>
         <p:spPr>
           <a:xfrm>
-            <a:off x="5997790" y="1023489"/>
-            <a:ext cx="5791200" cy="3302000"/>
+            <a:off x="1908224" y="729738"/>
+            <a:ext cx="7772400" cy="5745818"/>
           </a:xfrm>
           <a:prstGeom prst="rect">
             <a:avLst/>
           </a:prstGeom>
         </p:spPr>
       </p:pic>
-      <p:sp>
-        <p:nvSpPr>
-          <p:cNvPr id="8" name="TextBox 7">
-            <a:extLst>
-              <a:ext uri="{FF2B5EF4-FFF2-40B4-BE49-F238E27FC236}">
-                <a16:creationId xmlns:a16="http://schemas.microsoft.com/office/drawing/2014/main" id="{4A45D5ED-0373-E1DB-81AE-E36D9441DD7B}"/>
-              </a:ext>
-            </a:extLst>
-          </p:cNvPr>
-          <p:cNvSpPr txBox="1"/>
-          <p:nvPr/>
-        </p:nvSpPr>
-        <p:spPr>
-          <a:xfrm>
-            <a:off x="6092284" y="4238314"/>
-            <a:ext cx="6099716" cy="369332"/>
-          </a:xfrm>
-          <a:prstGeom prst="rect">
-            <a:avLst/>
-          </a:prstGeom>
-          <a:noFill/>
-        </p:spPr>
-        <p:txBody>
-          <a:bodyPr wrap="square">
-            <a:spAutoFit/>
-          </a:bodyPr>
-          <a:lstStyle/>
-          <a:p>
-            <a:r>
-              <a:rPr lang="en-US" dirty="0">
-                <a:effectLst/>
-              </a:rPr>
-              <a:t>― git-tips. “Git-Tips.” 2024. </a:t>
-            </a:r>
-            <a:r>
-              <a:rPr lang="en-US" dirty="0">
-                <a:effectLst/>
-                <a:hlinkClick r:id="rId3"/>
-              </a:rPr>
-              <a:t>git.io/git-tips</a:t>
-            </a:r>
-            <a:r>
-              <a:rPr lang="en-US" dirty="0">
-                <a:effectLst/>
-              </a:rPr>
-              <a:t>.</a:t>
-            </a:r>
-          </a:p>
-        </p:txBody>
-      </p:sp>
+    </p:spTree>
+    <p:extLst>
+      <p:ext uri="{BB962C8B-B14F-4D97-AF65-F5344CB8AC3E}">
+        <p14:creationId xmlns:p14="http://schemas.microsoft.com/office/powerpoint/2010/main" val="3307918924"/>
+      </p:ext>
+    </p:extLst>
+  </p:cSld>
+  <p:clrMapOvr>
+    <a:masterClrMapping/>
+  </p:clrMapOvr>
+</p:sld>
+</file>
+
+<file path=ppt/slides/slide23.xml><?xml version="1.0" encoding="utf-8"?>
+<p:sld xmlns:a="http://schemas.openxmlformats.org/drawingml/2006/main" xmlns:r="http://schemas.openxmlformats.org/officeDocument/2006/relationships" xmlns:p="http://schemas.openxmlformats.org/presentationml/2006/main">
+  <p:cSld>
+    <p:spTree>
+      <p:nvGrpSpPr>
+        <p:cNvPr id="1" name=""/>
+        <p:cNvGrpSpPr/>
+        <p:nvPr/>
+      </p:nvGrpSpPr>
+      <p:grpSpPr>
+        <a:xfrm>
+          <a:off x="0" y="0"/>
+          <a:ext cx="0" cy="0"/>
+          <a:chOff x="0" y="0"/>
+          <a:chExt cx="0" cy="0"/>
+        </a:xfrm>
+      </p:grpSpPr>
       <p:pic>
         <p:nvPicPr>
-          <p:cNvPr id="1026" name="Picture 2">
-            <a:extLst>
-              <a:ext uri="{FF2B5EF4-FFF2-40B4-BE49-F238E27FC236}">
-                <a16:creationId xmlns:a16="http://schemas.microsoft.com/office/drawing/2014/main" id="{D359073F-15A6-7428-1A45-E40CFC42F1E9}"/>
+          <p:cNvPr id="3074" name="Picture 2" descr="Dr.Octocat">
+            <a:extLst>
+              <a:ext uri="{FF2B5EF4-FFF2-40B4-BE49-F238E27FC236}">
+                <a16:creationId xmlns:a16="http://schemas.microsoft.com/office/drawing/2014/main" id="{FACD0D86-1CCA-944B-3DD2-1C85B3F0F102}"/>
               </a:ext>
             </a:extLst>
           </p:cNvPr>
@@ -7228,7 +7242,7 @@
           <p:nvPr/>
         </p:nvPicPr>
         <p:blipFill>
-          <a:blip r:embed="rId4">
+          <a:blip r:embed="rId2">
             <a:extLst>
               <a:ext uri="{28A0092B-C50C-407E-A947-70E740481C1C}">
                 <a14:useLocalDpi xmlns:a14="http://schemas.microsoft.com/office/drawing/2010/main" val="0"/>
@@ -7242,8 +7256,8 @@
         </p:blipFill>
         <p:spPr bwMode="auto">
           <a:xfrm>
-            <a:off x="2090439" y="3567309"/>
-            <a:ext cx="2060746" cy="2741840"/>
+            <a:off x="2124223" y="2201594"/>
+            <a:ext cx="4656406" cy="4656406"/>
           </a:xfrm>
           <a:prstGeom prst="rect">
             <a:avLst/>
@@ -7260,6 +7274,1372 @@
           </a:extLst>
         </p:spPr>
       </p:pic>
+      <p:sp>
+        <p:nvSpPr>
+          <p:cNvPr id="2" name="Content Placeholder 1">
+            <a:extLst>
+              <a:ext uri="{FF2B5EF4-FFF2-40B4-BE49-F238E27FC236}">
+                <a16:creationId xmlns:a16="http://schemas.microsoft.com/office/drawing/2014/main" id="{E9F87B1F-F817-5F77-59EC-9328516B0081}"/>
+              </a:ext>
+            </a:extLst>
+          </p:cNvPr>
+          <p:cNvSpPr>
+            <a:spLocks noGrp="1"/>
+          </p:cNvSpPr>
+          <p:nvPr>
+            <p:ph sz="half" idx="1"/>
+          </p:nvPr>
+        </p:nvSpPr>
+        <p:spPr/>
+        <p:txBody>
+          <a:bodyPr>
+            <a:normAutofit/>
+          </a:bodyPr>
+          <a:lstStyle/>
+          <a:p>
+            <a:r>
+              <a:rPr lang="en-US" sz="4800" dirty="0"/>
+              <a:t>Why?</a:t>
+            </a:r>
+          </a:p>
+          <a:p>
+            <a:r>
+              <a:rPr lang="en-US" sz="4800" dirty="0"/>
+              <a:t>What?</a:t>
+            </a:r>
+          </a:p>
+          <a:p>
+            <a:r>
+              <a:rPr lang="en-US" sz="4800" dirty="0"/>
+              <a:t>How?</a:t>
+            </a:r>
+          </a:p>
+        </p:txBody>
+      </p:sp>
+      <p:sp>
+        <p:nvSpPr>
+          <p:cNvPr id="3" name="Content Placeholder 2">
+            <a:extLst>
+              <a:ext uri="{FF2B5EF4-FFF2-40B4-BE49-F238E27FC236}">
+                <a16:creationId xmlns:a16="http://schemas.microsoft.com/office/drawing/2014/main" id="{E46824D6-3855-1D30-A880-E24C7331B2D4}"/>
+              </a:ext>
+            </a:extLst>
+          </p:cNvPr>
+          <p:cNvSpPr>
+            <a:spLocks noGrp="1"/>
+          </p:cNvSpPr>
+          <p:nvPr>
+            <p:ph sz="half" idx="2"/>
+          </p:nvPr>
+        </p:nvSpPr>
+        <p:spPr/>
+        <p:txBody>
+          <a:bodyPr>
+            <a:normAutofit/>
+          </a:bodyPr>
+          <a:lstStyle/>
+          <a:p>
+            <a:r>
+              <a:rPr lang="en-US" sz="4800" b="1" dirty="0">
+                <a:solidFill>
+                  <a:schemeClr val="tx1"/>
+                </a:solidFill>
+              </a:rPr>
+              <a:t>Danger?</a:t>
+            </a:r>
+          </a:p>
+          <a:p>
+            <a:r>
+              <a:rPr lang="en-US" sz="4800" dirty="0"/>
+              <a:t>Help?</a:t>
+            </a:r>
+          </a:p>
+        </p:txBody>
+      </p:sp>
+      <p:sp>
+        <p:nvSpPr>
+          <p:cNvPr id="4" name="Slide Number Placeholder 3">
+            <a:extLst>
+              <a:ext uri="{FF2B5EF4-FFF2-40B4-BE49-F238E27FC236}">
+                <a16:creationId xmlns:a16="http://schemas.microsoft.com/office/drawing/2014/main" id="{88883128-AF4E-6E39-C42D-EA60C6C1F760}"/>
+              </a:ext>
+            </a:extLst>
+          </p:cNvPr>
+          <p:cNvSpPr>
+            <a:spLocks noGrp="1"/>
+          </p:cNvSpPr>
+          <p:nvPr>
+            <p:ph type="sldNum" sz="quarter" idx="12"/>
+          </p:nvPr>
+        </p:nvSpPr>
+        <p:spPr/>
+        <p:txBody>
+          <a:bodyPr/>
+          <a:lstStyle/>
+          <a:p>
+            <a:r>
+              <a:rPr lang="en-US" dirty="0"/>
+              <a:t>collaborative programming with GitHub</a:t>
+            </a:r>
+          </a:p>
+        </p:txBody>
+      </p:sp>
+      <p:sp>
+        <p:nvSpPr>
+          <p:cNvPr id="5" name="Title 4">
+            <a:extLst>
+              <a:ext uri="{FF2B5EF4-FFF2-40B4-BE49-F238E27FC236}">
+                <a16:creationId xmlns:a16="http://schemas.microsoft.com/office/drawing/2014/main" id="{74EEF3ED-A695-E1AF-E0CF-280C0D2E680C}"/>
+              </a:ext>
+            </a:extLst>
+          </p:cNvPr>
+          <p:cNvSpPr>
+            <a:spLocks noGrp="1"/>
+          </p:cNvSpPr>
+          <p:nvPr>
+            <p:ph type="title"/>
+          </p:nvPr>
+        </p:nvSpPr>
+        <p:spPr/>
+        <p:txBody>
+          <a:bodyPr/>
+          <a:lstStyle/>
+          <a:p>
+            <a:r>
+              <a:rPr lang="en-US" dirty="0"/>
+              <a:t>Collaborative programming with GitHub</a:t>
+            </a:r>
+          </a:p>
+        </p:txBody>
+      </p:sp>
+    </p:spTree>
+    <p:extLst>
+      <p:ext uri="{BB962C8B-B14F-4D97-AF65-F5344CB8AC3E}">
+        <p14:creationId xmlns:p14="http://schemas.microsoft.com/office/powerpoint/2010/main" val="4171639916"/>
+      </p:ext>
+    </p:extLst>
+  </p:cSld>
+  <p:clrMapOvr>
+    <a:masterClrMapping/>
+  </p:clrMapOvr>
+</p:sld>
+</file>
+
+<file path=ppt/slides/slide24.xml><?xml version="1.0" encoding="utf-8"?>
+<p:sld xmlns:a="http://schemas.openxmlformats.org/drawingml/2006/main" xmlns:r="http://schemas.openxmlformats.org/officeDocument/2006/relationships" xmlns:p="http://schemas.openxmlformats.org/presentationml/2006/main">
+  <p:cSld>
+    <p:spTree>
+      <p:nvGrpSpPr>
+        <p:cNvPr id="1" name=""/>
+        <p:cNvGrpSpPr/>
+        <p:nvPr/>
+      </p:nvGrpSpPr>
+      <p:grpSpPr>
+        <a:xfrm>
+          <a:off x="0" y="0"/>
+          <a:ext cx="0" cy="0"/>
+          <a:chOff x="0" y="0"/>
+          <a:chExt cx="0" cy="0"/>
+        </a:xfrm>
+      </p:grpSpPr>
+      <p:sp>
+        <p:nvSpPr>
+          <p:cNvPr id="2" name="Slide Number Placeholder 1">
+            <a:extLst>
+              <a:ext uri="{FF2B5EF4-FFF2-40B4-BE49-F238E27FC236}">
+                <a16:creationId xmlns:a16="http://schemas.microsoft.com/office/drawing/2014/main" id="{9B4755AF-1FFC-49A1-E216-165053D28CDE}"/>
+              </a:ext>
+            </a:extLst>
+          </p:cNvPr>
+          <p:cNvSpPr>
+            <a:spLocks noGrp="1"/>
+          </p:cNvSpPr>
+          <p:nvPr>
+            <p:ph type="sldNum" sz="quarter" idx="12"/>
+          </p:nvPr>
+        </p:nvSpPr>
+        <p:spPr>
+          <a:xfrm>
+            <a:off x="8836156" y="6475556"/>
+            <a:ext cx="2937933" cy="277617"/>
+          </a:xfrm>
+        </p:spPr>
+        <p:txBody>
+          <a:bodyPr/>
+          <a:lstStyle/>
+          <a:p>
+            <a:r>
+              <a:rPr lang="en-US" dirty="0"/>
+              <a:t>collaborative programming with GitHub</a:t>
+            </a:r>
+          </a:p>
+        </p:txBody>
+      </p:sp>
+      <p:sp>
+        <p:nvSpPr>
+          <p:cNvPr id="3" name="Content Placeholder 2">
+            <a:extLst>
+              <a:ext uri="{FF2B5EF4-FFF2-40B4-BE49-F238E27FC236}">
+                <a16:creationId xmlns:a16="http://schemas.microsoft.com/office/drawing/2014/main" id="{41E5BB61-6459-632F-D900-E6D340814352}"/>
+              </a:ext>
+            </a:extLst>
+          </p:cNvPr>
+          <p:cNvSpPr>
+            <a:spLocks noGrp="1"/>
+          </p:cNvSpPr>
+          <p:nvPr>
+            <p:ph idx="13"/>
+          </p:nvPr>
+        </p:nvSpPr>
+        <p:spPr>
+          <a:xfrm>
+            <a:off x="403011" y="1023490"/>
+            <a:ext cx="11385981" cy="4233360"/>
+          </a:xfrm>
+        </p:spPr>
+        <p:txBody>
+          <a:bodyPr/>
+          <a:lstStyle/>
+          <a:p>
+            <a:r>
+              <a:rPr lang="en-US" dirty="0"/>
+              <a:t>As long as what was working was committed,</a:t>
+            </a:r>
+          </a:p>
+          <a:p>
+            <a:endParaRPr lang="en-US" dirty="0"/>
+          </a:p>
+          <a:p>
+            <a:endParaRPr lang="en-US" dirty="0"/>
+          </a:p>
+          <a:p>
+            <a:endParaRPr lang="en-US" dirty="0"/>
+          </a:p>
+          <a:p>
+            <a:pPr marL="0" indent="0">
+              <a:buNone/>
+            </a:pPr>
+            <a:endParaRPr lang="en-US" dirty="0"/>
+          </a:p>
+          <a:p>
+            <a:pPr marL="0" indent="0">
+              <a:buNone/>
+            </a:pPr>
+            <a:endParaRPr lang="en-US" dirty="0"/>
+          </a:p>
+          <a:p>
+            <a:r>
+              <a:rPr lang="en-US" dirty="0"/>
+              <a:t>Git makes permanent irreversible changes hard to do by design.</a:t>
+            </a:r>
+          </a:p>
+          <a:p>
+            <a:r>
+              <a:rPr lang="en-US" dirty="0"/>
+              <a:t>GitHub has features like ”branch protection rules” to add further friction to publishing unintentional changes.</a:t>
+            </a:r>
+          </a:p>
+        </p:txBody>
+      </p:sp>
+      <p:sp>
+        <p:nvSpPr>
+          <p:cNvPr id="4" name="Title 3">
+            <a:extLst>
+              <a:ext uri="{FF2B5EF4-FFF2-40B4-BE49-F238E27FC236}">
+                <a16:creationId xmlns:a16="http://schemas.microsoft.com/office/drawing/2014/main" id="{B4137628-43D1-5317-EB54-ACBC2EB40B6D}"/>
+              </a:ext>
+            </a:extLst>
+          </p:cNvPr>
+          <p:cNvSpPr>
+            <a:spLocks noGrp="1"/>
+          </p:cNvSpPr>
+          <p:nvPr>
+            <p:ph type="title"/>
+          </p:nvPr>
+        </p:nvSpPr>
+        <p:spPr/>
+        <p:txBody>
+          <a:bodyPr/>
+          <a:lstStyle/>
+          <a:p>
+            <a:r>
+              <a:rPr lang="en-US" dirty="0"/>
+              <a:t>What if I mess something up?</a:t>
+            </a:r>
+          </a:p>
+        </p:txBody>
+      </p:sp>
+      <p:pic>
+        <p:nvPicPr>
+          <p:cNvPr id="4100" name="Picture 4">
+            <a:extLst>
+              <a:ext uri="{FF2B5EF4-FFF2-40B4-BE49-F238E27FC236}">
+                <a16:creationId xmlns:a16="http://schemas.microsoft.com/office/drawing/2014/main" id="{32717F20-7B6F-0761-A2F4-6DA15D8E70FA}"/>
+              </a:ext>
+            </a:extLst>
+          </p:cNvPr>
+          <p:cNvPicPr>
+            <a:picLocks noChangeAspect="1" noChangeArrowheads="1"/>
+          </p:cNvPicPr>
+          <p:nvPr/>
+        </p:nvPicPr>
+        <p:blipFill rotWithShape="1">
+          <a:blip r:embed="rId2">
+            <a:extLst>
+              <a:ext uri="{28A0092B-C50C-407E-A947-70E740481C1C}">
+                <a14:useLocalDpi xmlns:a14="http://schemas.microsoft.com/office/drawing/2010/main" val="0"/>
+              </a:ext>
+            </a:extLst>
+          </a:blip>
+          <a:srcRect t="7496" b="60549"/>
+          <a:stretch/>
+        </p:blipFill>
+        <p:spPr bwMode="auto">
+          <a:xfrm>
+            <a:off x="4888985" y="1023489"/>
+            <a:ext cx="3822700" cy="1927655"/>
+          </a:xfrm>
+          <a:prstGeom prst="rect">
+            <a:avLst/>
+          </a:prstGeom>
+          <a:noFill/>
+          <a:extLst>
+            <a:ext uri="{909E8E84-426E-40DD-AFC4-6F175D3DCCD1}">
+              <a14:hiddenFill xmlns:a14="http://schemas.microsoft.com/office/drawing/2010/main">
+                <a:solidFill>
+                  <a:srgbClr val="FFFFFF"/>
+                </a:solidFill>
+              </a14:hiddenFill>
+            </a:ext>
+          </a:extLst>
+        </p:spPr>
+      </p:pic>
+    </p:spTree>
+    <p:extLst>
+      <p:ext uri="{BB962C8B-B14F-4D97-AF65-F5344CB8AC3E}">
+        <p14:creationId xmlns:p14="http://schemas.microsoft.com/office/powerpoint/2010/main" val="2629517454"/>
+      </p:ext>
+    </p:extLst>
+  </p:cSld>
+  <p:clrMapOvr>
+    <a:masterClrMapping/>
+  </p:clrMapOvr>
+</p:sld>
+</file>
+
+<file path=ppt/slides/slide25.xml><?xml version="1.0" encoding="utf-8"?>
+<p:sld xmlns:a="http://schemas.openxmlformats.org/drawingml/2006/main" xmlns:r="http://schemas.openxmlformats.org/officeDocument/2006/relationships" xmlns:p="http://schemas.openxmlformats.org/presentationml/2006/main">
+  <p:cSld>
+    <p:spTree>
+      <p:nvGrpSpPr>
+        <p:cNvPr id="1" name=""/>
+        <p:cNvGrpSpPr/>
+        <p:nvPr/>
+      </p:nvGrpSpPr>
+      <p:grpSpPr>
+        <a:xfrm>
+          <a:off x="0" y="0"/>
+          <a:ext cx="0" cy="0"/>
+          <a:chOff x="0" y="0"/>
+          <a:chExt cx="0" cy="0"/>
+        </a:xfrm>
+      </p:grpSpPr>
+      <p:sp>
+        <p:nvSpPr>
+          <p:cNvPr id="2" name="Slide Number Placeholder 1">
+            <a:extLst>
+              <a:ext uri="{FF2B5EF4-FFF2-40B4-BE49-F238E27FC236}">
+                <a16:creationId xmlns:a16="http://schemas.microsoft.com/office/drawing/2014/main" id="{8ED06E7A-0085-6EA3-C078-6BBD9E29D3EF}"/>
+              </a:ext>
+            </a:extLst>
+          </p:cNvPr>
+          <p:cNvSpPr>
+            <a:spLocks noGrp="1"/>
+          </p:cNvSpPr>
+          <p:nvPr>
+            <p:ph type="sldNum" sz="quarter" idx="12"/>
+          </p:nvPr>
+        </p:nvSpPr>
+        <p:spPr/>
+        <p:txBody>
+          <a:bodyPr/>
+          <a:lstStyle/>
+          <a:p>
+            <a:r>
+              <a:rPr lang="en-US"/>
+              <a:t>collaborative programming with GitHub</a:t>
+            </a:r>
+            <a:endParaRPr lang="en-US" dirty="0"/>
+          </a:p>
+        </p:txBody>
+      </p:sp>
+      <p:sp>
+        <p:nvSpPr>
+          <p:cNvPr id="3" name="Title 2">
+            <a:extLst>
+              <a:ext uri="{FF2B5EF4-FFF2-40B4-BE49-F238E27FC236}">
+                <a16:creationId xmlns:a16="http://schemas.microsoft.com/office/drawing/2014/main" id="{F568E85C-396F-ED1B-FBAC-220630CF7AD5}"/>
+              </a:ext>
+            </a:extLst>
+          </p:cNvPr>
+          <p:cNvSpPr>
+            <a:spLocks noGrp="1"/>
+          </p:cNvSpPr>
+          <p:nvPr>
+            <p:ph type="title"/>
+          </p:nvPr>
+        </p:nvSpPr>
+        <p:spPr/>
+        <p:txBody>
+          <a:bodyPr/>
+          <a:lstStyle/>
+          <a:p>
+            <a:r>
+              <a:rPr lang="en-US" dirty="0"/>
+              <a:t>What if I </a:t>
+            </a:r>
+            <a:r>
+              <a:rPr lang="en-US" i="1" dirty="0"/>
+              <a:t>need</a:t>
+            </a:r>
+            <a:r>
+              <a:rPr lang="en-US" dirty="0"/>
+              <a:t> </a:t>
+            </a:r>
+            <a:r>
+              <a:rPr lang="en-US" i="1" dirty="0"/>
+              <a:t>to</a:t>
+            </a:r>
+            <a:r>
+              <a:rPr lang="en-US" dirty="0"/>
+              <a:t> permanently delete a mistake?</a:t>
+            </a:r>
+            <a:endParaRPr lang="en-US" i="1" dirty="0"/>
+          </a:p>
+        </p:txBody>
+      </p:sp>
+      <p:pic>
+        <p:nvPicPr>
+          <p:cNvPr id="4" name="Picture 3">
+            <a:extLst>
+              <a:ext uri="{FF2B5EF4-FFF2-40B4-BE49-F238E27FC236}">
+                <a16:creationId xmlns:a16="http://schemas.microsoft.com/office/drawing/2014/main" id="{8FD9E00C-7348-6073-DFE4-CD2173FB3A8D}"/>
+              </a:ext>
+            </a:extLst>
+          </p:cNvPr>
+          <p:cNvPicPr>
+            <a:picLocks noChangeAspect="1"/>
+          </p:cNvPicPr>
+          <p:nvPr/>
+        </p:nvPicPr>
+        <p:blipFill>
+          <a:blip r:embed="rId2"/>
+          <a:stretch>
+            <a:fillRect/>
+          </a:stretch>
+        </p:blipFill>
+        <p:spPr>
+          <a:xfrm>
+            <a:off x="3702050" y="1023489"/>
+            <a:ext cx="4787900" cy="1333500"/>
+          </a:xfrm>
+          <a:prstGeom prst="rect">
+            <a:avLst/>
+          </a:prstGeom>
+        </p:spPr>
+      </p:pic>
+      <p:sp>
+        <p:nvSpPr>
+          <p:cNvPr id="6" name="TextBox 5">
+            <a:extLst>
+              <a:ext uri="{FF2B5EF4-FFF2-40B4-BE49-F238E27FC236}">
+                <a16:creationId xmlns:a16="http://schemas.microsoft.com/office/drawing/2014/main" id="{26A48CCF-A57E-2299-4466-C4C98CB3815B}"/>
+              </a:ext>
+            </a:extLst>
+          </p:cNvPr>
+          <p:cNvSpPr txBox="1"/>
+          <p:nvPr/>
+        </p:nvSpPr>
+        <p:spPr>
+          <a:xfrm>
+            <a:off x="3702050" y="2356989"/>
+            <a:ext cx="6098344" cy="1477328"/>
+          </a:xfrm>
+          <a:prstGeom prst="rect">
+            <a:avLst/>
+          </a:prstGeom>
+          <a:noFill/>
+        </p:spPr>
+        <p:txBody>
+          <a:bodyPr wrap="square">
+            <a:spAutoFit/>
+          </a:bodyPr>
+          <a:lstStyle/>
+          <a:p>
+            <a:r>
+              <a:rPr lang="en-US" dirty="0">
+                <a:effectLst/>
+              </a:rPr>
+              <a:t>― GitHub, Inc. “Removing Sensitive Data from a Repository.” GitHub Docs. </a:t>
+            </a:r>
+            <a:r>
+              <a:rPr lang="en-US" dirty="0">
+                <a:effectLst/>
+                <a:hlinkClick r:id="rId3"/>
+              </a:rPr>
+              <a:t>https://docs.github.com/en/authentication/keeping-your-account-and-data-secure/removing-sensitive-data-from-a-repository</a:t>
+            </a:r>
+            <a:r>
+              <a:rPr lang="en-US" dirty="0">
+                <a:effectLst/>
+              </a:rPr>
+              <a:t>.</a:t>
+            </a:r>
+          </a:p>
+        </p:txBody>
+      </p:sp>
+    </p:spTree>
+    <p:extLst>
+      <p:ext uri="{BB962C8B-B14F-4D97-AF65-F5344CB8AC3E}">
+        <p14:creationId xmlns:p14="http://schemas.microsoft.com/office/powerpoint/2010/main" val="284976941"/>
+      </p:ext>
+    </p:extLst>
+  </p:cSld>
+  <p:clrMapOvr>
+    <a:masterClrMapping/>
+  </p:clrMapOvr>
+</p:sld>
+</file>
+
+<file path=ppt/slides/slide26.xml><?xml version="1.0" encoding="utf-8"?>
+<p:sld xmlns:a="http://schemas.openxmlformats.org/drawingml/2006/main" xmlns:r="http://schemas.openxmlformats.org/officeDocument/2006/relationships" xmlns:p="http://schemas.openxmlformats.org/presentationml/2006/main">
+  <p:cSld>
+    <p:spTree>
+      <p:nvGrpSpPr>
+        <p:cNvPr id="1" name=""/>
+        <p:cNvGrpSpPr/>
+        <p:nvPr/>
+      </p:nvGrpSpPr>
+      <p:grpSpPr>
+        <a:xfrm>
+          <a:off x="0" y="0"/>
+          <a:ext cx="0" cy="0"/>
+          <a:chOff x="0" y="0"/>
+          <a:chExt cx="0" cy="0"/>
+        </a:xfrm>
+      </p:grpSpPr>
+      <p:pic>
+        <p:nvPicPr>
+          <p:cNvPr id="8194" name="Picture 2" descr="Commit graph">
+            <a:extLst>
+              <a:ext uri="{FF2B5EF4-FFF2-40B4-BE49-F238E27FC236}">
+                <a16:creationId xmlns:a16="http://schemas.microsoft.com/office/drawing/2014/main" id="{F2559B87-D600-4575-BB88-66391CDB8E01}"/>
+              </a:ext>
+            </a:extLst>
+          </p:cNvPr>
+          <p:cNvPicPr>
+            <a:picLocks noChangeAspect="1" noChangeArrowheads="1"/>
+          </p:cNvPicPr>
+          <p:nvPr/>
+        </p:nvPicPr>
+        <p:blipFill>
+          <a:blip r:embed="rId2">
+            <a:extLst>
+              <a:ext uri="{28A0092B-C50C-407E-A947-70E740481C1C}">
+                <a14:useLocalDpi xmlns:a14="http://schemas.microsoft.com/office/drawing/2010/main" val="0"/>
+              </a:ext>
+            </a:extLst>
+          </a:blip>
+          <a:srcRect/>
+          <a:stretch>
+            <a:fillRect/>
+          </a:stretch>
+        </p:blipFill>
+        <p:spPr bwMode="auto">
+          <a:xfrm>
+            <a:off x="1016000" y="449581"/>
+            <a:ext cx="10160000" cy="3822700"/>
+          </a:xfrm>
+          <a:prstGeom prst="rect">
+            <a:avLst/>
+          </a:prstGeom>
+          <a:noFill/>
+          <a:extLst>
+            <a:ext uri="{909E8E84-426E-40DD-AFC4-6F175D3DCCD1}">
+              <a14:hiddenFill xmlns:a14="http://schemas.microsoft.com/office/drawing/2010/main">
+                <a:solidFill>
+                  <a:srgbClr val="FFFFFF"/>
+                </a:solidFill>
+              </a14:hiddenFill>
+            </a:ext>
+          </a:extLst>
+        </p:spPr>
+      </p:pic>
+      <p:sp>
+        <p:nvSpPr>
+          <p:cNvPr id="2" name="Slide Number Placeholder 1">
+            <a:extLst>
+              <a:ext uri="{FF2B5EF4-FFF2-40B4-BE49-F238E27FC236}">
+                <a16:creationId xmlns:a16="http://schemas.microsoft.com/office/drawing/2014/main" id="{F7929D6A-D74D-C03D-AC4D-33C6B5EFCD76}"/>
+              </a:ext>
+            </a:extLst>
+          </p:cNvPr>
+          <p:cNvSpPr>
+            <a:spLocks noGrp="1"/>
+          </p:cNvSpPr>
+          <p:nvPr>
+            <p:ph type="sldNum" sz="quarter" idx="12"/>
+          </p:nvPr>
+        </p:nvSpPr>
+        <p:spPr/>
+        <p:txBody>
+          <a:bodyPr/>
+          <a:lstStyle/>
+          <a:p>
+            <a:r>
+              <a:rPr lang="en-US"/>
+              <a:t>collaborative programming with GitHub</a:t>
+            </a:r>
+            <a:endParaRPr lang="en-US" dirty="0"/>
+          </a:p>
+        </p:txBody>
+      </p:sp>
+      <p:sp>
+        <p:nvSpPr>
+          <p:cNvPr id="3" name="Title 2">
+            <a:extLst>
+              <a:ext uri="{FF2B5EF4-FFF2-40B4-BE49-F238E27FC236}">
+                <a16:creationId xmlns:a16="http://schemas.microsoft.com/office/drawing/2014/main" id="{2B15C79D-AACE-19AE-2C5D-D79DD5AE24C9}"/>
+              </a:ext>
+            </a:extLst>
+          </p:cNvPr>
+          <p:cNvSpPr>
+            <a:spLocks noGrp="1"/>
+          </p:cNvSpPr>
+          <p:nvPr>
+            <p:ph type="title"/>
+          </p:nvPr>
+        </p:nvSpPr>
+        <p:spPr/>
+        <p:txBody>
+          <a:bodyPr/>
+          <a:lstStyle/>
+          <a:p>
+            <a:r>
+              <a:rPr lang="en-US" dirty="0"/>
+              <a:t>SHAs (grey) and branches (yellow) and tags (blue) …</a:t>
+            </a:r>
+          </a:p>
+        </p:txBody>
+      </p:sp>
+      <p:sp>
+        <p:nvSpPr>
+          <p:cNvPr id="5" name="TextBox 4">
+            <a:extLst>
+              <a:ext uri="{FF2B5EF4-FFF2-40B4-BE49-F238E27FC236}">
+                <a16:creationId xmlns:a16="http://schemas.microsoft.com/office/drawing/2014/main" id="{63A2D820-3E09-187D-56FD-F138AB2C4E33}"/>
+              </a:ext>
+            </a:extLst>
+          </p:cNvPr>
+          <p:cNvSpPr txBox="1"/>
+          <p:nvPr/>
+        </p:nvSpPr>
+        <p:spPr>
+          <a:xfrm>
+            <a:off x="1016000" y="3917653"/>
+            <a:ext cx="10160000" cy="1200329"/>
+          </a:xfrm>
+          <a:prstGeom prst="rect">
+            <a:avLst/>
+          </a:prstGeom>
+          <a:noFill/>
+        </p:spPr>
+        <p:txBody>
+          <a:bodyPr wrap="square">
+            <a:spAutoFit/>
+          </a:bodyPr>
+          <a:lstStyle/>
+          <a:p>
+            <a:r>
+              <a:rPr lang="en-US" dirty="0">
+                <a:effectLst/>
+              </a:rPr>
+              <a:t>― Git Tools. “Branching Strategies.” In </a:t>
+            </a:r>
+            <a:r>
+              <a:rPr lang="en-US" i="1" dirty="0" err="1">
+                <a:effectLst/>
+              </a:rPr>
+              <a:t>GitVersion</a:t>
+            </a:r>
+            <a:r>
+              <a:rPr lang="en-US" i="1" dirty="0">
+                <a:effectLst/>
+              </a:rPr>
+              <a:t> Documentation: Learn</a:t>
+            </a:r>
+            <a:r>
+              <a:rPr lang="en-US" dirty="0">
+                <a:effectLst/>
+              </a:rPr>
+              <a:t>, 2022. </a:t>
+            </a:r>
+            <a:r>
+              <a:rPr lang="en-US" dirty="0">
+                <a:effectLst/>
+                <a:hlinkClick r:id="rId3"/>
+              </a:rPr>
+              <a:t>https://gitversion.net/docs/learn/branching-strategies/</a:t>
+            </a:r>
+            <a:r>
+              <a:rPr lang="en-US" dirty="0">
+                <a:effectLst/>
+              </a:rPr>
+              <a:t>.</a:t>
+            </a:r>
+          </a:p>
+          <a:p>
+            <a:endParaRPr lang="en-US" dirty="0"/>
+          </a:p>
+          <a:p>
+            <a:r>
+              <a:rPr lang="en-US" dirty="0">
+                <a:effectLst/>
+              </a:rPr>
+              <a:t>Note: the arrows here and in the Git Pro book point to sources, reverse-chronologically.</a:t>
+            </a:r>
+          </a:p>
+        </p:txBody>
+      </p:sp>
+    </p:spTree>
+    <p:extLst>
+      <p:ext uri="{BB962C8B-B14F-4D97-AF65-F5344CB8AC3E}">
+        <p14:creationId xmlns:p14="http://schemas.microsoft.com/office/powerpoint/2010/main" val="122191016"/>
+      </p:ext>
+    </p:extLst>
+  </p:cSld>
+  <p:clrMapOvr>
+    <a:masterClrMapping/>
+  </p:clrMapOvr>
+</p:sld>
+</file>
+
+<file path=ppt/slides/slide27.xml><?xml version="1.0" encoding="utf-8"?>
+<p:sld xmlns:a="http://schemas.openxmlformats.org/drawingml/2006/main" xmlns:r="http://schemas.openxmlformats.org/officeDocument/2006/relationships" xmlns:p="http://schemas.openxmlformats.org/presentationml/2006/main">
+  <p:cSld>
+    <p:spTree>
+      <p:nvGrpSpPr>
+        <p:cNvPr id="1" name=""/>
+        <p:cNvGrpSpPr/>
+        <p:nvPr/>
+      </p:nvGrpSpPr>
+      <p:grpSpPr>
+        <a:xfrm>
+          <a:off x="0" y="0"/>
+          <a:ext cx="0" cy="0"/>
+          <a:chOff x="0" y="0"/>
+          <a:chExt cx="0" cy="0"/>
+        </a:xfrm>
+      </p:grpSpPr>
+      <p:sp>
+        <p:nvSpPr>
+          <p:cNvPr id="2" name="Slide Number Placeholder 1">
+            <a:extLst>
+              <a:ext uri="{FF2B5EF4-FFF2-40B4-BE49-F238E27FC236}">
+                <a16:creationId xmlns:a16="http://schemas.microsoft.com/office/drawing/2014/main" id="{07F92D95-3E9B-9E1D-EEC4-675E7A1E9A9E}"/>
+              </a:ext>
+            </a:extLst>
+          </p:cNvPr>
+          <p:cNvSpPr>
+            <a:spLocks noGrp="1"/>
+          </p:cNvSpPr>
+          <p:nvPr>
+            <p:ph type="sldNum" sz="quarter" idx="12"/>
+          </p:nvPr>
+        </p:nvSpPr>
+        <p:spPr>
+          <a:xfrm>
+            <a:off x="8836156" y="6475556"/>
+            <a:ext cx="2937933" cy="277617"/>
+          </a:xfrm>
+        </p:spPr>
+        <p:txBody>
+          <a:bodyPr/>
+          <a:lstStyle/>
+          <a:p>
+            <a:r>
+              <a:rPr lang="en-US" dirty="0"/>
+              <a:t>collaborative programming with GitHub</a:t>
+            </a:r>
+          </a:p>
+        </p:txBody>
+      </p:sp>
+      <p:sp>
+        <p:nvSpPr>
+          <p:cNvPr id="4" name="Content Placeholder 3">
+            <a:extLst>
+              <a:ext uri="{FF2B5EF4-FFF2-40B4-BE49-F238E27FC236}">
+                <a16:creationId xmlns:a16="http://schemas.microsoft.com/office/drawing/2014/main" id="{A7A0B5D8-3A0F-8B39-83CD-C5E2D8154478}"/>
+              </a:ext>
+            </a:extLst>
+          </p:cNvPr>
+          <p:cNvSpPr>
+            <a:spLocks noGrp="1"/>
+          </p:cNvSpPr>
+          <p:nvPr>
+            <p:ph idx="13"/>
+          </p:nvPr>
+        </p:nvSpPr>
+        <p:spPr/>
+        <p:txBody>
+          <a:bodyPr/>
+          <a:lstStyle/>
+          <a:p>
+            <a:r>
+              <a:rPr lang="en-US" dirty="0"/>
+              <a:t>Merge conflict resolutions are absolutely necessary.</a:t>
+            </a:r>
+          </a:p>
+          <a:p>
+            <a:r>
+              <a:rPr lang="en-US" dirty="0"/>
+              <a:t>Conflicts arise when parallel changes are made to the same code and git can’t tell how those changes should interact or affect each other.</a:t>
+            </a:r>
+          </a:p>
+          <a:p>
+            <a:r>
+              <a:rPr lang="en-US" dirty="0"/>
+              <a:t>Find a tool that works for you.</a:t>
+            </a:r>
+          </a:p>
+          <a:p>
+            <a:r>
+              <a:rPr lang="en-US" dirty="0"/>
+              <a:t>I adore Meld (</a:t>
+            </a:r>
+            <a:r>
+              <a:rPr lang="en-US" dirty="0">
+                <a:hlinkClick r:id="rId2"/>
+              </a:rPr>
+              <a:t>https://</a:t>
+            </a:r>
+            <a:r>
+              <a:rPr lang="en-US" dirty="0" err="1">
+                <a:hlinkClick r:id="rId2"/>
+              </a:rPr>
+              <a:t>meldmerge.org</a:t>
+            </a:r>
+            <a:r>
+              <a:rPr lang="en-US" dirty="0"/>
+              <a:t>)</a:t>
+            </a:r>
+          </a:p>
+          <a:p>
+            <a:endParaRPr lang="en-US" dirty="0"/>
+          </a:p>
+        </p:txBody>
+      </p:sp>
+      <p:sp>
+        <p:nvSpPr>
+          <p:cNvPr id="3" name="Title 2">
+            <a:extLst>
+              <a:ext uri="{FF2B5EF4-FFF2-40B4-BE49-F238E27FC236}">
+                <a16:creationId xmlns:a16="http://schemas.microsoft.com/office/drawing/2014/main" id="{EE7BF2F4-2A70-DD57-059A-730363B7B562}"/>
+              </a:ext>
+            </a:extLst>
+          </p:cNvPr>
+          <p:cNvSpPr>
+            <a:spLocks noGrp="1"/>
+          </p:cNvSpPr>
+          <p:nvPr>
+            <p:ph type="title"/>
+          </p:nvPr>
+        </p:nvSpPr>
+        <p:spPr/>
+        <p:txBody>
+          <a:bodyPr/>
+          <a:lstStyle/>
+          <a:p>
+            <a:r>
+              <a:rPr lang="en-US" dirty="0"/>
+              <a:t>This merge conflict resolution is a nightmare.</a:t>
+            </a:r>
+          </a:p>
+        </p:txBody>
+      </p:sp>
+      <p:pic>
+        <p:nvPicPr>
+          <p:cNvPr id="5124" name="Picture 4" descr="File comparison">
+            <a:extLst>
+              <a:ext uri="{FF2B5EF4-FFF2-40B4-BE49-F238E27FC236}">
+                <a16:creationId xmlns:a16="http://schemas.microsoft.com/office/drawing/2014/main" id="{09EB7DB2-1D51-8187-0442-DDA195632CD8}"/>
+              </a:ext>
+            </a:extLst>
+          </p:cNvPr>
+          <p:cNvPicPr>
+            <a:picLocks noChangeAspect="1" noChangeArrowheads="1"/>
+          </p:cNvPicPr>
+          <p:nvPr/>
+        </p:nvPicPr>
+        <p:blipFill>
+          <a:blip r:embed="rId3">
+            <a:extLst>
+              <a:ext uri="{28A0092B-C50C-407E-A947-70E740481C1C}">
+                <a14:useLocalDpi xmlns:a14="http://schemas.microsoft.com/office/drawing/2010/main" val="0"/>
+              </a:ext>
+            </a:extLst>
+          </a:blip>
+          <a:srcRect/>
+          <a:stretch>
+            <a:fillRect/>
+          </a:stretch>
+        </p:blipFill>
+        <p:spPr bwMode="auto">
+          <a:xfrm>
+            <a:off x="4374293" y="2046913"/>
+            <a:ext cx="6777381" cy="4412703"/>
+          </a:xfrm>
+          <a:prstGeom prst="rect">
+            <a:avLst/>
+          </a:prstGeom>
+          <a:noFill/>
+          <a:extLst>
+            <a:ext uri="{909E8E84-426E-40DD-AFC4-6F175D3DCCD1}">
+              <a14:hiddenFill xmlns:a14="http://schemas.microsoft.com/office/drawing/2010/main">
+                <a:solidFill>
+                  <a:srgbClr val="FFFFFF"/>
+                </a:solidFill>
+              </a14:hiddenFill>
+            </a:ext>
+          </a:extLst>
+        </p:spPr>
+      </p:pic>
+    </p:spTree>
+    <p:extLst>
+      <p:ext uri="{BB962C8B-B14F-4D97-AF65-F5344CB8AC3E}">
+        <p14:creationId xmlns:p14="http://schemas.microsoft.com/office/powerpoint/2010/main" val="3736144483"/>
+      </p:ext>
+    </p:extLst>
+  </p:cSld>
+  <p:clrMapOvr>
+    <a:masterClrMapping/>
+  </p:clrMapOvr>
+</p:sld>
+</file>
+
+<file path=ppt/slides/slide28.xml><?xml version="1.0" encoding="utf-8"?>
+<p:sld xmlns:a="http://schemas.openxmlformats.org/drawingml/2006/main" xmlns:r="http://schemas.openxmlformats.org/officeDocument/2006/relationships" xmlns:p="http://schemas.openxmlformats.org/presentationml/2006/main">
+  <p:cSld>
+    <p:spTree>
+      <p:nvGrpSpPr>
+        <p:cNvPr id="1" name=""/>
+        <p:cNvGrpSpPr/>
+        <p:nvPr/>
+      </p:nvGrpSpPr>
+      <p:grpSpPr>
+        <a:xfrm>
+          <a:off x="0" y="0"/>
+          <a:ext cx="0" cy="0"/>
+          <a:chOff x="0" y="0"/>
+          <a:chExt cx="0" cy="0"/>
+        </a:xfrm>
+      </p:grpSpPr>
+      <p:pic>
+        <p:nvPicPr>
+          <p:cNvPr id="4098" name="Picture 2" descr="Sentrytocat">
+            <a:extLst>
+              <a:ext uri="{FF2B5EF4-FFF2-40B4-BE49-F238E27FC236}">
+                <a16:creationId xmlns:a16="http://schemas.microsoft.com/office/drawing/2014/main" id="{ED691389-AD60-D52A-DC5A-3DA171494912}"/>
+              </a:ext>
+            </a:extLst>
+          </p:cNvPr>
+          <p:cNvPicPr>
+            <a:picLocks noChangeAspect="1" noChangeArrowheads="1"/>
+          </p:cNvPicPr>
+          <p:nvPr/>
+        </p:nvPicPr>
+        <p:blipFill rotWithShape="1">
+          <a:blip r:embed="rId2">
+            <a:extLst>
+              <a:ext uri="{28A0092B-C50C-407E-A947-70E740481C1C}">
+                <a14:useLocalDpi xmlns:a14="http://schemas.microsoft.com/office/drawing/2010/main" val="0"/>
+              </a:ext>
+            </a:extLst>
+          </a:blip>
+          <a:srcRect b="9149"/>
+          <a:stretch/>
+        </p:blipFill>
+        <p:spPr bwMode="auto">
+          <a:xfrm>
+            <a:off x="2012853" y="1416908"/>
+            <a:ext cx="5989051" cy="5441092"/>
+          </a:xfrm>
+          <a:prstGeom prst="rect">
+            <a:avLst/>
+          </a:prstGeom>
+          <a:noFill/>
+          <a:extLst>
+            <a:ext uri="{909E8E84-426E-40DD-AFC4-6F175D3DCCD1}">
+              <a14:hiddenFill xmlns:a14="http://schemas.microsoft.com/office/drawing/2010/main">
+                <a:solidFill>
+                  <a:srgbClr val="FFFFFF"/>
+                </a:solidFill>
+              </a14:hiddenFill>
+            </a:ext>
+          </a:extLst>
+        </p:spPr>
+      </p:pic>
+      <p:sp>
+        <p:nvSpPr>
+          <p:cNvPr id="2" name="Content Placeholder 1">
+            <a:extLst>
+              <a:ext uri="{FF2B5EF4-FFF2-40B4-BE49-F238E27FC236}">
+                <a16:creationId xmlns:a16="http://schemas.microsoft.com/office/drawing/2014/main" id="{E9F87B1F-F817-5F77-59EC-9328516B0081}"/>
+              </a:ext>
+            </a:extLst>
+          </p:cNvPr>
+          <p:cNvSpPr>
+            <a:spLocks noGrp="1"/>
+          </p:cNvSpPr>
+          <p:nvPr>
+            <p:ph sz="half" idx="1"/>
+          </p:nvPr>
+        </p:nvSpPr>
+        <p:spPr/>
+        <p:txBody>
+          <a:bodyPr>
+            <a:normAutofit/>
+          </a:bodyPr>
+          <a:lstStyle/>
+          <a:p>
+            <a:r>
+              <a:rPr lang="en-US" sz="4800" dirty="0"/>
+              <a:t>Why?</a:t>
+            </a:r>
+          </a:p>
+          <a:p>
+            <a:r>
+              <a:rPr lang="en-US" sz="4800" dirty="0"/>
+              <a:t>What?</a:t>
+            </a:r>
+          </a:p>
+          <a:p>
+            <a:r>
+              <a:rPr lang="en-US" sz="4800" dirty="0"/>
+              <a:t>How?</a:t>
+            </a:r>
+          </a:p>
+        </p:txBody>
+      </p:sp>
+      <p:sp>
+        <p:nvSpPr>
+          <p:cNvPr id="3" name="Content Placeholder 2">
+            <a:extLst>
+              <a:ext uri="{FF2B5EF4-FFF2-40B4-BE49-F238E27FC236}">
+                <a16:creationId xmlns:a16="http://schemas.microsoft.com/office/drawing/2014/main" id="{E46824D6-3855-1D30-A880-E24C7331B2D4}"/>
+              </a:ext>
+            </a:extLst>
+          </p:cNvPr>
+          <p:cNvSpPr>
+            <a:spLocks noGrp="1"/>
+          </p:cNvSpPr>
+          <p:nvPr>
+            <p:ph sz="half" idx="2"/>
+          </p:nvPr>
+        </p:nvSpPr>
+        <p:spPr/>
+        <p:txBody>
+          <a:bodyPr>
+            <a:normAutofit/>
+          </a:bodyPr>
+          <a:lstStyle/>
+          <a:p>
+            <a:r>
+              <a:rPr lang="en-US" sz="4800" dirty="0"/>
+              <a:t>Danger?</a:t>
+            </a:r>
+          </a:p>
+          <a:p>
+            <a:r>
+              <a:rPr lang="en-US" sz="4800" b="1" dirty="0">
+                <a:solidFill>
+                  <a:schemeClr val="tx1"/>
+                </a:solidFill>
+              </a:rPr>
+              <a:t>Help?</a:t>
+            </a:r>
+          </a:p>
+        </p:txBody>
+      </p:sp>
+      <p:sp>
+        <p:nvSpPr>
+          <p:cNvPr id="4" name="Slide Number Placeholder 3">
+            <a:extLst>
+              <a:ext uri="{FF2B5EF4-FFF2-40B4-BE49-F238E27FC236}">
+                <a16:creationId xmlns:a16="http://schemas.microsoft.com/office/drawing/2014/main" id="{88883128-AF4E-6E39-C42D-EA60C6C1F760}"/>
+              </a:ext>
+            </a:extLst>
+          </p:cNvPr>
+          <p:cNvSpPr>
+            <a:spLocks noGrp="1"/>
+          </p:cNvSpPr>
+          <p:nvPr>
+            <p:ph type="sldNum" sz="quarter" idx="12"/>
+          </p:nvPr>
+        </p:nvSpPr>
+        <p:spPr/>
+        <p:txBody>
+          <a:bodyPr/>
+          <a:lstStyle/>
+          <a:p>
+            <a:r>
+              <a:rPr lang="en-US" dirty="0"/>
+              <a:t>collaborative programming with GitHub</a:t>
+            </a:r>
+          </a:p>
+        </p:txBody>
+      </p:sp>
+      <p:sp>
+        <p:nvSpPr>
+          <p:cNvPr id="5" name="Title 4">
+            <a:extLst>
+              <a:ext uri="{FF2B5EF4-FFF2-40B4-BE49-F238E27FC236}">
+                <a16:creationId xmlns:a16="http://schemas.microsoft.com/office/drawing/2014/main" id="{74EEF3ED-A695-E1AF-E0CF-280C0D2E680C}"/>
+              </a:ext>
+            </a:extLst>
+          </p:cNvPr>
+          <p:cNvSpPr>
+            <a:spLocks noGrp="1"/>
+          </p:cNvSpPr>
+          <p:nvPr>
+            <p:ph type="title"/>
+          </p:nvPr>
+        </p:nvSpPr>
+        <p:spPr/>
+        <p:txBody>
+          <a:bodyPr/>
+          <a:lstStyle/>
+          <a:p>
+            <a:r>
+              <a:rPr lang="en-US" dirty="0"/>
+              <a:t>Collaborative programming with GitHub</a:t>
+            </a:r>
+          </a:p>
+        </p:txBody>
+      </p:sp>
+    </p:spTree>
+    <p:extLst>
+      <p:ext uri="{BB962C8B-B14F-4D97-AF65-F5344CB8AC3E}">
+        <p14:creationId xmlns:p14="http://schemas.microsoft.com/office/powerpoint/2010/main" val="3553576257"/>
+      </p:ext>
+    </p:extLst>
+  </p:cSld>
+  <p:clrMapOvr>
+    <a:masterClrMapping/>
+  </p:clrMapOvr>
+</p:sld>
+</file>
+
+<file path=ppt/slides/slide29.xml><?xml version="1.0" encoding="utf-8"?>
+<p:sld xmlns:a="http://schemas.openxmlformats.org/drawingml/2006/main" xmlns:r="http://schemas.openxmlformats.org/officeDocument/2006/relationships" xmlns:p="http://schemas.openxmlformats.org/presentationml/2006/main">
+  <p:cSld>
+    <p:spTree>
+      <p:nvGrpSpPr>
+        <p:cNvPr id="1" name=""/>
+        <p:cNvGrpSpPr/>
+        <p:nvPr/>
+      </p:nvGrpSpPr>
+      <p:grpSpPr>
+        <a:xfrm>
+          <a:off x="0" y="0"/>
+          <a:ext cx="0" cy="0"/>
+          <a:chOff x="0" y="0"/>
+          <a:chExt cx="0" cy="0"/>
+        </a:xfrm>
+      </p:grpSpPr>
+      <p:sp>
+        <p:nvSpPr>
+          <p:cNvPr id="3" name="Slide Number Placeholder 2">
+            <a:extLst>
+              <a:ext uri="{FF2B5EF4-FFF2-40B4-BE49-F238E27FC236}">
+                <a16:creationId xmlns:a16="http://schemas.microsoft.com/office/drawing/2014/main" id="{D3374E00-6072-7643-B732-4E05FC28438C}"/>
+              </a:ext>
+            </a:extLst>
+          </p:cNvPr>
+          <p:cNvSpPr>
+            <a:spLocks noGrp="1"/>
+          </p:cNvSpPr>
+          <p:nvPr>
+            <p:ph type="sldNum" sz="quarter" idx="12"/>
+          </p:nvPr>
+        </p:nvSpPr>
+        <p:spPr/>
+        <p:txBody>
+          <a:bodyPr/>
+          <a:lstStyle/>
+          <a:p>
+            <a:r>
+              <a:rPr lang="en-US" dirty="0"/>
+              <a:t>collaborative programming with GitHub</a:t>
+            </a:r>
+          </a:p>
+        </p:txBody>
+      </p:sp>
+      <p:sp>
+        <p:nvSpPr>
+          <p:cNvPr id="5" name="Title 4">
+            <a:extLst>
+              <a:ext uri="{FF2B5EF4-FFF2-40B4-BE49-F238E27FC236}">
+                <a16:creationId xmlns:a16="http://schemas.microsoft.com/office/drawing/2014/main" id="{11D36B5E-1392-AB4B-B3E9-4F810856B07B}"/>
+              </a:ext>
+            </a:extLst>
+          </p:cNvPr>
+          <p:cNvSpPr>
+            <a:spLocks noGrp="1"/>
+          </p:cNvSpPr>
+          <p:nvPr>
+            <p:ph type="title"/>
+          </p:nvPr>
+        </p:nvSpPr>
+        <p:spPr/>
+        <p:txBody>
+          <a:bodyPr/>
+          <a:lstStyle/>
+          <a:p>
+            <a:r>
+              <a:rPr lang="en-US" dirty="0"/>
+              <a:t>official git documentation</a:t>
+            </a:r>
+          </a:p>
+        </p:txBody>
+      </p:sp>
+      <p:pic>
+        <p:nvPicPr>
+          <p:cNvPr id="6" name="Picture 5">
+            <a:extLst>
+              <a:ext uri="{FF2B5EF4-FFF2-40B4-BE49-F238E27FC236}">
+                <a16:creationId xmlns:a16="http://schemas.microsoft.com/office/drawing/2014/main" id="{70DEEC87-6FD2-AC16-40B0-38182EBC5D09}"/>
+              </a:ext>
+            </a:extLst>
+          </p:cNvPr>
+          <p:cNvPicPr>
+            <a:picLocks noChangeAspect="1"/>
+          </p:cNvPicPr>
+          <p:nvPr/>
+        </p:nvPicPr>
+        <p:blipFill>
+          <a:blip r:embed="rId2"/>
+          <a:stretch>
+            <a:fillRect/>
+          </a:stretch>
+        </p:blipFill>
+        <p:spPr>
+          <a:xfrm>
+            <a:off x="5997790" y="1023489"/>
+            <a:ext cx="5791200" cy="3302000"/>
+          </a:xfrm>
+          <a:prstGeom prst="rect">
+            <a:avLst/>
+          </a:prstGeom>
+        </p:spPr>
+      </p:pic>
+      <p:sp>
+        <p:nvSpPr>
+          <p:cNvPr id="8" name="TextBox 7">
+            <a:extLst>
+              <a:ext uri="{FF2B5EF4-FFF2-40B4-BE49-F238E27FC236}">
+                <a16:creationId xmlns:a16="http://schemas.microsoft.com/office/drawing/2014/main" id="{4A45D5ED-0373-E1DB-81AE-E36D9441DD7B}"/>
+              </a:ext>
+            </a:extLst>
+          </p:cNvPr>
+          <p:cNvSpPr txBox="1"/>
+          <p:nvPr/>
+        </p:nvSpPr>
+        <p:spPr>
+          <a:xfrm>
+            <a:off x="6092284" y="4238314"/>
+            <a:ext cx="6099716" cy="369332"/>
+          </a:xfrm>
+          <a:prstGeom prst="rect">
+            <a:avLst/>
+          </a:prstGeom>
+          <a:noFill/>
+        </p:spPr>
+        <p:txBody>
+          <a:bodyPr wrap="square">
+            <a:spAutoFit/>
+          </a:bodyPr>
+          <a:lstStyle/>
+          <a:p>
+            <a:r>
+              <a:rPr lang="en-US" dirty="0">
+                <a:effectLst/>
+              </a:rPr>
+              <a:t>― git-tips. “Git-Tips.” 2024. </a:t>
+            </a:r>
+            <a:r>
+              <a:rPr lang="en-US" dirty="0">
+                <a:effectLst/>
+                <a:hlinkClick r:id="rId3"/>
+              </a:rPr>
+              <a:t>git.io/git-tips</a:t>
+            </a:r>
+            <a:r>
+              <a:rPr lang="en-US" dirty="0">
+                <a:effectLst/>
+              </a:rPr>
+              <a:t>.</a:t>
+            </a:r>
+          </a:p>
+        </p:txBody>
+      </p:sp>
+      <p:pic>
+        <p:nvPicPr>
+          <p:cNvPr id="1026" name="Picture 2">
+            <a:extLst>
+              <a:ext uri="{FF2B5EF4-FFF2-40B4-BE49-F238E27FC236}">
+                <a16:creationId xmlns:a16="http://schemas.microsoft.com/office/drawing/2014/main" id="{D359073F-15A6-7428-1A45-E40CFC42F1E9}"/>
+              </a:ext>
+            </a:extLst>
+          </p:cNvPr>
+          <p:cNvPicPr>
+            <a:picLocks noChangeAspect="1" noChangeArrowheads="1"/>
+          </p:cNvPicPr>
+          <p:nvPr/>
+        </p:nvPicPr>
+        <p:blipFill>
+          <a:blip r:embed="rId4">
+            <a:extLst>
+              <a:ext uri="{28A0092B-C50C-407E-A947-70E740481C1C}">
+                <a14:useLocalDpi xmlns:a14="http://schemas.microsoft.com/office/drawing/2010/main" val="0"/>
+              </a:ext>
+            </a:extLst>
+          </a:blip>
+          <a:srcRect/>
+          <a:stretch>
+            <a:fillRect/>
+          </a:stretch>
+        </p:blipFill>
+        <p:spPr bwMode="auto">
+          <a:xfrm>
+            <a:off x="2090439" y="3567309"/>
+            <a:ext cx="2060746" cy="2741840"/>
+          </a:xfrm>
+          <a:prstGeom prst="rect">
+            <a:avLst/>
+          </a:prstGeom>
+          <a:noFill/>
+          <a:extLst>
+            <a:ext uri="{909E8E84-426E-40DD-AFC4-6F175D3DCCD1}">
+              <a14:hiddenFill xmlns:a14="http://schemas.microsoft.com/office/drawing/2010/main">
+                <a:solidFill>
+                  <a:srgbClr val="FFFFFF"/>
+                </a:solidFill>
+              </a14:hiddenFill>
+            </a:ext>
+          </a:extLst>
+        </p:spPr>
+      </p:pic>
       <p:pic>
         <p:nvPicPr>
           <p:cNvPr id="9" name="Picture 8">
@@ -7427,7 +8807,688 @@
 </p:sld>
 </file>
 
-<file path=ppt/slides/slide23.xml><?xml version="1.0" encoding="utf-8"?>
+<file path=ppt/slides/slide3.xml><?xml version="1.0" encoding="utf-8"?>
+<p:sld xmlns:a="http://schemas.openxmlformats.org/drawingml/2006/main" xmlns:r="http://schemas.openxmlformats.org/officeDocument/2006/relationships" xmlns:p="http://schemas.openxmlformats.org/presentationml/2006/main">
+  <p:cSld>
+    <p:spTree>
+      <p:nvGrpSpPr>
+        <p:cNvPr id="1" name=""/>
+        <p:cNvGrpSpPr/>
+        <p:nvPr/>
+      </p:nvGrpSpPr>
+      <p:grpSpPr>
+        <a:xfrm>
+          <a:off x="0" y="0"/>
+          <a:ext cx="0" cy="0"/>
+          <a:chOff x="0" y="0"/>
+          <a:chExt cx="0" cy="0"/>
+        </a:xfrm>
+      </p:grpSpPr>
+      <p:sp>
+        <p:nvSpPr>
+          <p:cNvPr id="2" name="Content Placeholder 1">
+            <a:extLst>
+              <a:ext uri="{FF2B5EF4-FFF2-40B4-BE49-F238E27FC236}">
+                <a16:creationId xmlns:a16="http://schemas.microsoft.com/office/drawing/2014/main" id="{E9F87B1F-F817-5F77-59EC-9328516B0081}"/>
+              </a:ext>
+            </a:extLst>
+          </p:cNvPr>
+          <p:cNvSpPr>
+            <a:spLocks noGrp="1"/>
+          </p:cNvSpPr>
+          <p:nvPr>
+            <p:ph sz="half" idx="1"/>
+          </p:nvPr>
+        </p:nvSpPr>
+        <p:spPr/>
+        <p:txBody>
+          <a:bodyPr>
+            <a:normAutofit/>
+          </a:bodyPr>
+          <a:lstStyle/>
+          <a:p>
+            <a:r>
+              <a:rPr lang="en-US" sz="4800" b="1" dirty="0">
+                <a:solidFill>
+                  <a:schemeClr val="tx1"/>
+                </a:solidFill>
+              </a:rPr>
+              <a:t>Why?</a:t>
+            </a:r>
+          </a:p>
+          <a:p>
+            <a:r>
+              <a:rPr lang="en-US" sz="4800" dirty="0"/>
+              <a:t>What?</a:t>
+            </a:r>
+          </a:p>
+          <a:p>
+            <a:r>
+              <a:rPr lang="en-US" sz="4800" dirty="0"/>
+              <a:t>How?</a:t>
+            </a:r>
+          </a:p>
+        </p:txBody>
+      </p:sp>
+      <p:sp>
+        <p:nvSpPr>
+          <p:cNvPr id="3" name="Content Placeholder 2">
+            <a:extLst>
+              <a:ext uri="{FF2B5EF4-FFF2-40B4-BE49-F238E27FC236}">
+                <a16:creationId xmlns:a16="http://schemas.microsoft.com/office/drawing/2014/main" id="{E46824D6-3855-1D30-A880-E24C7331B2D4}"/>
+              </a:ext>
+            </a:extLst>
+          </p:cNvPr>
+          <p:cNvSpPr>
+            <a:spLocks noGrp="1"/>
+          </p:cNvSpPr>
+          <p:nvPr>
+            <p:ph sz="half" idx="2"/>
+          </p:nvPr>
+        </p:nvSpPr>
+        <p:spPr/>
+        <p:txBody>
+          <a:bodyPr>
+            <a:normAutofit/>
+          </a:bodyPr>
+          <a:lstStyle/>
+          <a:p>
+            <a:r>
+              <a:rPr lang="en-US" sz="4800" dirty="0"/>
+              <a:t>Danger?</a:t>
+            </a:r>
+          </a:p>
+          <a:p>
+            <a:r>
+              <a:rPr lang="en-US" sz="4800" dirty="0"/>
+              <a:t>Help?</a:t>
+            </a:r>
+          </a:p>
+        </p:txBody>
+      </p:sp>
+      <p:sp>
+        <p:nvSpPr>
+          <p:cNvPr id="4" name="Slide Number Placeholder 3">
+            <a:extLst>
+              <a:ext uri="{FF2B5EF4-FFF2-40B4-BE49-F238E27FC236}">
+                <a16:creationId xmlns:a16="http://schemas.microsoft.com/office/drawing/2014/main" id="{88883128-AF4E-6E39-C42D-EA60C6C1F760}"/>
+              </a:ext>
+            </a:extLst>
+          </p:cNvPr>
+          <p:cNvSpPr>
+            <a:spLocks noGrp="1"/>
+          </p:cNvSpPr>
+          <p:nvPr>
+            <p:ph type="sldNum" sz="quarter" idx="12"/>
+          </p:nvPr>
+        </p:nvSpPr>
+        <p:spPr>
+          <a:xfrm>
+            <a:off x="8864292" y="6475556"/>
+            <a:ext cx="2937933" cy="277617"/>
+          </a:xfrm>
+        </p:spPr>
+        <p:txBody>
+          <a:bodyPr/>
+          <a:lstStyle/>
+          <a:p>
+            <a:r>
+              <a:rPr lang="en-US" dirty="0"/>
+              <a:t>collaborative programming with GitHub</a:t>
+            </a:r>
+          </a:p>
+        </p:txBody>
+      </p:sp>
+      <p:sp>
+        <p:nvSpPr>
+          <p:cNvPr id="5" name="Title 4">
+            <a:extLst>
+              <a:ext uri="{FF2B5EF4-FFF2-40B4-BE49-F238E27FC236}">
+                <a16:creationId xmlns:a16="http://schemas.microsoft.com/office/drawing/2014/main" id="{74EEF3ED-A695-E1AF-E0CF-280C0D2E680C}"/>
+              </a:ext>
+            </a:extLst>
+          </p:cNvPr>
+          <p:cNvSpPr>
+            <a:spLocks noGrp="1"/>
+          </p:cNvSpPr>
+          <p:nvPr>
+            <p:ph type="title"/>
+          </p:nvPr>
+        </p:nvSpPr>
+        <p:spPr/>
+        <p:txBody>
+          <a:bodyPr/>
+          <a:lstStyle/>
+          <a:p>
+            <a:r>
+              <a:rPr lang="en-US" dirty="0"/>
+              <a:t>Collaborative programming with GitHub</a:t>
+            </a:r>
+          </a:p>
+        </p:txBody>
+      </p:sp>
+      <p:pic>
+        <p:nvPicPr>
+          <p:cNvPr id="2050" name="Picture 2" descr="professortocat_v2">
+            <a:extLst>
+              <a:ext uri="{FF2B5EF4-FFF2-40B4-BE49-F238E27FC236}">
+                <a16:creationId xmlns:a16="http://schemas.microsoft.com/office/drawing/2014/main" id="{D156204A-9DCF-AC5D-20D8-A02EBAED7E51}"/>
+              </a:ext>
+            </a:extLst>
+          </p:cNvPr>
+          <p:cNvPicPr>
+            <a:picLocks noChangeAspect="1" noChangeArrowheads="1"/>
+          </p:cNvPicPr>
+          <p:nvPr/>
+        </p:nvPicPr>
+        <p:blipFill>
+          <a:blip r:embed="rId2">
+            <a:extLst>
+              <a:ext uri="{28A0092B-C50C-407E-A947-70E740481C1C}">
+                <a14:useLocalDpi xmlns:a14="http://schemas.microsoft.com/office/drawing/2010/main" val="0"/>
+              </a:ext>
+            </a:extLst>
+          </a:blip>
+          <a:srcRect/>
+          <a:stretch>
+            <a:fillRect/>
+          </a:stretch>
+        </p:blipFill>
+        <p:spPr bwMode="auto">
+          <a:xfrm>
+            <a:off x="2667000" y="2562774"/>
+            <a:ext cx="4295225" cy="4295225"/>
+          </a:xfrm>
+          <a:prstGeom prst="rect">
+            <a:avLst/>
+          </a:prstGeom>
+          <a:noFill/>
+          <a:extLst>
+            <a:ext uri="{909E8E84-426E-40DD-AFC4-6F175D3DCCD1}">
+              <a14:hiddenFill xmlns:a14="http://schemas.microsoft.com/office/drawing/2010/main">
+                <a:solidFill>
+                  <a:srgbClr val="FFFFFF"/>
+                </a:solidFill>
+              </a14:hiddenFill>
+            </a:ext>
+          </a:extLst>
+        </p:spPr>
+      </p:pic>
+    </p:spTree>
+    <p:extLst>
+      <p:ext uri="{BB962C8B-B14F-4D97-AF65-F5344CB8AC3E}">
+        <p14:creationId xmlns:p14="http://schemas.microsoft.com/office/powerpoint/2010/main" val="599170411"/>
+      </p:ext>
+    </p:extLst>
+  </p:cSld>
+  <p:clrMapOvr>
+    <a:masterClrMapping/>
+  </p:clrMapOvr>
+</p:sld>
+</file>
+
+<file path=ppt/slides/slide30.xml><?xml version="1.0" encoding="utf-8"?>
+<p:sld xmlns:a="http://schemas.openxmlformats.org/drawingml/2006/main" xmlns:r="http://schemas.openxmlformats.org/officeDocument/2006/relationships" xmlns:p="http://schemas.openxmlformats.org/presentationml/2006/main">
+  <p:cSld>
+    <p:spTree>
+      <p:nvGrpSpPr>
+        <p:cNvPr id="1" name=""/>
+        <p:cNvGrpSpPr/>
+        <p:nvPr/>
+      </p:nvGrpSpPr>
+      <p:grpSpPr>
+        <a:xfrm>
+          <a:off x="0" y="0"/>
+          <a:ext cx="0" cy="0"/>
+          <a:chOff x="0" y="0"/>
+          <a:chExt cx="0" cy="0"/>
+        </a:xfrm>
+      </p:grpSpPr>
+      <p:sp>
+        <p:nvSpPr>
+          <p:cNvPr id="3" name="Slide Number Placeholder 2">
+            <a:extLst>
+              <a:ext uri="{FF2B5EF4-FFF2-40B4-BE49-F238E27FC236}">
+                <a16:creationId xmlns:a16="http://schemas.microsoft.com/office/drawing/2014/main" id="{D3374E00-6072-7643-B732-4E05FC28438C}"/>
+              </a:ext>
+            </a:extLst>
+          </p:cNvPr>
+          <p:cNvSpPr>
+            <a:spLocks noGrp="1"/>
+          </p:cNvSpPr>
+          <p:nvPr>
+            <p:ph type="sldNum" sz="quarter" idx="12"/>
+          </p:nvPr>
+        </p:nvSpPr>
+        <p:spPr/>
+        <p:txBody>
+          <a:bodyPr/>
+          <a:lstStyle/>
+          <a:p>
+            <a:r>
+              <a:rPr lang="en-US" dirty="0"/>
+              <a:t>collaborative programming with GitHub</a:t>
+            </a:r>
+          </a:p>
+        </p:txBody>
+      </p:sp>
+      <p:sp>
+        <p:nvSpPr>
+          <p:cNvPr id="5" name="Title 4">
+            <a:extLst>
+              <a:ext uri="{FF2B5EF4-FFF2-40B4-BE49-F238E27FC236}">
+                <a16:creationId xmlns:a16="http://schemas.microsoft.com/office/drawing/2014/main" id="{11D36B5E-1392-AB4B-B3E9-4F810856B07B}"/>
+              </a:ext>
+            </a:extLst>
+          </p:cNvPr>
+          <p:cNvSpPr>
+            <a:spLocks noGrp="1"/>
+          </p:cNvSpPr>
+          <p:nvPr>
+            <p:ph type="title"/>
+          </p:nvPr>
+        </p:nvSpPr>
+        <p:spPr/>
+        <p:txBody>
+          <a:bodyPr/>
+          <a:lstStyle/>
+          <a:p>
+            <a:r>
+              <a:rPr lang="en-US" dirty="0"/>
+              <a:t>official GitHub documentation</a:t>
+            </a:r>
+          </a:p>
+        </p:txBody>
+      </p:sp>
+      <p:pic>
+        <p:nvPicPr>
+          <p:cNvPr id="4" name="Picture 3">
+            <a:extLst>
+              <a:ext uri="{FF2B5EF4-FFF2-40B4-BE49-F238E27FC236}">
+                <a16:creationId xmlns:a16="http://schemas.microsoft.com/office/drawing/2014/main" id="{0F7A0AB2-8051-2C15-179C-59987BAC495F}"/>
+              </a:ext>
+            </a:extLst>
+          </p:cNvPr>
+          <p:cNvPicPr>
+            <a:picLocks noChangeAspect="1"/>
+          </p:cNvPicPr>
+          <p:nvPr/>
+        </p:nvPicPr>
+        <p:blipFill>
+          <a:blip r:embed="rId2"/>
+          <a:stretch>
+            <a:fillRect/>
+          </a:stretch>
+        </p:blipFill>
+        <p:spPr>
+          <a:xfrm>
+            <a:off x="60216" y="1023490"/>
+            <a:ext cx="5406947" cy="2949764"/>
+          </a:xfrm>
+          <a:prstGeom prst="rect">
+            <a:avLst/>
+          </a:prstGeom>
+        </p:spPr>
+      </p:pic>
+      <p:sp>
+        <p:nvSpPr>
+          <p:cNvPr id="10" name="TextBox 9">
+            <a:extLst>
+              <a:ext uri="{FF2B5EF4-FFF2-40B4-BE49-F238E27FC236}">
+                <a16:creationId xmlns:a16="http://schemas.microsoft.com/office/drawing/2014/main" id="{DF39A997-9D67-D023-4D38-9CCE49566C07}"/>
+              </a:ext>
+            </a:extLst>
+          </p:cNvPr>
+          <p:cNvSpPr txBox="1"/>
+          <p:nvPr/>
+        </p:nvSpPr>
+        <p:spPr>
+          <a:xfrm>
+            <a:off x="60216" y="4003800"/>
+            <a:ext cx="5406947" cy="646331"/>
+          </a:xfrm>
+          <a:prstGeom prst="rect">
+            <a:avLst/>
+          </a:prstGeom>
+          <a:noFill/>
+        </p:spPr>
+        <p:txBody>
+          <a:bodyPr wrap="square">
+            <a:spAutoFit/>
+          </a:bodyPr>
+          <a:lstStyle/>
+          <a:p>
+            <a:r>
+              <a:rPr lang="en-US" dirty="0"/>
+              <a:t>― </a:t>
+            </a:r>
+            <a:r>
+              <a:rPr lang="en-US" dirty="0">
+                <a:effectLst/>
+              </a:rPr>
+              <a:t>GitHub, Inc. “GitHub Docs.” GitHub Docs, 2024. </a:t>
+            </a:r>
+            <a:r>
+              <a:rPr lang="en-US" dirty="0">
+                <a:effectLst/>
+                <a:hlinkClick r:id="rId3"/>
+              </a:rPr>
+              <a:t>https://docs.github.com</a:t>
+            </a:r>
+            <a:r>
+              <a:rPr lang="en-US" dirty="0">
+                <a:effectLst/>
+              </a:rPr>
+              <a:t>.</a:t>
+            </a:r>
+          </a:p>
+        </p:txBody>
+      </p:sp>
+      <p:pic>
+        <p:nvPicPr>
+          <p:cNvPr id="12" name="Picture 11">
+            <a:extLst>
+              <a:ext uri="{FF2B5EF4-FFF2-40B4-BE49-F238E27FC236}">
+                <a16:creationId xmlns:a16="http://schemas.microsoft.com/office/drawing/2014/main" id="{DDD8909D-B140-93E6-BD3E-5AC9EDD49422}"/>
+              </a:ext>
+            </a:extLst>
+          </p:cNvPr>
+          <p:cNvPicPr>
+            <a:picLocks noChangeAspect="1"/>
+          </p:cNvPicPr>
+          <p:nvPr/>
+        </p:nvPicPr>
+        <p:blipFill>
+          <a:blip r:embed="rId4"/>
+          <a:stretch>
+            <a:fillRect/>
+          </a:stretch>
+        </p:blipFill>
+        <p:spPr>
+          <a:xfrm>
+            <a:off x="5617635" y="1023489"/>
+            <a:ext cx="6437042" cy="2949764"/>
+          </a:xfrm>
+          <a:prstGeom prst="rect">
+            <a:avLst/>
+          </a:prstGeom>
+        </p:spPr>
+      </p:pic>
+      <p:sp>
+        <p:nvSpPr>
+          <p:cNvPr id="16" name="TextBox 15">
+            <a:extLst>
+              <a:ext uri="{FF2B5EF4-FFF2-40B4-BE49-F238E27FC236}">
+                <a16:creationId xmlns:a16="http://schemas.microsoft.com/office/drawing/2014/main" id="{2B111B6E-CDD4-AA11-6D81-ABA6257D19B7}"/>
+              </a:ext>
+            </a:extLst>
+          </p:cNvPr>
+          <p:cNvSpPr txBox="1"/>
+          <p:nvPr/>
+        </p:nvSpPr>
+        <p:spPr>
+          <a:xfrm>
+            <a:off x="5617635" y="3942037"/>
+            <a:ext cx="6098344" cy="646331"/>
+          </a:xfrm>
+          <a:prstGeom prst="rect">
+            <a:avLst/>
+          </a:prstGeom>
+          <a:noFill/>
+        </p:spPr>
+        <p:txBody>
+          <a:bodyPr wrap="square">
+            <a:spAutoFit/>
+          </a:bodyPr>
+          <a:lstStyle/>
+          <a:p>
+            <a:r>
+              <a:rPr lang="en-US" dirty="0">
+                <a:effectLst/>
+              </a:rPr>
+              <a:t>― GitHub, Inc. “GitHub Skills,” 2023. </a:t>
+            </a:r>
+            <a:r>
+              <a:rPr lang="en-US" dirty="0">
+                <a:effectLst/>
+                <a:hlinkClick r:id="rId5"/>
+              </a:rPr>
+              <a:t>https://skills.github.com/</a:t>
+            </a:r>
+            <a:r>
+              <a:rPr lang="en-US" dirty="0">
+                <a:effectLst/>
+              </a:rPr>
+              <a:t>.</a:t>
+            </a:r>
+          </a:p>
+        </p:txBody>
+      </p:sp>
+    </p:spTree>
+    <p:extLst>
+      <p:ext uri="{BB962C8B-B14F-4D97-AF65-F5344CB8AC3E}">
+        <p14:creationId xmlns:p14="http://schemas.microsoft.com/office/powerpoint/2010/main" val="3274763268"/>
+      </p:ext>
+    </p:extLst>
+  </p:cSld>
+  <p:clrMapOvr>
+    <a:masterClrMapping/>
+  </p:clrMapOvr>
+</p:sld>
+</file>
+
+<file path=ppt/slides/slide31.xml><?xml version="1.0" encoding="utf-8"?>
+<p:sld xmlns:a="http://schemas.openxmlformats.org/drawingml/2006/main" xmlns:r="http://schemas.openxmlformats.org/officeDocument/2006/relationships" xmlns:p="http://schemas.openxmlformats.org/presentationml/2006/main">
+  <p:cSld>
+    <p:spTree>
+      <p:nvGrpSpPr>
+        <p:cNvPr id="1" name=""/>
+        <p:cNvGrpSpPr/>
+        <p:nvPr/>
+      </p:nvGrpSpPr>
+      <p:grpSpPr>
+        <a:xfrm>
+          <a:off x="0" y="0"/>
+          <a:ext cx="0" cy="0"/>
+          <a:chOff x="0" y="0"/>
+          <a:chExt cx="0" cy="0"/>
+        </a:xfrm>
+      </p:grpSpPr>
+      <p:sp>
+        <p:nvSpPr>
+          <p:cNvPr id="3" name="Slide Number Placeholder 2">
+            <a:extLst>
+              <a:ext uri="{FF2B5EF4-FFF2-40B4-BE49-F238E27FC236}">
+                <a16:creationId xmlns:a16="http://schemas.microsoft.com/office/drawing/2014/main" id="{487CE05D-1B02-992D-FE15-7C9A610DC6B9}"/>
+              </a:ext>
+            </a:extLst>
+          </p:cNvPr>
+          <p:cNvSpPr>
+            <a:spLocks noGrp="1"/>
+          </p:cNvSpPr>
+          <p:nvPr>
+            <p:ph type="sldNum" sz="quarter" idx="12"/>
+          </p:nvPr>
+        </p:nvSpPr>
+        <p:spPr/>
+        <p:txBody>
+          <a:bodyPr/>
+          <a:lstStyle/>
+          <a:p>
+            <a:r>
+              <a:rPr lang="en-US"/>
+              <a:t>collaborative programming with GitHub</a:t>
+            </a:r>
+          </a:p>
+          <a:p>
+            <a:endParaRPr lang="en-US" dirty="0"/>
+          </a:p>
+        </p:txBody>
+      </p:sp>
+      <p:sp>
+        <p:nvSpPr>
+          <p:cNvPr id="6" name="Title 5">
+            <a:extLst>
+              <a:ext uri="{FF2B5EF4-FFF2-40B4-BE49-F238E27FC236}">
+                <a16:creationId xmlns:a16="http://schemas.microsoft.com/office/drawing/2014/main" id="{D01CA725-FA20-4825-4E99-134DFAD66136}"/>
+              </a:ext>
+            </a:extLst>
+          </p:cNvPr>
+          <p:cNvSpPr>
+            <a:spLocks noGrp="1"/>
+          </p:cNvSpPr>
+          <p:nvPr>
+            <p:ph type="title"/>
+          </p:nvPr>
+        </p:nvSpPr>
+        <p:spPr/>
+        <p:txBody>
+          <a:bodyPr/>
+          <a:lstStyle/>
+          <a:p>
+            <a:r>
+              <a:rPr lang="en-US" dirty="0"/>
+              <a:t>Thank you for your time and attention.</a:t>
+            </a:r>
+          </a:p>
+        </p:txBody>
+      </p:sp>
+      <p:pic>
+        <p:nvPicPr>
+          <p:cNvPr id="9218" name="Picture 2" descr="Benevocats">
+            <a:extLst>
+              <a:ext uri="{FF2B5EF4-FFF2-40B4-BE49-F238E27FC236}">
+                <a16:creationId xmlns:a16="http://schemas.microsoft.com/office/drawing/2014/main" id="{E5CAD027-0A11-8A60-F0B0-49B6F04B5B59}"/>
+              </a:ext>
+            </a:extLst>
+          </p:cNvPr>
+          <p:cNvPicPr>
+            <a:picLocks noChangeAspect="1" noChangeArrowheads="1"/>
+          </p:cNvPicPr>
+          <p:nvPr/>
+        </p:nvPicPr>
+        <p:blipFill>
+          <a:blip r:embed="rId2">
+            <a:extLst>
+              <a:ext uri="{28A0092B-C50C-407E-A947-70E740481C1C}">
+                <a14:useLocalDpi xmlns:a14="http://schemas.microsoft.com/office/drawing/2010/main" val="0"/>
+              </a:ext>
+            </a:extLst>
+          </a:blip>
+          <a:srcRect/>
+          <a:stretch>
+            <a:fillRect/>
+          </a:stretch>
+        </p:blipFill>
+        <p:spPr bwMode="auto">
+          <a:xfrm>
+            <a:off x="3922943" y="1023489"/>
+            <a:ext cx="4346114" cy="4346114"/>
+          </a:xfrm>
+          <a:prstGeom prst="rect">
+            <a:avLst/>
+          </a:prstGeom>
+          <a:noFill/>
+          <a:extLst>
+            <a:ext uri="{909E8E84-426E-40DD-AFC4-6F175D3DCCD1}">
+              <a14:hiddenFill xmlns:a14="http://schemas.microsoft.com/office/drawing/2010/main">
+                <a:solidFill>
+                  <a:srgbClr val="FFFFFF"/>
+                </a:solidFill>
+              </a14:hiddenFill>
+            </a:ext>
+          </a:extLst>
+        </p:spPr>
+      </p:pic>
+      <p:sp>
+        <p:nvSpPr>
+          <p:cNvPr id="8" name="TextBox 7">
+            <a:extLst>
+              <a:ext uri="{FF2B5EF4-FFF2-40B4-BE49-F238E27FC236}">
+                <a16:creationId xmlns:a16="http://schemas.microsoft.com/office/drawing/2014/main" id="{509E32EB-8974-28C1-84A4-C579C339B361}"/>
+              </a:ext>
+            </a:extLst>
+          </p:cNvPr>
+          <p:cNvSpPr txBox="1"/>
+          <p:nvPr/>
+        </p:nvSpPr>
+        <p:spPr>
+          <a:xfrm>
+            <a:off x="3922943" y="5414304"/>
+            <a:ext cx="4346114" cy="923330"/>
+          </a:xfrm>
+          <a:prstGeom prst="rect">
+            <a:avLst/>
+          </a:prstGeom>
+          <a:noFill/>
+        </p:spPr>
+        <p:txBody>
+          <a:bodyPr wrap="square">
+            <a:spAutoFit/>
+          </a:bodyPr>
+          <a:lstStyle/>
+          <a:p>
+            <a:pPr algn="ctr"/>
+            <a:r>
+              <a:rPr lang="en-US" dirty="0">
+                <a:effectLst/>
+              </a:rPr>
+              <a:t>This and all other </a:t>
+            </a:r>
+            <a:r>
+              <a:rPr lang="en-US" dirty="0" err="1">
+                <a:effectLst/>
+              </a:rPr>
+              <a:t>octocat</a:t>
+            </a:r>
+            <a:r>
+              <a:rPr lang="en-US" dirty="0">
+                <a:effectLst/>
+              </a:rPr>
+              <a:t> illustrations in this presentation from </a:t>
+            </a:r>
+            <a:r>
+              <a:rPr lang="en-US" dirty="0" err="1">
+                <a:effectLst/>
+              </a:rPr>
+              <a:t>Octodex</a:t>
+            </a:r>
+            <a:r>
+              <a:rPr lang="en-US" dirty="0">
+                <a:effectLst/>
+              </a:rPr>
+              <a:t> (</a:t>
+            </a:r>
+            <a:r>
+              <a:rPr lang="en-US" dirty="0">
+                <a:effectLst/>
+                <a:hlinkClick r:id="rId3"/>
+              </a:rPr>
+              <a:t>octodex.github.com</a:t>
+            </a:r>
+            <a:r>
+              <a:rPr lang="en-US" dirty="0">
+                <a:effectLst/>
+              </a:rPr>
+              <a:t>)</a:t>
+            </a:r>
+          </a:p>
+        </p:txBody>
+      </p:sp>
+    </p:spTree>
+    <p:extLst>
+      <p:ext uri="{BB962C8B-B14F-4D97-AF65-F5344CB8AC3E}">
+        <p14:creationId xmlns:p14="http://schemas.microsoft.com/office/powerpoint/2010/main" val="1970352950"/>
+      </p:ext>
+    </p:extLst>
+  </p:cSld>
+  <p:clrMapOvr>
+    <a:masterClrMapping/>
+  </p:clrMapOvr>
+</p:sld>
+</file>
+
+<file path=ppt/slides/slide32.xml><?xml version="1.0" encoding="utf-8"?>
 <p:sld xmlns:a="http://schemas.openxmlformats.org/drawingml/2006/main" xmlns:r="http://schemas.openxmlformats.org/officeDocument/2006/relationships" xmlns:p="http://schemas.openxmlformats.org/presentationml/2006/main">
   <p:cSld>
     <p:spTree>
@@ -7457,304 +9518,6 @@
 </p:sld>
 </file>
 
-<file path=ppt/slides/slide24.xml><?xml version="1.0" encoding="utf-8"?>
-<p:sld xmlns:a="http://schemas.openxmlformats.org/drawingml/2006/main" xmlns:r="http://schemas.openxmlformats.org/officeDocument/2006/relationships" xmlns:p="http://schemas.openxmlformats.org/presentationml/2006/main">
-  <p:cSld>
-    <p:spTree>
-      <p:nvGrpSpPr>
-        <p:cNvPr id="1" name=""/>
-        <p:cNvGrpSpPr/>
-        <p:nvPr/>
-      </p:nvGrpSpPr>
-      <p:grpSpPr>
-        <a:xfrm>
-          <a:off x="0" y="0"/>
-          <a:ext cx="0" cy="0"/>
-          <a:chOff x="0" y="0"/>
-          <a:chExt cx="0" cy="0"/>
-        </a:xfrm>
-      </p:grpSpPr>
-      <p:sp>
-        <p:nvSpPr>
-          <p:cNvPr id="2" name="Slide Number Placeholder 1">
-            <a:extLst>
-              <a:ext uri="{FF2B5EF4-FFF2-40B4-BE49-F238E27FC236}">
-                <a16:creationId xmlns:a16="http://schemas.microsoft.com/office/drawing/2014/main" id="{41F7BA28-715B-014B-84C3-8D734872CC12}"/>
-              </a:ext>
-            </a:extLst>
-          </p:cNvPr>
-          <p:cNvSpPr>
-            <a:spLocks noGrp="1"/>
-          </p:cNvSpPr>
-          <p:nvPr>
-            <p:ph type="sldNum" sz="quarter" idx="12"/>
-          </p:nvPr>
-        </p:nvSpPr>
-        <p:spPr/>
-        <p:txBody>
-          <a:bodyPr/>
-          <a:lstStyle/>
-          <a:p>
-            <a:fld id="{B700F21C-8F8F-42F3-B54E-DA825E538004}" type="slidenum">
-              <a:rPr lang="en-US" smtClean="0"/>
-              <a:pPr/>
-              <a:t>24</a:t>
-            </a:fld>
-            <a:endParaRPr lang="en-US" dirty="0"/>
-          </a:p>
-        </p:txBody>
-      </p:sp>
-      <p:sp>
-        <p:nvSpPr>
-          <p:cNvPr id="3" name="Content Placeholder 2">
-            <a:extLst>
-              <a:ext uri="{FF2B5EF4-FFF2-40B4-BE49-F238E27FC236}">
-                <a16:creationId xmlns:a16="http://schemas.microsoft.com/office/drawing/2014/main" id="{06E50D0B-B6B2-C64E-A682-D9D38DFCF883}"/>
-              </a:ext>
-            </a:extLst>
-          </p:cNvPr>
-          <p:cNvSpPr>
-            <a:spLocks noGrp="1"/>
-          </p:cNvSpPr>
-          <p:nvPr>
-            <p:ph idx="13"/>
-          </p:nvPr>
-        </p:nvSpPr>
-        <p:spPr/>
-        <p:txBody>
-          <a:bodyPr/>
-          <a:lstStyle/>
-          <a:p>
-            <a:r>
-              <a:rPr lang="en-US" dirty="0"/>
-              <a:t>Add a specific program logo in place of the general Child Mind Institute logo by editing the master slide. Make sure to keep the new logo in the same location and approximate size as the placeholder logo.</a:t>
-            </a:r>
-          </a:p>
-          <a:p>
-            <a:r>
-              <a:rPr lang="en-US" dirty="0"/>
-              <a:t>Use Arial as the font throughout your presentation (defaulted in template). </a:t>
-            </a:r>
-          </a:p>
-          <a:p>
-            <a:r>
-              <a:rPr lang="en-US" dirty="0"/>
-              <a:t>Only use the Child Mind Institute color palette (defaulted as “Theme Colors” in template)</a:t>
-            </a:r>
-          </a:p>
-          <a:p>
-            <a:r>
-              <a:rPr lang="en-US" dirty="0"/>
-              <a:t>Take advantage of the title, section, and end slides to organize your presentation.    </a:t>
-            </a:r>
-          </a:p>
-        </p:txBody>
-      </p:sp>
-      <p:sp>
-        <p:nvSpPr>
-          <p:cNvPr id="4" name="Title 3">
-            <a:extLst>
-              <a:ext uri="{FF2B5EF4-FFF2-40B4-BE49-F238E27FC236}">
-                <a16:creationId xmlns:a16="http://schemas.microsoft.com/office/drawing/2014/main" id="{D0FBD05A-F880-304F-8873-FC0088D3F231}"/>
-              </a:ext>
-            </a:extLst>
-          </p:cNvPr>
-          <p:cNvSpPr>
-            <a:spLocks noGrp="1"/>
-          </p:cNvSpPr>
-          <p:nvPr>
-            <p:ph type="title"/>
-          </p:nvPr>
-        </p:nvSpPr>
-        <p:spPr/>
-        <p:txBody>
-          <a:bodyPr/>
-          <a:lstStyle/>
-          <a:p>
-            <a:r>
-              <a:rPr lang="en-US" dirty="0"/>
-              <a:t>Template Guidelines</a:t>
-            </a:r>
-          </a:p>
-        </p:txBody>
-      </p:sp>
-    </p:spTree>
-    <p:extLst>
-      <p:ext uri="{BB962C8B-B14F-4D97-AF65-F5344CB8AC3E}">
-        <p14:creationId xmlns:p14="http://schemas.microsoft.com/office/powerpoint/2010/main" val="1440049756"/>
-      </p:ext>
-    </p:extLst>
-  </p:cSld>
-  <p:clrMapOvr>
-    <a:masterClrMapping/>
-  </p:clrMapOvr>
-</p:sld>
-</file>
-
-<file path=ppt/slides/slide3.xml><?xml version="1.0" encoding="utf-8"?>
-<p:sld xmlns:a="http://schemas.openxmlformats.org/drawingml/2006/main" xmlns:r="http://schemas.openxmlformats.org/officeDocument/2006/relationships" xmlns:p="http://schemas.openxmlformats.org/presentationml/2006/main">
-  <p:cSld>
-    <p:spTree>
-      <p:nvGrpSpPr>
-        <p:cNvPr id="1" name=""/>
-        <p:cNvGrpSpPr/>
-        <p:nvPr/>
-      </p:nvGrpSpPr>
-      <p:grpSpPr>
-        <a:xfrm>
-          <a:off x="0" y="0"/>
-          <a:ext cx="0" cy="0"/>
-          <a:chOff x="0" y="0"/>
-          <a:chExt cx="0" cy="0"/>
-        </a:xfrm>
-      </p:grpSpPr>
-      <p:sp>
-        <p:nvSpPr>
-          <p:cNvPr id="2" name="Slide Number Placeholder 1">
-            <a:extLst>
-              <a:ext uri="{FF2B5EF4-FFF2-40B4-BE49-F238E27FC236}">
-                <a16:creationId xmlns:a16="http://schemas.microsoft.com/office/drawing/2014/main" id="{73A83C2E-DE31-7CF6-0BF7-F397725A9927}"/>
-              </a:ext>
-            </a:extLst>
-          </p:cNvPr>
-          <p:cNvSpPr>
-            <a:spLocks noGrp="1"/>
-          </p:cNvSpPr>
-          <p:nvPr>
-            <p:ph type="sldNum" sz="quarter" idx="12"/>
-          </p:nvPr>
-        </p:nvSpPr>
-        <p:spPr/>
-        <p:txBody>
-          <a:bodyPr/>
-          <a:lstStyle/>
-          <a:p>
-            <a:fld id="{B700F21C-8F8F-42F3-B54E-DA825E538004}" type="slidenum">
-              <a:rPr lang="en-US" smtClean="0"/>
-              <a:pPr/>
-              <a:t>3</a:t>
-            </a:fld>
-            <a:endParaRPr lang="en-US" dirty="0"/>
-          </a:p>
-        </p:txBody>
-      </p:sp>
-      <p:sp>
-        <p:nvSpPr>
-          <p:cNvPr id="3" name="Content Placeholder 2">
-            <a:extLst>
-              <a:ext uri="{FF2B5EF4-FFF2-40B4-BE49-F238E27FC236}">
-                <a16:creationId xmlns:a16="http://schemas.microsoft.com/office/drawing/2014/main" id="{D33722FD-312A-7AE9-198C-F68F7F56E3B6}"/>
-              </a:ext>
-            </a:extLst>
-          </p:cNvPr>
-          <p:cNvSpPr>
-            <a:spLocks noGrp="1"/>
-          </p:cNvSpPr>
-          <p:nvPr>
-            <p:ph idx="13"/>
-          </p:nvPr>
-        </p:nvSpPr>
-        <p:spPr/>
-        <p:txBody>
-          <a:bodyPr/>
-          <a:lstStyle/>
-          <a:p>
-            <a:r>
-              <a:rPr lang="en-US" dirty="0"/>
-              <a:t>Commit often.</a:t>
-            </a:r>
-          </a:p>
-          <a:p>
-            <a:r>
-              <a:rPr lang="en-US" dirty="0"/>
-              <a:t>Keep the content of each commit as single-purpose as possible.</a:t>
-            </a:r>
-          </a:p>
-          <a:p>
-            <a:r>
-              <a:rPr lang="en-US" dirty="0"/>
-              <a:t>Write clear commit messages describing the content of the commits.</a:t>
-            </a:r>
-          </a:p>
-          <a:p>
-            <a:r>
-              <a:rPr lang="en-US" dirty="0"/>
-              <a:t>Develop separate features in separate branches. These branches can be cascaded or from the same commit-in-common.</a:t>
-            </a:r>
-          </a:p>
-          <a:p>
-            <a:r>
-              <a:rPr lang="en-US" dirty="0"/>
-              <a:t>Review as many PRs as makes sense for you.</a:t>
-            </a:r>
-          </a:p>
-          <a:p>
-            <a:r>
-              <a:rPr lang="en-US" dirty="0"/>
-              <a:t>Review the project’s community files (e.g., CONTRIBUTING, README).</a:t>
-            </a:r>
-          </a:p>
-          <a:p>
-            <a:r>
-              <a:rPr lang="en-US" dirty="0"/>
-              <a:t>Different projects have different needs at different times.</a:t>
-            </a:r>
-          </a:p>
-          <a:p>
-            <a:r>
-              <a:rPr lang="en-US" dirty="0"/>
-              <a:t>If you have a suggestion, share your suggestion.</a:t>
-            </a:r>
-          </a:p>
-          <a:p>
-            <a:r>
-              <a:rPr lang="en-US" dirty="0"/>
-              <a:t>If you have a question, ask.</a:t>
-            </a:r>
-          </a:p>
-        </p:txBody>
-      </p:sp>
-      <p:sp>
-        <p:nvSpPr>
-          <p:cNvPr id="4" name="Title 3">
-            <a:extLst>
-              <a:ext uri="{FF2B5EF4-FFF2-40B4-BE49-F238E27FC236}">
-                <a16:creationId xmlns:a16="http://schemas.microsoft.com/office/drawing/2014/main" id="{11FFB598-C372-126A-2D38-7248998EDC87}"/>
-              </a:ext>
-            </a:extLst>
-          </p:cNvPr>
-          <p:cNvSpPr>
-            <a:spLocks noGrp="1"/>
-          </p:cNvSpPr>
-          <p:nvPr>
-            <p:ph type="title"/>
-          </p:nvPr>
-        </p:nvSpPr>
-        <p:spPr/>
-        <p:txBody>
-          <a:bodyPr/>
-          <a:lstStyle/>
-          <a:p>
-            <a:r>
-              <a:rPr lang="en-US" dirty="0"/>
-              <a:t>General advice</a:t>
-            </a:r>
-          </a:p>
-        </p:txBody>
-      </p:sp>
-    </p:spTree>
-    <p:extLst>
-      <p:ext uri="{BB962C8B-B14F-4D97-AF65-F5344CB8AC3E}">
-        <p14:creationId xmlns:p14="http://schemas.microsoft.com/office/powerpoint/2010/main" val="1262887912"/>
-      </p:ext>
-    </p:extLst>
-  </p:cSld>
-  <p:clrMapOvr>
-    <a:masterClrMapping/>
-  </p:clrMapOvr>
-</p:sld>
-</file>
-
 <file path=ppt/slides/slide4.xml><?xml version="1.0" encoding="utf-8"?>
 <p:sld xmlns:a="http://schemas.openxmlformats.org/drawingml/2006/main" xmlns:r="http://schemas.openxmlformats.org/officeDocument/2006/relationships" xmlns:p="http://schemas.openxmlformats.org/presentationml/2006/main">
   <p:cSld>
@@ -7774,10 +9537,10 @@
       </p:grpSpPr>
       <p:sp>
         <p:nvSpPr>
-          <p:cNvPr id="2" name="Title 1">
-            <a:extLst>
-              <a:ext uri="{FF2B5EF4-FFF2-40B4-BE49-F238E27FC236}">
-                <a16:creationId xmlns:a16="http://schemas.microsoft.com/office/drawing/2014/main" id="{943A07D4-7620-696D-16E9-EA502403BBE3}"/>
+          <p:cNvPr id="2" name="Slide Number Placeholder 1">
+            <a:extLst>
+              <a:ext uri="{FF2B5EF4-FFF2-40B4-BE49-F238E27FC236}">
+                <a16:creationId xmlns:a16="http://schemas.microsoft.com/office/drawing/2014/main" id="{91917C69-1106-10D3-BACA-4D339E77B442}"/>
               </a:ext>
             </a:extLst>
           </p:cNvPr>
@@ -7785,7 +9548,7 @@
             <a:spLocks noGrp="1"/>
           </p:cNvSpPr>
           <p:nvPr>
-            <p:ph type="ctrTitle"/>
+            <p:ph type="sldNum" sz="quarter" idx="12"/>
           </p:nvPr>
         </p:nvSpPr>
         <p:spPr/>
@@ -7795,17 +9558,20 @@
           <a:p>
             <a:r>
               <a:rPr lang="en-US" dirty="0"/>
-              <a:t>Why?</a:t>
-            </a:r>
-          </a:p>
-        </p:txBody>
-      </p:sp>
-      <p:sp>
-        <p:nvSpPr>
-          <p:cNvPr id="3" name="Text Placeholder 2">
-            <a:extLst>
-              <a:ext uri="{FF2B5EF4-FFF2-40B4-BE49-F238E27FC236}">
-                <a16:creationId xmlns:a16="http://schemas.microsoft.com/office/drawing/2014/main" id="{F5A51FBF-76E6-FE96-FEF2-B58C6FE5446A}"/>
+              <a:t>collaborative programming with GitHub</a:t>
+            </a:r>
+          </a:p>
+          <a:p>
+            <a:endParaRPr lang="en-US" dirty="0"/>
+          </a:p>
+        </p:txBody>
+      </p:sp>
+      <p:sp>
+        <p:nvSpPr>
+          <p:cNvPr id="3" name="Title 2">
+            <a:extLst>
+              <a:ext uri="{FF2B5EF4-FFF2-40B4-BE49-F238E27FC236}">
+                <a16:creationId xmlns:a16="http://schemas.microsoft.com/office/drawing/2014/main" id="{C8298E4E-5CBB-6381-55E4-ACECB5698BC1}"/>
               </a:ext>
             </a:extLst>
           </p:cNvPr>
@@ -7813,7 +9579,7 @@
             <a:spLocks noGrp="1"/>
           </p:cNvSpPr>
           <p:nvPr>
-            <p:ph type="body" sz="quarter" idx="10"/>
+            <p:ph type="title"/>
           </p:nvPr>
         </p:nvSpPr>
         <p:spPr/>
@@ -7823,7 +9589,117 @@
           <a:p>
             <a:r>
               <a:rPr lang="en-US" dirty="0"/>
-              <a:t>Collaborative programming with GitHub</a:t>
+              <a:t>Code readability decreases with time and distance</a:t>
+            </a:r>
+          </a:p>
+        </p:txBody>
+      </p:sp>
+      <p:pic>
+        <p:nvPicPr>
+          <p:cNvPr id="6" name="Picture 5">
+            <a:extLst>
+              <a:ext uri="{FF2B5EF4-FFF2-40B4-BE49-F238E27FC236}">
+                <a16:creationId xmlns:a16="http://schemas.microsoft.com/office/drawing/2014/main" id="{0538718B-274D-BD05-A90D-D6429693E485}"/>
+              </a:ext>
+            </a:extLst>
+          </p:cNvPr>
+          <p:cNvPicPr>
+            <a:picLocks noChangeAspect="1"/>
+          </p:cNvPicPr>
+          <p:nvPr/>
+        </p:nvPicPr>
+        <p:blipFill>
+          <a:blip r:embed="rId2"/>
+          <a:stretch>
+            <a:fillRect/>
+          </a:stretch>
+        </p:blipFill>
+        <p:spPr>
+          <a:xfrm>
+            <a:off x="2209800" y="2129899"/>
+            <a:ext cx="7772400" cy="1299101"/>
+          </a:xfrm>
+          <a:prstGeom prst="rect">
+            <a:avLst/>
+          </a:prstGeom>
+        </p:spPr>
+      </p:pic>
+      <p:sp>
+        <p:nvSpPr>
+          <p:cNvPr id="10" name="TextBox 9">
+            <a:extLst>
+              <a:ext uri="{FF2B5EF4-FFF2-40B4-BE49-F238E27FC236}">
+                <a16:creationId xmlns:a16="http://schemas.microsoft.com/office/drawing/2014/main" id="{AE96AB05-0DDF-D7C6-2A44-3A44CF09689E}"/>
+              </a:ext>
+            </a:extLst>
+          </p:cNvPr>
+          <p:cNvSpPr txBox="1"/>
+          <p:nvPr/>
+        </p:nvSpPr>
+        <p:spPr>
+          <a:xfrm>
+            <a:off x="2209800" y="3429000"/>
+            <a:ext cx="7772400" cy="646331"/>
+          </a:xfrm>
+          <a:prstGeom prst="rect">
+            <a:avLst/>
+          </a:prstGeom>
+          <a:noFill/>
+        </p:spPr>
+        <p:txBody>
+          <a:bodyPr wrap="square">
+            <a:spAutoFit/>
+          </a:bodyPr>
+          <a:lstStyle/>
+          <a:p>
+            <a:r>
+              <a:rPr lang="en-US" dirty="0">
+                <a:effectLst/>
+              </a:rPr>
+              <a:t>― </a:t>
+            </a:r>
+            <a:r>
+              <a:rPr lang="en-US" dirty="0" err="1">
+                <a:effectLst/>
+              </a:rPr>
+              <a:t>Hunner</a:t>
+            </a:r>
+            <a:r>
+              <a:rPr lang="en-US" dirty="0">
+                <a:effectLst/>
+              </a:rPr>
+              <a:t>, Trey. “Craft Your Python Like Poetry.” </a:t>
+            </a:r>
+            <a:r>
+              <a:rPr lang="en-US" i="1" dirty="0">
+                <a:effectLst/>
+              </a:rPr>
+              <a:t>Trey </a:t>
+            </a:r>
+            <a:r>
+              <a:rPr lang="en-US" i="1" dirty="0" err="1">
+                <a:effectLst/>
+              </a:rPr>
+              <a:t>Hunner</a:t>
+            </a:r>
+            <a:r>
+              <a:rPr lang="en-US" dirty="0">
+                <a:effectLst/>
+              </a:rPr>
+              <a:t>, July 23, 2017. </a:t>
+            </a:r>
+            <a:r>
+              <a:rPr lang="en-US" dirty="0">
+                <a:effectLst/>
+                <a:hlinkClick r:id="rId3"/>
+              </a:rPr>
+              <a:t>https://treyhunner.com/2017/07/craft-your-python-like-poetry/</a:t>
+            </a:r>
+            <a:r>
+              <a:rPr lang="en-US" dirty="0">
+                <a:effectLst/>
+              </a:rPr>
+              <a:t>.</a:t>
             </a:r>
           </a:p>
         </p:txBody>
@@ -7831,7 +9707,7 @@
     </p:spTree>
     <p:extLst>
       <p:ext uri="{BB962C8B-B14F-4D97-AF65-F5344CB8AC3E}">
-        <p14:creationId xmlns:p14="http://schemas.microsoft.com/office/powerpoint/2010/main" val="2247626856"/>
+        <p14:creationId xmlns:p14="http://schemas.microsoft.com/office/powerpoint/2010/main" val="1829303676"/>
       </p:ext>
     </p:extLst>
   </p:cSld>
@@ -7863,7 +9739,7 @@
           <p:cNvPr id="2" name="Slide Number Placeholder 1">
             <a:extLst>
               <a:ext uri="{FF2B5EF4-FFF2-40B4-BE49-F238E27FC236}">
-                <a16:creationId xmlns:a16="http://schemas.microsoft.com/office/drawing/2014/main" id="{91917C69-1106-10D3-BACA-4D339E77B442}"/>
+                <a16:creationId xmlns:a16="http://schemas.microsoft.com/office/drawing/2014/main" id="{F0DCF673-AFF8-1561-737A-44873AB2213E}"/>
               </a:ext>
             </a:extLst>
           </p:cNvPr>
@@ -7879,49 +9755,22 @@
           <a:bodyPr/>
           <a:lstStyle/>
           <a:p>
-            <a:fld id="{B700F21C-8F8F-42F3-B54E-DA825E538004}" type="slidenum">
-              <a:rPr lang="en-US" smtClean="0"/>
-              <a:pPr/>
-              <a:t>5</a:t>
-            </a:fld>
+            <a:r>
+              <a:rPr lang="en-US" dirty="0"/>
+              <a:t>collaborative programming with GitHub</a:t>
+            </a:r>
+          </a:p>
+          <a:p>
             <a:endParaRPr lang="en-US" dirty="0"/>
-          </a:p>
-        </p:txBody>
-      </p:sp>
-      <p:sp>
-        <p:nvSpPr>
-          <p:cNvPr id="3" name="Title 2">
-            <a:extLst>
-              <a:ext uri="{FF2B5EF4-FFF2-40B4-BE49-F238E27FC236}">
-                <a16:creationId xmlns:a16="http://schemas.microsoft.com/office/drawing/2014/main" id="{C8298E4E-5CBB-6381-55E4-ACECB5698BC1}"/>
-              </a:ext>
-            </a:extLst>
-          </p:cNvPr>
-          <p:cNvSpPr>
-            <a:spLocks noGrp="1"/>
-          </p:cNvSpPr>
-          <p:nvPr>
-            <p:ph type="title"/>
-          </p:nvPr>
-        </p:nvSpPr>
-        <p:spPr/>
-        <p:txBody>
-          <a:bodyPr/>
-          <a:lstStyle/>
-          <a:p>
-            <a:r>
-              <a:rPr lang="en-US" dirty="0"/>
-              <a:t>Code readability decreases with time and distance</a:t>
-            </a:r>
           </a:p>
         </p:txBody>
       </p:sp>
       <p:pic>
         <p:nvPicPr>
-          <p:cNvPr id="6" name="Picture 5">
-            <a:extLst>
-              <a:ext uri="{FF2B5EF4-FFF2-40B4-BE49-F238E27FC236}">
-                <a16:creationId xmlns:a16="http://schemas.microsoft.com/office/drawing/2014/main" id="{0538718B-274D-BD05-A90D-D6429693E485}"/>
+          <p:cNvPr id="4" name="Picture 3">
+            <a:extLst>
+              <a:ext uri="{FF2B5EF4-FFF2-40B4-BE49-F238E27FC236}">
+                <a16:creationId xmlns:a16="http://schemas.microsoft.com/office/drawing/2014/main" id="{CCC2F4A3-04BB-FF3F-00A6-CD5A3A0ECDDB}"/>
               </a:ext>
             </a:extLst>
           </p:cNvPr>
@@ -7938,8 +9787,8 @@
         </p:blipFill>
         <p:spPr>
           <a:xfrm>
-            <a:off x="2209800" y="2129899"/>
-            <a:ext cx="7772400" cy="1299101"/>
+            <a:off x="2209800" y="1070916"/>
+            <a:ext cx="7772400" cy="4716167"/>
           </a:xfrm>
           <a:prstGeom prst="rect">
             <a:avLst/>
@@ -7948,10 +9797,10 @@
       </p:pic>
       <p:sp>
         <p:nvSpPr>
-          <p:cNvPr id="10" name="TextBox 9">
-            <a:extLst>
-              <a:ext uri="{FF2B5EF4-FFF2-40B4-BE49-F238E27FC236}">
-                <a16:creationId xmlns:a16="http://schemas.microsoft.com/office/drawing/2014/main" id="{AE96AB05-0DDF-D7C6-2A44-3A44CF09689E}"/>
+          <p:cNvPr id="6" name="TextBox 5">
+            <a:extLst>
+              <a:ext uri="{FF2B5EF4-FFF2-40B4-BE49-F238E27FC236}">
+                <a16:creationId xmlns:a16="http://schemas.microsoft.com/office/drawing/2014/main" id="{8A5EE669-DA9D-94AD-35B3-C02B1514A7C8}"/>
               </a:ext>
             </a:extLst>
           </p:cNvPr>
@@ -7960,8 +9809,8 @@
         </p:nvSpPr>
         <p:spPr>
           <a:xfrm>
-            <a:off x="2209800" y="3429000"/>
-            <a:ext cx="7772400" cy="646331"/>
+            <a:off x="2209800" y="5615586"/>
+            <a:ext cx="9075234" cy="923330"/>
           </a:xfrm>
           <a:prstGeom prst="rect">
             <a:avLst/>
@@ -7978,50 +9827,65 @@
               <a:rPr lang="en-US" dirty="0">
                 <a:effectLst/>
               </a:rPr>
-              <a:t>― </a:t>
-            </a:r>
-            <a:r>
-              <a:rPr lang="en-US" dirty="0" err="1">
-                <a:effectLst/>
-              </a:rPr>
-              <a:t>Hunner</a:t>
+              <a:t>― Singer, Ryan. “Scope Grows like Grass.” In </a:t>
+            </a:r>
+            <a:r>
+              <a:rPr lang="en-US" i="1" dirty="0">
+                <a:effectLst/>
+              </a:rPr>
+              <a:t>Shape Up: Stop Running in Circles and Ship Work That Matters</a:t>
             </a:r>
             <a:r>
               <a:rPr lang="en-US" dirty="0">
                 <a:effectLst/>
               </a:rPr>
-              <a:t>, Trey. “Craft Your Python Like Poetry.” </a:t>
-            </a:r>
-            <a:r>
-              <a:rPr lang="en-US" i="1" dirty="0">
-                <a:effectLst/>
-              </a:rPr>
-              <a:t>Trey </a:t>
-            </a:r>
-            <a:r>
-              <a:rPr lang="en-US" i="1" dirty="0" err="1">
-                <a:effectLst/>
-              </a:rPr>
-              <a:t>Hunner</a:t>
+              <a:t>, 2024. </a:t>
             </a:r>
             <a:r>
               <a:rPr lang="en-US" dirty="0">
                 <a:effectLst/>
-              </a:rPr>
-              <a:t>, July 23, 2017. </a:t>
+                <a:hlinkClick r:id="rId3"/>
+              </a:rPr>
+              <a:t>https://basecamp.com/shapeup/3.5-chapter-14#scope-grows-like-grass</a:t>
             </a:r>
             <a:r>
               <a:rPr lang="en-US" dirty="0">
                 <a:effectLst/>
-                <a:hlinkClick r:id="rId3"/>
-              </a:rPr>
-              <a:t>https://treyhunner.com/2017/07/craft-your-python-like-poetry/</a:t>
-            </a:r>
-            <a:r>
-              <a:rPr lang="en-US" dirty="0">
-                <a:effectLst/>
               </a:rPr>
               <a:t>.</a:t>
+            </a:r>
+          </a:p>
+        </p:txBody>
+      </p:sp>
+      <p:sp>
+        <p:nvSpPr>
+          <p:cNvPr id="7" name="Title 3">
+            <a:extLst>
+              <a:ext uri="{FF2B5EF4-FFF2-40B4-BE49-F238E27FC236}">
+                <a16:creationId xmlns:a16="http://schemas.microsoft.com/office/drawing/2014/main" id="{FBC62AF3-2656-852E-FFCE-11127D52EE76}"/>
+              </a:ext>
+            </a:extLst>
+          </p:cNvPr>
+          <p:cNvSpPr>
+            <a:spLocks noGrp="1"/>
+          </p:cNvSpPr>
+          <p:nvPr>
+            <p:ph type="title"/>
+          </p:nvPr>
+        </p:nvSpPr>
+        <p:spPr>
+          <a:xfrm>
+            <a:off x="403010" y="319084"/>
+            <a:ext cx="11385980" cy="704405"/>
+          </a:xfrm>
+        </p:spPr>
+        <p:txBody>
+          <a:bodyPr/>
+          <a:lstStyle/>
+          <a:p>
+            <a:r>
+              <a:rPr lang="en-US" dirty="0"/>
+              <a:t>Scope is hard to manage</a:t>
             </a:r>
           </a:p>
         </p:txBody>
@@ -8029,7 +9893,7 @@
     </p:spTree>
     <p:extLst>
       <p:ext uri="{BB962C8B-B14F-4D97-AF65-F5344CB8AC3E}">
-        <p14:creationId xmlns:p14="http://schemas.microsoft.com/office/powerpoint/2010/main" val="1829303676"/>
+        <p14:creationId xmlns:p14="http://schemas.microsoft.com/office/powerpoint/2010/main" val="3632030909"/>
       </p:ext>
     </p:extLst>
   </p:cSld>
@@ -8061,7 +9925,7 @@
           <p:cNvPr id="2" name="Slide Number Placeholder 1">
             <a:extLst>
               <a:ext uri="{FF2B5EF4-FFF2-40B4-BE49-F238E27FC236}">
-                <a16:creationId xmlns:a16="http://schemas.microsoft.com/office/drawing/2014/main" id="{F0DCF673-AFF8-1561-737A-44873AB2213E}"/>
+                <a16:creationId xmlns:a16="http://schemas.microsoft.com/office/drawing/2014/main" id="{E7BC2CDB-11D8-BCF1-C43E-5F75202F44BC}"/>
               </a:ext>
             </a:extLst>
           </p:cNvPr>
@@ -8072,17 +9936,20 @@
             <p:ph type="sldNum" sz="quarter" idx="12"/>
           </p:nvPr>
         </p:nvSpPr>
-        <p:spPr/>
+        <p:spPr>
+          <a:xfrm>
+            <a:off x="8836156" y="6475556"/>
+            <a:ext cx="2937933" cy="277617"/>
+          </a:xfrm>
+        </p:spPr>
         <p:txBody>
           <a:bodyPr/>
           <a:lstStyle/>
           <a:p>
-            <a:fld id="{B700F21C-8F8F-42F3-B54E-DA825E538004}" type="slidenum">
-              <a:rPr lang="en-US" smtClean="0"/>
-              <a:pPr/>
-              <a:t>6</a:t>
-            </a:fld>
-            <a:endParaRPr lang="en-US" dirty="0"/>
+            <a:r>
+              <a:rPr lang="en-US" dirty="0"/>
+              <a:t>collaborative programming with GitHub</a:t>
+            </a:r>
           </a:p>
         </p:txBody>
       </p:sp>
@@ -8091,7 +9958,7 @@
           <p:cNvPr id="4" name="Picture 3">
             <a:extLst>
               <a:ext uri="{FF2B5EF4-FFF2-40B4-BE49-F238E27FC236}">
-                <a16:creationId xmlns:a16="http://schemas.microsoft.com/office/drawing/2014/main" id="{CCC2F4A3-04BB-FF3F-00A6-CD5A3A0ECDDB}"/>
+                <a16:creationId xmlns:a16="http://schemas.microsoft.com/office/drawing/2014/main" id="{934F7BD7-7E90-A5E5-4D8B-3D67DEFFA07E}"/>
               </a:ext>
             </a:extLst>
           </p:cNvPr>
@@ -8108,8 +9975,8 @@
         </p:blipFill>
         <p:spPr>
           <a:xfrm>
-            <a:off x="2209800" y="1070916"/>
-            <a:ext cx="7772400" cy="4716167"/>
+            <a:off x="2209800" y="777243"/>
+            <a:ext cx="7772400" cy="4624086"/>
           </a:xfrm>
           <a:prstGeom prst="rect">
             <a:avLst/>
@@ -8118,10 +9985,10 @@
       </p:pic>
       <p:sp>
         <p:nvSpPr>
-          <p:cNvPr id="6" name="TextBox 5">
-            <a:extLst>
-              <a:ext uri="{FF2B5EF4-FFF2-40B4-BE49-F238E27FC236}">
-                <a16:creationId xmlns:a16="http://schemas.microsoft.com/office/drawing/2014/main" id="{8A5EE669-DA9D-94AD-35B3-C02B1514A7C8}"/>
+          <p:cNvPr id="5" name="TextBox 4">
+            <a:extLst>
+              <a:ext uri="{FF2B5EF4-FFF2-40B4-BE49-F238E27FC236}">
+                <a16:creationId xmlns:a16="http://schemas.microsoft.com/office/drawing/2014/main" id="{7A4086BB-AFBD-0F02-1B33-A5582F6032BC}"/>
               </a:ext>
             </a:extLst>
           </p:cNvPr>
@@ -8130,7 +9997,7 @@
         </p:nvSpPr>
         <p:spPr>
           <a:xfrm>
-            <a:off x="2209800" y="5615586"/>
+            <a:off x="2209800" y="5401329"/>
             <a:ext cx="9075234" cy="923330"/>
           </a:xfrm>
           <a:prstGeom prst="rect">
@@ -8148,7 +10015,7 @@
               <a:rPr lang="en-US" dirty="0">
                 <a:effectLst/>
               </a:rPr>
-              <a:t>― Singer, Ryan. “Scope Grows like Grass.” In </a:t>
+              <a:t>― Singer, Ryan. “Cutting scope isn’t lowering quality.” In </a:t>
             </a:r>
             <a:r>
               <a:rPr lang="en-US" i="1" dirty="0">
@@ -8167,7 +10034,7 @@
                 <a:effectLst/>
                 <a:hlinkClick r:id="rId3"/>
               </a:rPr>
-              <a:t>https://basecamp.com/shapeup/3.5-chapter-14#scope-grows-like-grass</a:t>
+              <a:t>https://basecamp.com/shapeup/3.5-chapter-14#cutting-scope-isnt-lowering-quality</a:t>
             </a:r>
             <a:r>
               <a:rPr lang="en-US" dirty="0">
@@ -8180,10 +10047,10 @@
       </p:sp>
       <p:sp>
         <p:nvSpPr>
-          <p:cNvPr id="7" name="Title 3">
-            <a:extLst>
-              <a:ext uri="{FF2B5EF4-FFF2-40B4-BE49-F238E27FC236}">
-                <a16:creationId xmlns:a16="http://schemas.microsoft.com/office/drawing/2014/main" id="{FBC62AF3-2656-852E-FFCE-11127D52EE76}"/>
+          <p:cNvPr id="6" name="Title 3">
+            <a:extLst>
+              <a:ext uri="{FF2B5EF4-FFF2-40B4-BE49-F238E27FC236}">
+                <a16:creationId xmlns:a16="http://schemas.microsoft.com/office/drawing/2014/main" id="{13375B29-E68E-CDD2-4D27-BB12E72D6FC4}"/>
               </a:ext>
             </a:extLst>
           </p:cNvPr>
@@ -8206,7 +10073,7 @@
           <a:p>
             <a:r>
               <a:rPr lang="en-US" dirty="0"/>
-              <a:t>Scope is hard to manage</a:t>
+              <a:t>Scope needs to be managed</a:t>
             </a:r>
           </a:p>
         </p:txBody>
@@ -8214,7 +10081,7 @@
     </p:spTree>
     <p:extLst>
       <p:ext uri="{BB962C8B-B14F-4D97-AF65-F5344CB8AC3E}">
-        <p14:creationId xmlns:p14="http://schemas.microsoft.com/office/powerpoint/2010/main" val="3632030909"/>
+        <p14:creationId xmlns:p14="http://schemas.microsoft.com/office/powerpoint/2010/main" val="3303985902"/>
       </p:ext>
     </p:extLst>
   </p:cSld>
@@ -8246,7 +10113,7 @@
           <p:cNvPr id="2" name="Slide Number Placeholder 1">
             <a:extLst>
               <a:ext uri="{FF2B5EF4-FFF2-40B4-BE49-F238E27FC236}">
-                <a16:creationId xmlns:a16="http://schemas.microsoft.com/office/drawing/2014/main" id="{E7BC2CDB-11D8-BCF1-C43E-5F75202F44BC}"/>
+                <a16:creationId xmlns:a16="http://schemas.microsoft.com/office/drawing/2014/main" id="{3B59A1A3-063E-ADA2-B8B2-B7C86C427268}"/>
               </a:ext>
             </a:extLst>
           </p:cNvPr>
@@ -8257,26 +10124,119 @@
             <p:ph type="sldNum" sz="quarter" idx="12"/>
           </p:nvPr>
         </p:nvSpPr>
-        <p:spPr/>
+        <p:spPr>
+          <a:xfrm>
+            <a:off x="8836156" y="6475556"/>
+            <a:ext cx="2937933" cy="277617"/>
+          </a:xfrm>
+        </p:spPr>
         <p:txBody>
           <a:bodyPr/>
           <a:lstStyle/>
           <a:p>
-            <a:fld id="{B700F21C-8F8F-42F3-B54E-DA825E538004}" type="slidenum">
-              <a:rPr lang="en-US" smtClean="0"/>
-              <a:pPr/>
-              <a:t>7</a:t>
-            </a:fld>
-            <a:endParaRPr lang="en-US" dirty="0"/>
+            <a:r>
+              <a:rPr lang="en-US" dirty="0"/>
+              <a:t>collaborative programming with GitHub</a:t>
+            </a:r>
+          </a:p>
+        </p:txBody>
+      </p:sp>
+      <p:sp>
+        <p:nvSpPr>
+          <p:cNvPr id="3" name="Title 2">
+            <a:extLst>
+              <a:ext uri="{FF2B5EF4-FFF2-40B4-BE49-F238E27FC236}">
+                <a16:creationId xmlns:a16="http://schemas.microsoft.com/office/drawing/2014/main" id="{0F07D596-4136-DC43-B4EB-F50462154A83}"/>
+              </a:ext>
+            </a:extLst>
+          </p:cNvPr>
+          <p:cNvSpPr>
+            <a:spLocks noGrp="1"/>
+          </p:cNvSpPr>
+          <p:nvPr>
+            <p:ph type="title"/>
+          </p:nvPr>
+        </p:nvSpPr>
+        <p:spPr/>
+        <p:txBody>
+          <a:bodyPr/>
+          <a:lstStyle/>
+          <a:p>
+            <a:r>
+              <a:rPr lang="en-US" dirty="0"/>
+              <a:t>Scope needs to be managed</a:t>
+            </a:r>
+          </a:p>
+        </p:txBody>
+      </p:sp>
+      <p:sp>
+        <p:nvSpPr>
+          <p:cNvPr id="9" name="TextBox 8">
+            <a:extLst>
+              <a:ext uri="{FF2B5EF4-FFF2-40B4-BE49-F238E27FC236}">
+                <a16:creationId xmlns:a16="http://schemas.microsoft.com/office/drawing/2014/main" id="{0C2CD437-4EED-D26C-3E91-E5EA4906CB2E}"/>
+              </a:ext>
+            </a:extLst>
+          </p:cNvPr>
+          <p:cNvSpPr txBox="1"/>
+          <p:nvPr/>
+        </p:nvSpPr>
+        <p:spPr>
+          <a:xfrm>
+            <a:off x="403010" y="4028279"/>
+            <a:ext cx="8433146" cy="923330"/>
+          </a:xfrm>
+          <a:prstGeom prst="rect">
+            <a:avLst/>
+          </a:prstGeom>
+          <a:noFill/>
+        </p:spPr>
+        <p:txBody>
+          <a:bodyPr wrap="square">
+            <a:spAutoFit/>
+          </a:bodyPr>
+          <a:lstStyle/>
+          <a:p>
+            <a:r>
+              <a:rPr lang="en-US" dirty="0">
+                <a:effectLst/>
+              </a:rPr>
+              <a:t>― Raymond, Eric Steven. “Basics of the Unix Philosophy.” In </a:t>
+            </a:r>
+            <a:r>
+              <a:rPr lang="en-US" i="1" dirty="0">
+                <a:effectLst/>
+              </a:rPr>
+              <a:t>The Art of Unix Programming</a:t>
+            </a:r>
+            <a:r>
+              <a:rPr lang="en-US" dirty="0">
+                <a:effectLst/>
+              </a:rPr>
+              <a:t>, Revision 1.0., 2003. </a:t>
+            </a:r>
+            <a:r>
+              <a:rPr lang="en-US" dirty="0">
+                <a:effectLst/>
+                <a:hlinkClick r:id="rId2"/>
+              </a:rPr>
+              <a:t>http://www.catb.org/~esr/writings/taoup/html/ch01s06.html</a:t>
+            </a:r>
+            <a:r>
+              <a:rPr lang="en-US" dirty="0">
+                <a:effectLst/>
+              </a:rPr>
+              <a:t>.</a:t>
+            </a:r>
           </a:p>
         </p:txBody>
       </p:sp>
       <p:pic>
         <p:nvPicPr>
-          <p:cNvPr id="4" name="Picture 3">
-            <a:extLst>
-              <a:ext uri="{FF2B5EF4-FFF2-40B4-BE49-F238E27FC236}">
-                <a16:creationId xmlns:a16="http://schemas.microsoft.com/office/drawing/2014/main" id="{934F7BD7-7E90-A5E5-4D8B-3D67DEFFA07E}"/>
+          <p:cNvPr id="10" name="Picture 9">
+            <a:extLst>
+              <a:ext uri="{FF2B5EF4-FFF2-40B4-BE49-F238E27FC236}">
+                <a16:creationId xmlns:a16="http://schemas.microsoft.com/office/drawing/2014/main" id="{7B0069F6-D5B6-CD24-F839-37BBEF9C610C}"/>
               </a:ext>
             </a:extLst>
           </p:cNvPr>
@@ -8286,120 +10246,25 @@
           <p:nvPr/>
         </p:nvPicPr>
         <p:blipFill>
-          <a:blip r:embed="rId2"/>
+          <a:blip r:embed="rId3"/>
           <a:stretch>
             <a:fillRect/>
           </a:stretch>
         </p:blipFill>
         <p:spPr>
           <a:xfrm>
-            <a:off x="2209800" y="777243"/>
-            <a:ext cx="7772400" cy="4624086"/>
+            <a:off x="403010" y="1324836"/>
+            <a:ext cx="7772400" cy="2703443"/>
           </a:xfrm>
           <a:prstGeom prst="rect">
             <a:avLst/>
           </a:prstGeom>
         </p:spPr>
       </p:pic>
-      <p:sp>
-        <p:nvSpPr>
-          <p:cNvPr id="5" name="TextBox 4">
-            <a:extLst>
-              <a:ext uri="{FF2B5EF4-FFF2-40B4-BE49-F238E27FC236}">
-                <a16:creationId xmlns:a16="http://schemas.microsoft.com/office/drawing/2014/main" id="{7A4086BB-AFBD-0F02-1B33-A5582F6032BC}"/>
-              </a:ext>
-            </a:extLst>
-          </p:cNvPr>
-          <p:cNvSpPr txBox="1"/>
-          <p:nvPr/>
-        </p:nvSpPr>
-        <p:spPr>
-          <a:xfrm>
-            <a:off x="2209800" y="5401329"/>
-            <a:ext cx="9075234" cy="923330"/>
-          </a:xfrm>
-          <a:prstGeom prst="rect">
-            <a:avLst/>
-          </a:prstGeom>
-          <a:noFill/>
-        </p:spPr>
-        <p:txBody>
-          <a:bodyPr wrap="square">
-            <a:spAutoFit/>
-          </a:bodyPr>
-          <a:lstStyle/>
-          <a:p>
-            <a:r>
-              <a:rPr lang="en-US" dirty="0">
-                <a:effectLst/>
-              </a:rPr>
-              <a:t>― Singer, Ryan. “Cutting scope isn’t lowering quality.” In </a:t>
-            </a:r>
-            <a:r>
-              <a:rPr lang="en-US" i="1" dirty="0">
-                <a:effectLst/>
-              </a:rPr>
-              <a:t>Shape Up: Stop Running in Circles and Ship Work That Matters</a:t>
-            </a:r>
-            <a:r>
-              <a:rPr lang="en-US" dirty="0">
-                <a:effectLst/>
-              </a:rPr>
-              <a:t>, 2024. </a:t>
-            </a:r>
-            <a:r>
-              <a:rPr lang="en-US" dirty="0">
-                <a:effectLst/>
-                <a:hlinkClick r:id="rId3"/>
-              </a:rPr>
-              <a:t>https://basecamp.com/shapeup/3.5-chapter-14#cutting-scope-isnt-lowering-quality</a:t>
-            </a:r>
-            <a:r>
-              <a:rPr lang="en-US" dirty="0">
-                <a:effectLst/>
-              </a:rPr>
-              <a:t>.</a:t>
-            </a:r>
-          </a:p>
-        </p:txBody>
-      </p:sp>
-      <p:sp>
-        <p:nvSpPr>
-          <p:cNvPr id="6" name="Title 3">
-            <a:extLst>
-              <a:ext uri="{FF2B5EF4-FFF2-40B4-BE49-F238E27FC236}">
-                <a16:creationId xmlns:a16="http://schemas.microsoft.com/office/drawing/2014/main" id="{13375B29-E68E-CDD2-4D27-BB12E72D6FC4}"/>
-              </a:ext>
-            </a:extLst>
-          </p:cNvPr>
-          <p:cNvSpPr>
-            <a:spLocks noGrp="1"/>
-          </p:cNvSpPr>
-          <p:nvPr>
-            <p:ph type="title"/>
-          </p:nvPr>
-        </p:nvSpPr>
-        <p:spPr>
-          <a:xfrm>
-            <a:off x="403010" y="319084"/>
-            <a:ext cx="11385980" cy="704405"/>
-          </a:xfrm>
-        </p:spPr>
-        <p:txBody>
-          <a:bodyPr/>
-          <a:lstStyle/>
-          <a:p>
-            <a:r>
-              <a:rPr lang="en-US" dirty="0"/>
-              <a:t>Scope needs to be managed</a:t>
-            </a:r>
-          </a:p>
-        </p:txBody>
-      </p:sp>
     </p:spTree>
     <p:extLst>
       <p:ext uri="{BB962C8B-B14F-4D97-AF65-F5344CB8AC3E}">
-        <p14:creationId xmlns:p14="http://schemas.microsoft.com/office/powerpoint/2010/main" val="3303985902"/>
+        <p14:creationId xmlns:p14="http://schemas.microsoft.com/office/powerpoint/2010/main" val="1965552801"/>
       </p:ext>
     </p:extLst>
   </p:cSld>
@@ -8442,17 +10307,20 @@
             <p:ph type="sldNum" sz="quarter" idx="12"/>
           </p:nvPr>
         </p:nvSpPr>
-        <p:spPr/>
+        <p:spPr>
+          <a:xfrm>
+            <a:off x="8836156" y="6475556"/>
+            <a:ext cx="2937933" cy="277617"/>
+          </a:xfrm>
+        </p:spPr>
         <p:txBody>
           <a:bodyPr/>
           <a:lstStyle/>
           <a:p>
-            <a:fld id="{B700F21C-8F8F-42F3-B54E-DA825E538004}" type="slidenum">
-              <a:rPr lang="en-US" smtClean="0"/>
-              <a:pPr/>
-              <a:t>8</a:t>
-            </a:fld>
-            <a:endParaRPr lang="en-US" dirty="0"/>
+            <a:r>
+              <a:rPr lang="en-US" dirty="0"/>
+              <a:t>collaborative programming with GitHub</a:t>
+            </a:r>
           </a:p>
         </p:txBody>
       </p:sp>
@@ -8613,10 +10481,10 @@
       </p:grpSpPr>
       <p:sp>
         <p:nvSpPr>
-          <p:cNvPr id="2" name="Title 1">
-            <a:extLst>
-              <a:ext uri="{FF2B5EF4-FFF2-40B4-BE49-F238E27FC236}">
-                <a16:creationId xmlns:a16="http://schemas.microsoft.com/office/drawing/2014/main" id="{943A07D4-7620-696D-16E9-EA502403BBE3}"/>
+          <p:cNvPr id="2" name="Slide Number Placeholder 1">
+            <a:extLst>
+              <a:ext uri="{FF2B5EF4-FFF2-40B4-BE49-F238E27FC236}">
+                <a16:creationId xmlns:a16="http://schemas.microsoft.com/office/drawing/2014/main" id="{5F0B8A8F-0F21-6C51-2943-EE68DA161EFF}"/>
               </a:ext>
             </a:extLst>
           </p:cNvPr>
@@ -8624,7 +10492,7 @@
             <a:spLocks noGrp="1"/>
           </p:cNvSpPr>
           <p:nvPr>
-            <p:ph type="ctrTitle"/>
+            <p:ph type="sldNum" sz="quarter" idx="12"/>
           </p:nvPr>
         </p:nvSpPr>
         <p:spPr/>
@@ -8634,17 +10502,20 @@
           <a:p>
             <a:r>
               <a:rPr lang="en-US" dirty="0"/>
-              <a:t>What?</a:t>
-            </a:r>
-          </a:p>
-        </p:txBody>
-      </p:sp>
-      <p:sp>
-        <p:nvSpPr>
-          <p:cNvPr id="3" name="Text Placeholder 2">
-            <a:extLst>
-              <a:ext uri="{FF2B5EF4-FFF2-40B4-BE49-F238E27FC236}">
-                <a16:creationId xmlns:a16="http://schemas.microsoft.com/office/drawing/2014/main" id="{F5A51FBF-76E6-FE96-FEF2-B58C6FE5446A}"/>
+              <a:t>collaborative programming with GitHub</a:t>
+            </a:r>
+          </a:p>
+          <a:p>
+            <a:endParaRPr lang="en-US" dirty="0"/>
+          </a:p>
+        </p:txBody>
+      </p:sp>
+      <p:sp>
+        <p:nvSpPr>
+          <p:cNvPr id="4" name="Content Placeholder 3">
+            <a:extLst>
+              <a:ext uri="{FF2B5EF4-FFF2-40B4-BE49-F238E27FC236}">
+                <a16:creationId xmlns:a16="http://schemas.microsoft.com/office/drawing/2014/main" id="{05E97BD6-0AC7-150F-97B7-59D436059EE0}"/>
               </a:ext>
             </a:extLst>
           </p:cNvPr>
@@ -8652,7 +10523,58 @@
             <a:spLocks noGrp="1"/>
           </p:cNvSpPr>
           <p:nvPr>
-            <p:ph type="body" sz="quarter" idx="10"/>
+            <p:ph idx="13"/>
+          </p:nvPr>
+        </p:nvSpPr>
+        <p:spPr/>
+        <p:txBody>
+          <a:bodyPr>
+            <a:normAutofit/>
+          </a:bodyPr>
+          <a:lstStyle/>
+          <a:p>
+            <a:r>
+              <a:rPr lang="en-US" sz="3600" dirty="0"/>
+              <a:t>Code readability decreases with time and distance.</a:t>
+            </a:r>
+          </a:p>
+          <a:p>
+            <a:r>
+              <a:rPr lang="en-US" sz="3600" dirty="0"/>
+              <a:t>Scope is hard to manage.</a:t>
+            </a:r>
+          </a:p>
+          <a:p>
+            <a:r>
+              <a:rPr lang="en-US" sz="3600" dirty="0"/>
+              <a:t>Scope needs to be managed.</a:t>
+            </a:r>
+          </a:p>
+          <a:p>
+            <a:r>
+              <a:rPr lang="en-US" sz="3600" dirty="0"/>
+              <a:t>Contributions need to be trustworthy.</a:t>
+            </a:r>
+          </a:p>
+          <a:p>
+            <a:endParaRPr lang="en-US" sz="3600" dirty="0"/>
+          </a:p>
+        </p:txBody>
+      </p:sp>
+      <p:sp>
+        <p:nvSpPr>
+          <p:cNvPr id="3" name="Title 2">
+            <a:extLst>
+              <a:ext uri="{FF2B5EF4-FFF2-40B4-BE49-F238E27FC236}">
+                <a16:creationId xmlns:a16="http://schemas.microsoft.com/office/drawing/2014/main" id="{D9311FEC-73B5-9BCF-485B-0A1BC395983F}"/>
+              </a:ext>
+            </a:extLst>
+          </p:cNvPr>
+          <p:cNvSpPr>
+            <a:spLocks noGrp="1"/>
+          </p:cNvSpPr>
+          <p:nvPr>
+            <p:ph type="title"/>
           </p:nvPr>
         </p:nvSpPr>
         <p:spPr/>
@@ -8662,15 +10584,62 @@
           <a:p>
             <a:r>
               <a:rPr lang="en-US" dirty="0"/>
-              <a:t>Collaborative programming with GitHub</a:t>
-            </a:r>
-          </a:p>
-        </p:txBody>
-      </p:sp>
+              <a:t>Why?</a:t>
+            </a:r>
+          </a:p>
+        </p:txBody>
+      </p:sp>
+      <p:pic>
+        <p:nvPicPr>
+          <p:cNvPr id="8" name="Picture 2" descr="professortocat_v2">
+            <a:extLst>
+              <a:ext uri="{FF2B5EF4-FFF2-40B4-BE49-F238E27FC236}">
+                <a16:creationId xmlns:a16="http://schemas.microsoft.com/office/drawing/2014/main" id="{BABD0740-AA31-7C54-EFE7-F6EE54E0F002}"/>
+              </a:ext>
+            </a:extLst>
+          </p:cNvPr>
+          <p:cNvPicPr>
+            <a:picLocks noChangeAspect="1" noChangeArrowheads="1"/>
+          </p:cNvPicPr>
+          <p:nvPr/>
+        </p:nvPicPr>
+        <p:blipFill>
+          <a:blip r:embed="rId2">
+            <a:extLst>
+              <a:ext uri="{28A0092B-C50C-407E-A947-70E740481C1C}">
+                <a14:useLocalDpi xmlns:a14="http://schemas.microsoft.com/office/drawing/2010/main" val="0"/>
+              </a:ext>
+            </a:extLst>
+          </a:blip>
+          <a:srcRect/>
+          <a:stretch>
+            <a:fillRect/>
+          </a:stretch>
+        </p:blipFill>
+        <p:spPr bwMode="auto">
+          <a:xfrm>
+            <a:off x="1541585" y="-7825"/>
+            <a:ext cx="1319909" cy="1319909"/>
+          </a:xfrm>
+          <a:prstGeom prst="rect">
+            <a:avLst/>
+          </a:prstGeom>
+          <a:noFill/>
+          <a:extLst>
+            <a:ext uri="{909E8E84-426E-40DD-AFC4-6F175D3DCCD1}">
+              <a14:hiddenFill xmlns:a14="http://schemas.microsoft.com/office/drawing/2010/main">
+                <a:solidFill>
+                  <a:srgbClr val="FFFFFF"/>
+                </a:solidFill>
+              </a14:hiddenFill>
+            </a:ext>
+          </a:extLst>
+        </p:spPr>
+      </p:pic>
     </p:spTree>
     <p:extLst>
       <p:ext uri="{BB962C8B-B14F-4D97-AF65-F5344CB8AC3E}">
-        <p14:creationId xmlns:p14="http://schemas.microsoft.com/office/powerpoint/2010/main" val="1775348690"/>
+        <p14:creationId xmlns:p14="http://schemas.microsoft.com/office/powerpoint/2010/main" val="1909691663"/>
       </p:ext>
     </p:extLst>
   </p:cSld>
